--- a/Output/Communication Material/DARS- presentation 22-03-2019.pptx
+++ b/Output/Communication Material/DARS- presentation 22-03-2019.pptx
@@ -123,7 +123,7 @@
   </p:defaultTextStyle>
   <p:extLst>
     <p:ext uri="{EFAFB233-063F-42B5-8137-9DF3F51BA10A}">
-      <p15:sldGuideLst xmlns:p15="http://schemas.microsoft.com/office/powerpoint/2012/main"/>
+      <p15:sldGuideLst xmlns:p15="http://schemas.microsoft.com/office/powerpoint/2012/main" xmlns=""/>
     </p:ext>
   </p:extLst>
 </p:presentation>
@@ -3807,6 +3807,13 @@
         </dgm:presLayoutVars>
       </dgm:prSet>
       <dgm:spPr/>
+      <dgm:t>
+        <a:bodyPr/>
+        <a:lstStyle/>
+        <a:p>
+          <a:endParaRPr lang="fr-FR"/>
+        </a:p>
+      </dgm:t>
     </dgm:pt>
     <dgm:pt modelId="{7AE48669-78BE-2E40-9F1A-962520656F60}" type="pres">
       <dgm:prSet presAssocID="{FA0E60DA-53EB-2345-8364-D0C8694D5D69}" presName="spacing" presStyleCnt="0"/>
@@ -3827,6 +3834,13 @@
         </dgm:presLayoutVars>
       </dgm:prSet>
       <dgm:spPr/>
+      <dgm:t>
+        <a:bodyPr/>
+        <a:lstStyle/>
+        <a:p>
+          <a:endParaRPr lang="fr-FR"/>
+        </a:p>
+      </dgm:t>
     </dgm:pt>
     <dgm:pt modelId="{64B77A97-79F1-DE4A-A4BD-8C3E03A444C4}" type="pres">
       <dgm:prSet presAssocID="{1E0D2B32-E1A9-B94F-AC62-A91FEAB93B46}" presName="spacing" presStyleCnt="0"/>
@@ -3847,16 +3861,23 @@
         </dgm:presLayoutVars>
       </dgm:prSet>
       <dgm:spPr/>
+      <dgm:t>
+        <a:bodyPr/>
+        <a:lstStyle/>
+        <a:p>
+          <a:endParaRPr lang="fr-FR"/>
+        </a:p>
+      </dgm:t>
     </dgm:pt>
   </dgm:ptLst>
   <dgm:cxnLst>
     <dgm:cxn modelId="{72E8A500-59D2-B244-9409-0B9C1C96FB3F}" type="presOf" srcId="{4D31FBB5-407A-C34D-B756-37DB391F5B2F}" destId="{4F985BED-34D2-904A-B495-7C21DC1C2C2C}" srcOrd="0" destOrd="0" presId="urn:microsoft.com/office/officeart/2005/8/layout/vList3"/>
-    <dgm:cxn modelId="{B2C16F14-FFF1-CF42-9E9F-07CD5CE69648}" srcId="{6577BB5B-08BE-C64A-BEAE-E9480DF63DF6}" destId="{8436259E-7E8B-2343-8939-80AE17CB70C9}" srcOrd="0" destOrd="0" parTransId="{C81056A5-5666-A84E-BC83-912FEDB1D7DC}" sibTransId="{FA0E60DA-53EB-2345-8364-D0C8694D5D69}"/>
     <dgm:cxn modelId="{FB574316-E93C-0143-99F8-C3C2E5EC75C2}" type="presOf" srcId="{CDE60358-B073-484C-8938-1FEA89217358}" destId="{2E523C3B-DD45-6B48-84C0-210DE2166C10}" srcOrd="0" destOrd="0" presId="urn:microsoft.com/office/officeart/2005/8/layout/vList3"/>
-    <dgm:cxn modelId="{E3828439-3E1A-524B-87C5-084EF92F20B3}" srcId="{6577BB5B-08BE-C64A-BEAE-E9480DF63DF6}" destId="{4D31FBB5-407A-C34D-B756-37DB391F5B2F}" srcOrd="1" destOrd="0" parTransId="{FE38597B-85B8-E543-8DA6-8C752A6B4100}" sibTransId="{1E0D2B32-E1A9-B94F-AC62-A91FEAB93B46}"/>
-    <dgm:cxn modelId="{D6F4BEBD-7DA0-8849-B2DE-88752106C871}" type="presOf" srcId="{6577BB5B-08BE-C64A-BEAE-E9480DF63DF6}" destId="{B6309637-668A-5C46-8D01-B0137C5E4C87}" srcOrd="0" destOrd="0" presId="urn:microsoft.com/office/officeart/2005/8/layout/vList3"/>
     <dgm:cxn modelId="{44CA00D3-6139-C949-8F69-3FDC43EBD52F}" srcId="{6577BB5B-08BE-C64A-BEAE-E9480DF63DF6}" destId="{CDE60358-B073-484C-8938-1FEA89217358}" srcOrd="2" destOrd="0" parTransId="{1B7B1E5A-763E-6741-8C37-4D58289090C3}" sibTransId="{A914339C-3C50-A643-9ED9-03207D192824}"/>
     <dgm:cxn modelId="{0C3896FB-5F4B-354B-97EA-7D02D07F429F}" type="presOf" srcId="{8436259E-7E8B-2343-8939-80AE17CB70C9}" destId="{DFC81A66-EC39-9E4B-8D4A-54E237348B17}" srcOrd="0" destOrd="0" presId="urn:microsoft.com/office/officeart/2005/8/layout/vList3"/>
+    <dgm:cxn modelId="{D6F4BEBD-7DA0-8849-B2DE-88752106C871}" type="presOf" srcId="{6577BB5B-08BE-C64A-BEAE-E9480DF63DF6}" destId="{B6309637-668A-5C46-8D01-B0137C5E4C87}" srcOrd="0" destOrd="0" presId="urn:microsoft.com/office/officeart/2005/8/layout/vList3"/>
+    <dgm:cxn modelId="{B2C16F14-FFF1-CF42-9E9F-07CD5CE69648}" srcId="{6577BB5B-08BE-C64A-BEAE-E9480DF63DF6}" destId="{8436259E-7E8B-2343-8939-80AE17CB70C9}" srcOrd="0" destOrd="0" parTransId="{C81056A5-5666-A84E-BC83-912FEDB1D7DC}" sibTransId="{FA0E60DA-53EB-2345-8364-D0C8694D5D69}"/>
+    <dgm:cxn modelId="{E3828439-3E1A-524B-87C5-084EF92F20B3}" srcId="{6577BB5B-08BE-C64A-BEAE-E9480DF63DF6}" destId="{4D31FBB5-407A-C34D-B756-37DB391F5B2F}" srcOrd="1" destOrd="0" parTransId="{FE38597B-85B8-E543-8DA6-8C752A6B4100}" sibTransId="{1E0D2B32-E1A9-B94F-AC62-A91FEAB93B46}"/>
     <dgm:cxn modelId="{A76B8235-7A62-4743-A372-A1C14CBFA203}" type="presParOf" srcId="{B6309637-668A-5C46-8D01-B0137C5E4C87}" destId="{91BE62C7-FD42-504D-8E42-60FC6E804D3A}" srcOrd="0" destOrd="0" presId="urn:microsoft.com/office/officeart/2005/8/layout/vList3"/>
     <dgm:cxn modelId="{AF06770F-4563-D241-9149-D53B3FFB2F47}" type="presParOf" srcId="{91BE62C7-FD42-504D-8E42-60FC6E804D3A}" destId="{050B3CF9-2666-0D4D-B48F-0FF7A2E83BE9}" srcOrd="0" destOrd="0" presId="urn:microsoft.com/office/officeart/2005/8/layout/vList3"/>
     <dgm:cxn modelId="{CD4FFAD8-5219-CD4B-B2C1-8E4720C7575D}" type="presParOf" srcId="{91BE62C7-FD42-504D-8E42-60FC6E804D3A}" destId="{DFC81A66-EC39-9E4B-8D4A-54E237348B17}" srcOrd="1" destOrd="0" presId="urn:microsoft.com/office/officeart/2005/8/layout/vList3"/>
@@ -3937,9 +3958,10 @@
         <a:lstStyle/>
         <a:p>
           <a:r>
-            <a:rPr lang="en-US" dirty="0"/>
-            <a:t>Sequential Pattern mining</a:t>
+            <a:rPr lang="en-US" dirty="0" smtClean="0"/>
+            <a:t>Predictive Model</a:t>
           </a:r>
+          <a:endParaRPr lang="en-US" dirty="0"/>
         </a:p>
       </dgm:t>
     </dgm:pt>
@@ -4009,9 +4031,10 @@
         <a:lstStyle/>
         <a:p>
           <a:r>
-            <a:rPr lang="en-US" dirty="0"/>
-            <a:t>CSPADE</a:t>
+            <a:rPr lang="en-US" dirty="0" smtClean="0"/>
+            <a:t>Regularized linear regression</a:t>
           </a:r>
+          <a:endParaRPr lang="en-US" dirty="0"/>
         </a:p>
       </dgm:t>
     </dgm:pt>
@@ -4137,9 +4160,10 @@
         </a:p>
         <a:p>
           <a:r>
-            <a:rPr lang="en-US" dirty="0"/>
-            <a:t>Red Flags</a:t>
+            <a:rPr lang="en-US" dirty="0" smtClean="0"/>
+            <a:t>Warnings &amp; preparation</a:t>
           </a:r>
+          <a:endParaRPr lang="en-US" dirty="0"/>
         </a:p>
       </dgm:t>
     </dgm:pt>
@@ -4176,6 +4200,13 @@
         </dgm:presLayoutVars>
       </dgm:prSet>
       <dgm:spPr/>
+      <dgm:t>
+        <a:bodyPr/>
+        <a:lstStyle/>
+        <a:p>
+          <a:endParaRPr lang="fr-FR"/>
+        </a:p>
+      </dgm:t>
     </dgm:pt>
     <dgm:pt modelId="{4EB9F925-FEE1-6A40-A0B7-BC304ADE4377}" type="pres">
       <dgm:prSet presAssocID="{0D18B1F3-560F-1A4A-AD1F-6E4EE34BCCE5}" presName="hierRoot1" presStyleCnt="0"/>
@@ -4196,6 +4227,13 @@
         </dgm:presLayoutVars>
       </dgm:prSet>
       <dgm:spPr/>
+      <dgm:t>
+        <a:bodyPr/>
+        <a:lstStyle/>
+        <a:p>
+          <a:endParaRPr lang="fr-FR"/>
+        </a:p>
+      </dgm:t>
     </dgm:pt>
     <dgm:pt modelId="{CA916C65-0C63-F94E-9886-B508B08EE2DB}" type="pres">
       <dgm:prSet presAssocID="{0D18B1F3-560F-1A4A-AD1F-6E4EE34BCCE5}" presName="hierChild2" presStyleCnt="0"/>
@@ -4204,6 +4242,13 @@
     <dgm:pt modelId="{5AC0287F-4A09-4644-9B60-1384F89E5341}" type="pres">
       <dgm:prSet presAssocID="{DB9B08D7-4AFB-F742-BDAD-DB3C800F7A45}" presName="Name10" presStyleLbl="parChTrans1D2" presStyleIdx="0" presStyleCnt="2"/>
       <dgm:spPr/>
+      <dgm:t>
+        <a:bodyPr/>
+        <a:lstStyle/>
+        <a:p>
+          <a:endParaRPr lang="fr-FR"/>
+        </a:p>
+      </dgm:t>
     </dgm:pt>
     <dgm:pt modelId="{B07CAB6A-9A6B-EC44-BC7B-B1ACBE441B01}" type="pres">
       <dgm:prSet presAssocID="{AA22864D-A49F-214D-BA2E-24A6B2D5B253}" presName="hierRoot2" presStyleCnt="0"/>
@@ -4224,6 +4269,13 @@
         </dgm:presLayoutVars>
       </dgm:prSet>
       <dgm:spPr/>
+      <dgm:t>
+        <a:bodyPr/>
+        <a:lstStyle/>
+        <a:p>
+          <a:endParaRPr lang="fr-FR"/>
+        </a:p>
+      </dgm:t>
     </dgm:pt>
     <dgm:pt modelId="{2FAC129B-FE48-2943-B8AF-8D7BFD491833}" type="pres">
       <dgm:prSet presAssocID="{AA22864D-A49F-214D-BA2E-24A6B2D5B253}" presName="hierChild3" presStyleCnt="0"/>
@@ -4232,6 +4284,13 @@
     <dgm:pt modelId="{75BC13C8-AF8C-5647-B5CB-4CF15E860B55}" type="pres">
       <dgm:prSet presAssocID="{0DEA9509-4205-6048-AE19-434F50645AD4}" presName="Name17" presStyleLbl="parChTrans1D3" presStyleIdx="0" presStyleCnt="2"/>
       <dgm:spPr/>
+      <dgm:t>
+        <a:bodyPr/>
+        <a:lstStyle/>
+        <a:p>
+          <a:endParaRPr lang="fr-FR"/>
+        </a:p>
+      </dgm:t>
     </dgm:pt>
     <dgm:pt modelId="{BE4E18E3-AA50-F143-B7DC-45D3B974F95C}" type="pres">
       <dgm:prSet presAssocID="{0D020AA6-2535-894D-A0B4-B6B4C024B9AD}" presName="hierRoot3" presStyleCnt="0"/>
@@ -4252,6 +4311,13 @@
         </dgm:presLayoutVars>
       </dgm:prSet>
       <dgm:spPr/>
+      <dgm:t>
+        <a:bodyPr/>
+        <a:lstStyle/>
+        <a:p>
+          <a:endParaRPr lang="fr-FR"/>
+        </a:p>
+      </dgm:t>
     </dgm:pt>
     <dgm:pt modelId="{702CDD9E-AE57-9249-9DB1-8310F5BDAF09}" type="pres">
       <dgm:prSet presAssocID="{0D020AA6-2535-894D-A0B4-B6B4C024B9AD}" presName="hierChild4" presStyleCnt="0"/>
@@ -4260,6 +4326,13 @@
     <dgm:pt modelId="{26B5F258-484C-3F4C-BB80-B640A1C559C5}" type="pres">
       <dgm:prSet presAssocID="{562EB75D-1669-DB46-AF06-E78E2C50015C}" presName="Name23" presStyleLbl="parChTrans1D4" presStyleIdx="0" presStyleCnt="2"/>
       <dgm:spPr/>
+      <dgm:t>
+        <a:bodyPr/>
+        <a:lstStyle/>
+        <a:p>
+          <a:endParaRPr lang="fr-FR"/>
+        </a:p>
+      </dgm:t>
     </dgm:pt>
     <dgm:pt modelId="{86D22DBD-41B3-1B41-92D9-A334794CF4DE}" type="pres">
       <dgm:prSet presAssocID="{6D7F74E0-EEE5-3D4C-8FFC-469D7626CA89}" presName="hierRoot4" presStyleCnt="0"/>
@@ -4280,6 +4353,13 @@
         </dgm:presLayoutVars>
       </dgm:prSet>
       <dgm:spPr/>
+      <dgm:t>
+        <a:bodyPr/>
+        <a:lstStyle/>
+        <a:p>
+          <a:endParaRPr lang="fr-FR"/>
+        </a:p>
+      </dgm:t>
     </dgm:pt>
     <dgm:pt modelId="{19CC0299-9B21-9946-BC29-DE62CC2E0B9F}" type="pres">
       <dgm:prSet presAssocID="{6D7F74E0-EEE5-3D4C-8FFC-469D7626CA89}" presName="hierChild5" presStyleCnt="0"/>
@@ -4288,6 +4368,13 @@
     <dgm:pt modelId="{79AF5C01-8724-DF4E-8B78-F6ED5F02738D}" type="pres">
       <dgm:prSet presAssocID="{AF3E5E4F-1619-4346-ABFB-1AC9527739FB}" presName="Name10" presStyleLbl="parChTrans1D2" presStyleIdx="1" presStyleCnt="2"/>
       <dgm:spPr/>
+      <dgm:t>
+        <a:bodyPr/>
+        <a:lstStyle/>
+        <a:p>
+          <a:endParaRPr lang="fr-FR"/>
+        </a:p>
+      </dgm:t>
     </dgm:pt>
     <dgm:pt modelId="{1732F2D7-A330-8344-8F0F-AD96C51C795E}" type="pres">
       <dgm:prSet presAssocID="{FF95716C-2E76-B448-9AEC-0CE65C5F61A9}" presName="hierRoot2" presStyleCnt="0"/>
@@ -4308,6 +4395,13 @@
         </dgm:presLayoutVars>
       </dgm:prSet>
       <dgm:spPr/>
+      <dgm:t>
+        <a:bodyPr/>
+        <a:lstStyle/>
+        <a:p>
+          <a:endParaRPr lang="fr-FR"/>
+        </a:p>
+      </dgm:t>
     </dgm:pt>
     <dgm:pt modelId="{C9FCBE1C-E569-5249-BCCA-B9B15316F873}" type="pres">
       <dgm:prSet presAssocID="{FF95716C-2E76-B448-9AEC-0CE65C5F61A9}" presName="hierChild3" presStyleCnt="0"/>
@@ -4316,6 +4410,13 @@
     <dgm:pt modelId="{351862DD-EBB8-2F4F-8E19-58F5D3E7E1B0}" type="pres">
       <dgm:prSet presAssocID="{8DB2768A-4134-F740-861B-DD0D40D9DE64}" presName="Name17" presStyleLbl="parChTrans1D3" presStyleIdx="1" presStyleCnt="2"/>
       <dgm:spPr/>
+      <dgm:t>
+        <a:bodyPr/>
+        <a:lstStyle/>
+        <a:p>
+          <a:endParaRPr lang="fr-FR"/>
+        </a:p>
+      </dgm:t>
     </dgm:pt>
     <dgm:pt modelId="{20DEC751-508E-024A-BF88-AA9992DF604C}" type="pres">
       <dgm:prSet presAssocID="{E7EC5815-0641-8C49-BB3D-0734EDEACDE0}" presName="hierRoot3" presStyleCnt="0"/>
@@ -4336,6 +4437,13 @@
         </dgm:presLayoutVars>
       </dgm:prSet>
       <dgm:spPr/>
+      <dgm:t>
+        <a:bodyPr/>
+        <a:lstStyle/>
+        <a:p>
+          <a:endParaRPr lang="fr-FR"/>
+        </a:p>
+      </dgm:t>
     </dgm:pt>
     <dgm:pt modelId="{4ED59EF9-2FEA-6243-B737-0893CDC2D0A0}" type="pres">
       <dgm:prSet presAssocID="{E7EC5815-0641-8C49-BB3D-0734EDEACDE0}" presName="hierChild4" presStyleCnt="0"/>
@@ -4344,6 +4452,13 @@
     <dgm:pt modelId="{D1731169-6A47-834F-8E2F-4B1149483C43}" type="pres">
       <dgm:prSet presAssocID="{0466863D-366A-EA49-BAC1-71BC9618F51B}" presName="Name23" presStyleLbl="parChTrans1D4" presStyleIdx="1" presStyleCnt="2"/>
       <dgm:spPr/>
+      <dgm:t>
+        <a:bodyPr/>
+        <a:lstStyle/>
+        <a:p>
+          <a:endParaRPr lang="fr-FR"/>
+        </a:p>
+      </dgm:t>
     </dgm:pt>
     <dgm:pt modelId="{E92FCD50-7069-524C-B447-027148347F7D}" type="pres">
       <dgm:prSet presAssocID="{E55E7914-8F4D-A24A-A910-246628899527}" presName="hierRoot4" presStyleCnt="0"/>
@@ -4364,6 +4479,13 @@
         </dgm:presLayoutVars>
       </dgm:prSet>
       <dgm:spPr/>
+      <dgm:t>
+        <a:bodyPr/>
+        <a:lstStyle/>
+        <a:p>
+          <a:endParaRPr lang="fr-FR"/>
+        </a:p>
+      </dgm:t>
     </dgm:pt>
     <dgm:pt modelId="{4CCEFCDD-8906-1643-98F1-921615FE62F7}" type="pres">
       <dgm:prSet presAssocID="{E55E7914-8F4D-A24A-A910-246628899527}" presName="hierChild5" presStyleCnt="0"/>
@@ -4371,27 +4493,27 @@
     </dgm:pt>
   </dgm:ptLst>
   <dgm:cxnLst>
+    <dgm:cxn modelId="{6295AE13-673B-A349-97B0-F52E7D052D27}" type="presOf" srcId="{6D7F74E0-EEE5-3D4C-8FFC-469D7626CA89}" destId="{3E92DB47-43A1-D646-9B77-D593F8ED4415}" srcOrd="0" destOrd="0" presId="urn:microsoft.com/office/officeart/2009/layout/CirclePictureHierarchy"/>
+    <dgm:cxn modelId="{D8BC4587-8AD7-DC40-9B0A-7194B03577E8}" srcId="{0D18B1F3-560F-1A4A-AD1F-6E4EE34BCCE5}" destId="{AA22864D-A49F-214D-BA2E-24A6B2D5B253}" srcOrd="0" destOrd="0" parTransId="{DB9B08D7-4AFB-F742-BDAD-DB3C800F7A45}" sibTransId="{CE71534D-56BD-7343-BC19-810D7E83E898}"/>
+    <dgm:cxn modelId="{2A2F09F2-4F9C-214B-96A9-B99E9195CC97}" srcId="{0D020AA6-2535-894D-A0B4-B6B4C024B9AD}" destId="{6D7F74E0-EEE5-3D4C-8FFC-469D7626CA89}" srcOrd="0" destOrd="0" parTransId="{562EB75D-1669-DB46-AF06-E78E2C50015C}" sibTransId="{9F726F4E-6A8E-904D-BC49-511C686C9E00}"/>
+    <dgm:cxn modelId="{BA412CCD-110F-DE4E-AAE2-6358950A7311}" srcId="{E7EC5815-0641-8C49-BB3D-0734EDEACDE0}" destId="{E55E7914-8F4D-A24A-A910-246628899527}" srcOrd="0" destOrd="0" parTransId="{0466863D-366A-EA49-BAC1-71BC9618F51B}" sibTransId="{36D8079B-B638-AC48-9856-A6814567AAB5}"/>
+    <dgm:cxn modelId="{C12FF2D7-1E3B-C342-9B75-E47DDBCCFD36}" type="presOf" srcId="{0DEA9509-4205-6048-AE19-434F50645AD4}" destId="{75BC13C8-AF8C-5647-B5CB-4CF15E860B55}" srcOrd="0" destOrd="0" presId="urn:microsoft.com/office/officeart/2009/layout/CirclePictureHierarchy"/>
+    <dgm:cxn modelId="{B91B0B18-601A-5A4D-B4A8-71D3F69517AA}" type="presOf" srcId="{8DB2768A-4134-F740-861B-DD0D40D9DE64}" destId="{351862DD-EBB8-2F4F-8E19-58F5D3E7E1B0}" srcOrd="0" destOrd="0" presId="urn:microsoft.com/office/officeart/2009/layout/CirclePictureHierarchy"/>
+    <dgm:cxn modelId="{DC72862B-5F4F-974F-95A1-BBFBFD1E084E}" type="presOf" srcId="{AA22864D-A49F-214D-BA2E-24A6B2D5B253}" destId="{3F272584-72A2-4D46-B55C-57743770FE43}" srcOrd="0" destOrd="0" presId="urn:microsoft.com/office/officeart/2009/layout/CirclePictureHierarchy"/>
     <dgm:cxn modelId="{3ABE1401-F495-FF4D-88CE-EF14630BE7D1}" type="presOf" srcId="{0D18B1F3-560F-1A4A-AD1F-6E4EE34BCCE5}" destId="{71A1BEFD-FB77-1246-B5EC-C86C2AFAB676}" srcOrd="0" destOrd="0" presId="urn:microsoft.com/office/officeart/2009/layout/CirclePictureHierarchy"/>
     <dgm:cxn modelId="{DC68D40B-B8DD-C44E-9FE4-AD39E05A38B5}" srcId="{AA22864D-A49F-214D-BA2E-24A6B2D5B253}" destId="{0D020AA6-2535-894D-A0B4-B6B4C024B9AD}" srcOrd="0" destOrd="0" parTransId="{0DEA9509-4205-6048-AE19-434F50645AD4}" sibTransId="{D15362C5-3F97-9C45-81BA-0E460C3F6C7A}"/>
     <dgm:cxn modelId="{A0C88310-6364-D54B-902E-B9BCC8B130E9}" srcId="{F8106121-B633-8B49-BCC0-FFDB78E8B098}" destId="{0D18B1F3-560F-1A4A-AD1F-6E4EE34BCCE5}" srcOrd="0" destOrd="0" parTransId="{8C10D682-039B-8249-95CE-156F17462F7E}" sibTransId="{61379222-F04D-4B4B-8300-45C15E2CB7B6}"/>
-    <dgm:cxn modelId="{6295AE13-673B-A349-97B0-F52E7D052D27}" type="presOf" srcId="{6D7F74E0-EEE5-3D4C-8FFC-469D7626CA89}" destId="{3E92DB47-43A1-D646-9B77-D593F8ED4415}" srcOrd="0" destOrd="0" presId="urn:microsoft.com/office/officeart/2009/layout/CirclePictureHierarchy"/>
-    <dgm:cxn modelId="{B91B0B18-601A-5A4D-B4A8-71D3F69517AA}" type="presOf" srcId="{8DB2768A-4134-F740-861B-DD0D40D9DE64}" destId="{351862DD-EBB8-2F4F-8E19-58F5D3E7E1B0}" srcOrd="0" destOrd="0" presId="urn:microsoft.com/office/officeart/2009/layout/CirclePictureHierarchy"/>
+    <dgm:cxn modelId="{4C3A57F8-3AE6-2F4C-9956-859857EA2BDD}" srcId="{0D18B1F3-560F-1A4A-AD1F-6E4EE34BCCE5}" destId="{FF95716C-2E76-B448-9AEC-0CE65C5F61A9}" srcOrd="1" destOrd="0" parTransId="{AF3E5E4F-1619-4346-ABFB-1AC9527739FB}" sibTransId="{2B201AA7-B7B2-DD4E-A59D-6AA1B3421050}"/>
+    <dgm:cxn modelId="{E5CDEA5B-F6F4-2D46-801C-C817F55FF8AF}" type="presOf" srcId="{FF95716C-2E76-B448-9AEC-0CE65C5F61A9}" destId="{B3177CA6-3E69-4641-94C7-968D9AE05BA2}" srcOrd="0" destOrd="0" presId="urn:microsoft.com/office/officeart/2009/layout/CirclePictureHierarchy"/>
+    <dgm:cxn modelId="{FEA17CA7-9782-7D4D-AA5F-1D2841F6471A}" type="presOf" srcId="{0D020AA6-2535-894D-A0B4-B6B4C024B9AD}" destId="{6774ED39-1A82-8348-875D-49E60374E5C1}" srcOrd="0" destOrd="0" presId="urn:microsoft.com/office/officeart/2009/layout/CirclePictureHierarchy"/>
+    <dgm:cxn modelId="{CD1BE2A4-9F95-D044-AD89-F010A88F515B}" type="presOf" srcId="{0466863D-366A-EA49-BAC1-71BC9618F51B}" destId="{D1731169-6A47-834F-8E2F-4B1149483C43}" srcOrd="0" destOrd="0" presId="urn:microsoft.com/office/officeart/2009/layout/CirclePictureHierarchy"/>
+    <dgm:cxn modelId="{46D6C0A4-0803-0342-AE5E-1D3C8B7F2AEC}" type="presOf" srcId="{DB9B08D7-4AFB-F742-BDAD-DB3C800F7A45}" destId="{5AC0287F-4A09-4644-9B60-1384F89E5341}" srcOrd="0" destOrd="0" presId="urn:microsoft.com/office/officeart/2009/layout/CirclePictureHierarchy"/>
+    <dgm:cxn modelId="{47BAF33A-0DF5-E940-B850-09B2F65C3352}" srcId="{FF95716C-2E76-B448-9AEC-0CE65C5F61A9}" destId="{E7EC5815-0641-8C49-BB3D-0734EDEACDE0}" srcOrd="0" destOrd="0" parTransId="{8DB2768A-4134-F740-861B-DD0D40D9DE64}" sibTransId="{43BA868F-15D9-C14E-94FF-E0C1520B4A9F}"/>
+    <dgm:cxn modelId="{7442CAD3-D774-C04F-A197-4A6C49BDD3ED}" type="presOf" srcId="{AF3E5E4F-1619-4346-ABFB-1AC9527739FB}" destId="{79AF5C01-8724-DF4E-8B78-F6ED5F02738D}" srcOrd="0" destOrd="0" presId="urn:microsoft.com/office/officeart/2009/layout/CirclePictureHierarchy"/>
+    <dgm:cxn modelId="{512A9841-CDD1-344A-B5F5-086D9CBAB538}" type="presOf" srcId="{F8106121-B633-8B49-BCC0-FFDB78E8B098}" destId="{BFACA518-B679-324F-BEE3-4D9B308FF833}" srcOrd="0" destOrd="0" presId="urn:microsoft.com/office/officeart/2009/layout/CirclePictureHierarchy"/>
+    <dgm:cxn modelId="{69A84CD7-AAA9-7D48-98A3-371EEE3B9EA1}" type="presOf" srcId="{E55E7914-8F4D-A24A-A910-246628899527}" destId="{151BC73F-3B0B-F544-A30B-41E20B575076}" srcOrd="0" destOrd="0" presId="urn:microsoft.com/office/officeart/2009/layout/CirclePictureHierarchy"/>
+    <dgm:cxn modelId="{9110902E-4B4E-6A4A-A16E-8A95CA1A3E42}" type="presOf" srcId="{E7EC5815-0641-8C49-BB3D-0734EDEACDE0}" destId="{F13BCCAE-E1C2-614B-81A6-4774211489D5}" srcOrd="0" destOrd="0" presId="urn:microsoft.com/office/officeart/2009/layout/CirclePictureHierarchy"/>
     <dgm:cxn modelId="{018F611B-9525-1946-BFFC-EC86CCBFD36A}" type="presOf" srcId="{562EB75D-1669-DB46-AF06-E78E2C50015C}" destId="{26B5F258-484C-3F4C-BB80-B640A1C559C5}" srcOrd="0" destOrd="0" presId="urn:microsoft.com/office/officeart/2009/layout/CirclePictureHierarchy"/>
-    <dgm:cxn modelId="{DC72862B-5F4F-974F-95A1-BBFBFD1E084E}" type="presOf" srcId="{AA22864D-A49F-214D-BA2E-24A6B2D5B253}" destId="{3F272584-72A2-4D46-B55C-57743770FE43}" srcOrd="0" destOrd="0" presId="urn:microsoft.com/office/officeart/2009/layout/CirclePictureHierarchy"/>
-    <dgm:cxn modelId="{9110902E-4B4E-6A4A-A16E-8A95CA1A3E42}" type="presOf" srcId="{E7EC5815-0641-8C49-BB3D-0734EDEACDE0}" destId="{F13BCCAE-E1C2-614B-81A6-4774211489D5}" srcOrd="0" destOrd="0" presId="urn:microsoft.com/office/officeart/2009/layout/CirclePictureHierarchy"/>
-    <dgm:cxn modelId="{47BAF33A-0DF5-E940-B850-09B2F65C3352}" srcId="{FF95716C-2E76-B448-9AEC-0CE65C5F61A9}" destId="{E7EC5815-0641-8C49-BB3D-0734EDEACDE0}" srcOrd="0" destOrd="0" parTransId="{8DB2768A-4134-F740-861B-DD0D40D9DE64}" sibTransId="{43BA868F-15D9-C14E-94FF-E0C1520B4A9F}"/>
-    <dgm:cxn modelId="{512A9841-CDD1-344A-B5F5-086D9CBAB538}" type="presOf" srcId="{F8106121-B633-8B49-BCC0-FFDB78E8B098}" destId="{BFACA518-B679-324F-BEE3-4D9B308FF833}" srcOrd="0" destOrd="0" presId="urn:microsoft.com/office/officeart/2009/layout/CirclePictureHierarchy"/>
-    <dgm:cxn modelId="{E5CDEA5B-F6F4-2D46-801C-C817F55FF8AF}" type="presOf" srcId="{FF95716C-2E76-B448-9AEC-0CE65C5F61A9}" destId="{B3177CA6-3E69-4641-94C7-968D9AE05BA2}" srcOrd="0" destOrd="0" presId="urn:microsoft.com/office/officeart/2009/layout/CirclePictureHierarchy"/>
-    <dgm:cxn modelId="{D8BC4587-8AD7-DC40-9B0A-7194B03577E8}" srcId="{0D18B1F3-560F-1A4A-AD1F-6E4EE34BCCE5}" destId="{AA22864D-A49F-214D-BA2E-24A6B2D5B253}" srcOrd="0" destOrd="0" parTransId="{DB9B08D7-4AFB-F742-BDAD-DB3C800F7A45}" sibTransId="{CE71534D-56BD-7343-BC19-810D7E83E898}"/>
-    <dgm:cxn modelId="{46D6C0A4-0803-0342-AE5E-1D3C8B7F2AEC}" type="presOf" srcId="{DB9B08D7-4AFB-F742-BDAD-DB3C800F7A45}" destId="{5AC0287F-4A09-4644-9B60-1384F89E5341}" srcOrd="0" destOrd="0" presId="urn:microsoft.com/office/officeart/2009/layout/CirclePictureHierarchy"/>
-    <dgm:cxn modelId="{CD1BE2A4-9F95-D044-AD89-F010A88F515B}" type="presOf" srcId="{0466863D-366A-EA49-BAC1-71BC9618F51B}" destId="{D1731169-6A47-834F-8E2F-4B1149483C43}" srcOrd="0" destOrd="0" presId="urn:microsoft.com/office/officeart/2009/layout/CirclePictureHierarchy"/>
-    <dgm:cxn modelId="{FEA17CA7-9782-7D4D-AA5F-1D2841F6471A}" type="presOf" srcId="{0D020AA6-2535-894D-A0B4-B6B4C024B9AD}" destId="{6774ED39-1A82-8348-875D-49E60374E5C1}" srcOrd="0" destOrd="0" presId="urn:microsoft.com/office/officeart/2009/layout/CirclePictureHierarchy"/>
-    <dgm:cxn modelId="{BA412CCD-110F-DE4E-AAE2-6358950A7311}" srcId="{E7EC5815-0641-8C49-BB3D-0734EDEACDE0}" destId="{E55E7914-8F4D-A24A-A910-246628899527}" srcOrd="0" destOrd="0" parTransId="{0466863D-366A-EA49-BAC1-71BC9618F51B}" sibTransId="{36D8079B-B638-AC48-9856-A6814567AAB5}"/>
-    <dgm:cxn modelId="{7442CAD3-D774-C04F-A197-4A6C49BDD3ED}" type="presOf" srcId="{AF3E5E4F-1619-4346-ABFB-1AC9527739FB}" destId="{79AF5C01-8724-DF4E-8B78-F6ED5F02738D}" srcOrd="0" destOrd="0" presId="urn:microsoft.com/office/officeart/2009/layout/CirclePictureHierarchy"/>
-    <dgm:cxn modelId="{69A84CD7-AAA9-7D48-98A3-371EEE3B9EA1}" type="presOf" srcId="{E55E7914-8F4D-A24A-A910-246628899527}" destId="{151BC73F-3B0B-F544-A30B-41E20B575076}" srcOrd="0" destOrd="0" presId="urn:microsoft.com/office/officeart/2009/layout/CirclePictureHierarchy"/>
-    <dgm:cxn modelId="{C12FF2D7-1E3B-C342-9B75-E47DDBCCFD36}" type="presOf" srcId="{0DEA9509-4205-6048-AE19-434F50645AD4}" destId="{75BC13C8-AF8C-5647-B5CB-4CF15E860B55}" srcOrd="0" destOrd="0" presId="urn:microsoft.com/office/officeart/2009/layout/CirclePictureHierarchy"/>
-    <dgm:cxn modelId="{2A2F09F2-4F9C-214B-96A9-B99E9195CC97}" srcId="{0D020AA6-2535-894D-A0B4-B6B4C024B9AD}" destId="{6D7F74E0-EEE5-3D4C-8FFC-469D7626CA89}" srcOrd="0" destOrd="0" parTransId="{562EB75D-1669-DB46-AF06-E78E2C50015C}" sibTransId="{9F726F4E-6A8E-904D-BC49-511C686C9E00}"/>
-    <dgm:cxn modelId="{4C3A57F8-3AE6-2F4C-9956-859857EA2BDD}" srcId="{0D18B1F3-560F-1A4A-AD1F-6E4EE34BCCE5}" destId="{FF95716C-2E76-B448-9AEC-0CE65C5F61A9}" srcOrd="1" destOrd="0" parTransId="{AF3E5E4F-1619-4346-ABFB-1AC9527739FB}" sibTransId="{2B201AA7-B7B2-DD4E-A59D-6AA1B3421050}"/>
     <dgm:cxn modelId="{1723FDE2-DC58-CF40-A821-F834C825588A}" type="presParOf" srcId="{BFACA518-B679-324F-BEE3-4D9B308FF833}" destId="{4EB9F925-FEE1-6A40-A0B7-BC304ADE4377}" srcOrd="0" destOrd="0" presId="urn:microsoft.com/office/officeart/2009/layout/CirclePictureHierarchy"/>
     <dgm:cxn modelId="{50BD7ADD-101E-114B-BBD0-F62F37B0340F}" type="presParOf" srcId="{4EB9F925-FEE1-6A40-A0B7-BC304ADE4377}" destId="{36DF1AB2-6220-C347-A48F-B712450C3326}" srcOrd="0" destOrd="0" presId="urn:microsoft.com/office/officeart/2009/layout/CirclePictureHierarchy"/>
     <dgm:cxn modelId="{A0BAF571-6B67-3341-9DC5-8CD8B4E3678B}" type="presParOf" srcId="{36DF1AB2-6220-C347-A48F-B712450C3326}" destId="{4286AF6E-DC77-7944-951F-D84B00D22109}" srcOrd="0" destOrd="0" presId="urn:microsoft.com/office/officeart/2009/layout/CirclePictureHierarchy"/>
@@ -4611,8 +4733,12 @@
         <a:lstStyle/>
         <a:p>
           <a:r>
+            <a:rPr lang="en-US" dirty="0" smtClean="0"/>
+            <a:t>n topics </a:t>
+          </a:r>
+          <a:r>
             <a:rPr lang="en-US" dirty="0"/>
-            <a:t>Number of topics (5 – 250)</a:t>
+            <a:t>(5 – 250)</a:t>
           </a:r>
         </a:p>
       </dgm:t>
@@ -4755,8 +4881,12 @@
         <a:lstStyle/>
         <a:p>
           <a:r>
+            <a:rPr lang="en-US" dirty="0" smtClean="0"/>
+            <a:t>Key </a:t>
+          </a:r>
+          <a:r>
             <a:rPr lang="en-US" dirty="0"/>
-            <a:t> Key words</a:t>
+            <a:t>words</a:t>
           </a:r>
         </a:p>
       </dgm:t>
@@ -4913,6 +5043,75 @@
       <dgm:prSet/>
       <dgm:spPr/>
     </dgm:pt>
+    <dgm:pt modelId="{029DFC3C-5818-4092-88B2-7DFF19E4D432}">
+      <dgm:prSet phldrT="[Text]"/>
+      <dgm:spPr/>
+      <dgm:t>
+        <a:bodyPr/>
+        <a:lstStyle/>
+        <a:p>
+          <a:r>
+            <a:rPr lang="en-US" dirty="0" smtClean="0"/>
+            <a:t>alpha</a:t>
+          </a:r>
+          <a:endParaRPr lang="en-US" dirty="0"/>
+        </a:p>
+      </dgm:t>
+    </dgm:pt>
+    <dgm:pt modelId="{004BEF1F-5740-43E4-B489-0E31BE9A1CBD}" type="parTrans" cxnId="{49764D44-C09C-416F-8809-2C0D820881FB}">
+      <dgm:prSet/>
+      <dgm:spPr/>
+    </dgm:pt>
+    <dgm:pt modelId="{36CA98AC-D91B-405A-8BC8-65E1BC69C6BC}" type="sibTrans" cxnId="{49764D44-C09C-416F-8809-2C0D820881FB}">
+      <dgm:prSet/>
+      <dgm:spPr/>
+    </dgm:pt>
+    <dgm:pt modelId="{E64EA8A1-D7A9-43E1-988A-294179DB0FE4}">
+      <dgm:prSet phldrT="[Text]"/>
+      <dgm:spPr/>
+      <dgm:t>
+        <a:bodyPr/>
+        <a:lstStyle/>
+        <a:p>
+          <a:r>
+            <a:rPr lang="en-US" dirty="0" smtClean="0"/>
+            <a:t>beta</a:t>
+          </a:r>
+          <a:endParaRPr lang="en-US" dirty="0"/>
+        </a:p>
+      </dgm:t>
+    </dgm:pt>
+    <dgm:pt modelId="{38EB313D-2ACA-41B1-9205-EA517F24CFF9}" type="parTrans" cxnId="{4C89B6FA-E8DB-49CC-9371-3A9BBB11B126}">
+      <dgm:prSet/>
+      <dgm:spPr/>
+    </dgm:pt>
+    <dgm:pt modelId="{08C610E4-696C-4BFE-ACB0-C28FAB7D2347}" type="sibTrans" cxnId="{4C89B6FA-E8DB-49CC-9371-3A9BBB11B126}">
+      <dgm:prSet/>
+      <dgm:spPr/>
+    </dgm:pt>
+    <dgm:pt modelId="{C38D66EC-FEDD-4439-8A86-906041F0CEE0}">
+      <dgm:prSet phldrT="[Text]"/>
+      <dgm:spPr/>
+      <dgm:t>
+        <a:bodyPr/>
+        <a:lstStyle/>
+        <a:p>
+          <a:r>
+            <a:rPr lang="en-US" dirty="0" smtClean="0"/>
+            <a:t>Vary:</a:t>
+          </a:r>
+          <a:endParaRPr lang="en-US" dirty="0"/>
+        </a:p>
+      </dgm:t>
+    </dgm:pt>
+    <dgm:pt modelId="{C3A6384D-94AE-42C5-9EC3-E0CBB36420D2}" type="parTrans" cxnId="{74920BAF-8EA8-4CBA-9F75-BE54A1719792}">
+      <dgm:prSet/>
+      <dgm:spPr/>
+    </dgm:pt>
+    <dgm:pt modelId="{C7956634-0570-4097-A19F-943B63A780A6}" type="sibTrans" cxnId="{74920BAF-8EA8-4CBA-9F75-BE54A1719792}">
+      <dgm:prSet/>
+      <dgm:spPr/>
+    </dgm:pt>
     <dgm:pt modelId="{3EEF20E3-E8FF-C948-B6A2-E332D891F03C}" type="pres">
       <dgm:prSet presAssocID="{38F44408-F7EA-5D45-9F78-1E9259F17F1C}" presName="Name0" presStyleCnt="0">
         <dgm:presLayoutVars>
@@ -4921,6 +5120,13 @@
         </dgm:presLayoutVars>
       </dgm:prSet>
       <dgm:spPr/>
+      <dgm:t>
+        <a:bodyPr/>
+        <a:lstStyle/>
+        <a:p>
+          <a:endParaRPr lang="fr-FR"/>
+        </a:p>
+      </dgm:t>
     </dgm:pt>
     <dgm:pt modelId="{C52653A9-88E4-5B4C-A313-E4CE4518E38B}" type="pres">
       <dgm:prSet presAssocID="{CB4FD71C-37EB-7C4D-BA75-847F56CE95C2}" presName="node" presStyleLbl="node1" presStyleIdx="0" presStyleCnt="4">
@@ -4929,14 +5135,35 @@
         </dgm:presLayoutVars>
       </dgm:prSet>
       <dgm:spPr/>
+      <dgm:t>
+        <a:bodyPr/>
+        <a:lstStyle/>
+        <a:p>
+          <a:endParaRPr lang="fr-FR"/>
+        </a:p>
+      </dgm:t>
     </dgm:pt>
     <dgm:pt modelId="{524E36A4-812D-A94F-B713-8FF1DFB30DF5}" type="pres">
       <dgm:prSet presAssocID="{3C3A72B1-6F38-454F-ADA5-D1EBE4A37A7A}" presName="sibTrans" presStyleLbl="sibTrans2D1" presStyleIdx="0" presStyleCnt="3"/>
       <dgm:spPr/>
+      <dgm:t>
+        <a:bodyPr/>
+        <a:lstStyle/>
+        <a:p>
+          <a:endParaRPr lang="fr-FR"/>
+        </a:p>
+      </dgm:t>
     </dgm:pt>
     <dgm:pt modelId="{45B56F92-CA62-7547-B01D-E6ADA8964BD8}" type="pres">
       <dgm:prSet presAssocID="{3C3A72B1-6F38-454F-ADA5-D1EBE4A37A7A}" presName="connectorText" presStyleLbl="sibTrans2D1" presStyleIdx="0" presStyleCnt="3"/>
       <dgm:spPr/>
+      <dgm:t>
+        <a:bodyPr/>
+        <a:lstStyle/>
+        <a:p>
+          <a:endParaRPr lang="fr-FR"/>
+        </a:p>
+      </dgm:t>
     </dgm:pt>
     <dgm:pt modelId="{062D1ADA-9625-5C42-8A29-3EBF6176F03B}" type="pres">
       <dgm:prSet presAssocID="{55AF6ACC-D03D-AE4C-B062-8B2F16A0D8E1}" presName="node" presStyleLbl="node1" presStyleIdx="1" presStyleCnt="4">
@@ -4945,14 +5172,35 @@
         </dgm:presLayoutVars>
       </dgm:prSet>
       <dgm:spPr/>
+      <dgm:t>
+        <a:bodyPr/>
+        <a:lstStyle/>
+        <a:p>
+          <a:endParaRPr lang="fr-FR"/>
+        </a:p>
+      </dgm:t>
     </dgm:pt>
     <dgm:pt modelId="{FF924318-EFF4-114C-A607-D5E593D342F4}" type="pres">
       <dgm:prSet presAssocID="{A7B5DA2F-F7AF-9F49-B4CA-599244722077}" presName="sibTrans" presStyleLbl="sibTrans2D1" presStyleIdx="1" presStyleCnt="3"/>
       <dgm:spPr/>
+      <dgm:t>
+        <a:bodyPr/>
+        <a:lstStyle/>
+        <a:p>
+          <a:endParaRPr lang="fr-FR"/>
+        </a:p>
+      </dgm:t>
     </dgm:pt>
     <dgm:pt modelId="{A4EC4731-5BF8-BF47-ADB2-BBF1EF6E6274}" type="pres">
       <dgm:prSet presAssocID="{A7B5DA2F-F7AF-9F49-B4CA-599244722077}" presName="connectorText" presStyleLbl="sibTrans2D1" presStyleIdx="1" presStyleCnt="3"/>
       <dgm:spPr/>
+      <dgm:t>
+        <a:bodyPr/>
+        <a:lstStyle/>
+        <a:p>
+          <a:endParaRPr lang="fr-FR"/>
+        </a:p>
+      </dgm:t>
     </dgm:pt>
     <dgm:pt modelId="{CA926706-B92E-CE41-81A0-54D1A7872542}" type="pres">
       <dgm:prSet presAssocID="{9B0DC355-4EE7-CF4D-8FA3-65138D55947F}" presName="node" presStyleLbl="node1" presStyleIdx="2" presStyleCnt="4">
@@ -4961,14 +5209,35 @@
         </dgm:presLayoutVars>
       </dgm:prSet>
       <dgm:spPr/>
+      <dgm:t>
+        <a:bodyPr/>
+        <a:lstStyle/>
+        <a:p>
+          <a:endParaRPr lang="fr-FR"/>
+        </a:p>
+      </dgm:t>
     </dgm:pt>
     <dgm:pt modelId="{C59F1FE9-B675-F74A-81B2-DF1C859D9125}" type="pres">
       <dgm:prSet presAssocID="{7117672F-4AE5-FD41-A307-D1F4ACE04C98}" presName="sibTrans" presStyleLbl="sibTrans2D1" presStyleIdx="2" presStyleCnt="3"/>
       <dgm:spPr/>
+      <dgm:t>
+        <a:bodyPr/>
+        <a:lstStyle/>
+        <a:p>
+          <a:endParaRPr lang="fr-FR"/>
+        </a:p>
+      </dgm:t>
     </dgm:pt>
     <dgm:pt modelId="{694E6BB3-6CB3-2541-A17A-F925628A8872}" type="pres">
       <dgm:prSet presAssocID="{7117672F-4AE5-FD41-A307-D1F4ACE04C98}" presName="connectorText" presStyleLbl="sibTrans2D1" presStyleIdx="2" presStyleCnt="3"/>
       <dgm:spPr/>
+      <dgm:t>
+        <a:bodyPr/>
+        <a:lstStyle/>
+        <a:p>
+          <a:endParaRPr lang="fr-FR"/>
+        </a:p>
+      </dgm:t>
     </dgm:pt>
     <dgm:pt modelId="{A9073634-AA3C-9A44-B584-1CB99DA50058}" type="pres">
       <dgm:prSet presAssocID="{33B6F756-187C-084D-A5E5-14E3CE45FED5}" presName="node" presStyleLbl="node1" presStyleIdx="3" presStyleCnt="4">
@@ -4977,42 +5246,55 @@
         </dgm:presLayoutVars>
       </dgm:prSet>
       <dgm:spPr/>
+      <dgm:t>
+        <a:bodyPr/>
+        <a:lstStyle/>
+        <a:p>
+          <a:endParaRPr lang="fr-FR"/>
+        </a:p>
+      </dgm:t>
     </dgm:pt>
   </dgm:ptLst>
   <dgm:cxnLst>
+    <dgm:cxn modelId="{2C64AF3D-3E1B-5C48-8D6E-3210C30753AB}" srcId="{C38D66EC-FEDD-4439-8A86-906041F0CEE0}" destId="{7D6AA2CE-1DC2-9742-92CF-885CA52CA627}" srcOrd="0" destOrd="0" parTransId="{96750AF0-2505-6A46-B9CA-FE421C4BC92D}" sibTransId="{B711D696-2CCC-2046-A5DF-A95001FFDD95}"/>
+    <dgm:cxn modelId="{A1A14C2F-E7D6-964D-8977-51F9BF04B7AE}" srcId="{33B6F756-187C-084D-A5E5-14E3CE45FED5}" destId="{49ED70FB-4313-8C44-B11C-342D87274162}" srcOrd="0" destOrd="0" parTransId="{48D45555-4DDE-884A-B4D8-E13913EF94E6}" sibTransId="{701D2E83-9CEE-604F-A11C-33BFB65773F0}"/>
+    <dgm:cxn modelId="{74920BAF-8EA8-4CBA-9F75-BE54A1719792}" srcId="{55AF6ACC-D03D-AE4C-B062-8B2F16A0D8E1}" destId="{C38D66EC-FEDD-4439-8A86-906041F0CEE0}" srcOrd="1" destOrd="0" parTransId="{C3A6384D-94AE-42C5-9EC3-E0CBB36420D2}" sibTransId="{C7956634-0570-4097-A19F-943B63A780A6}"/>
+    <dgm:cxn modelId="{C6516B07-CC80-334B-BB48-E0F4A187926C}" srcId="{9B0DC355-4EE7-CF4D-8FA3-65138D55947F}" destId="{F6D58DD0-BC92-354B-B63E-89311C05467C}" srcOrd="0" destOrd="0" parTransId="{CB2333CF-7392-B64F-B54A-63F25D6D9C5C}" sibTransId="{F38A59B3-429D-9847-820A-F7DED544AA92}"/>
+    <dgm:cxn modelId="{CCF3526B-89DC-2D4F-9C96-1E59C0C4FDCC}" type="presOf" srcId="{A7B5DA2F-F7AF-9F49-B4CA-599244722077}" destId="{FF924318-EFF4-114C-A607-D5E593D342F4}" srcOrd="0" destOrd="0" presId="urn:microsoft.com/office/officeart/2005/8/layout/process1"/>
+    <dgm:cxn modelId="{B436C5F6-09C7-3744-AFBC-CEB44E2793D1}" type="presOf" srcId="{88EAD537-7A7D-4F41-96B9-A5783DC87535}" destId="{062D1ADA-9625-5C42-8A29-3EBF6176F03B}" srcOrd="0" destOrd="1" presId="urn:microsoft.com/office/officeart/2005/8/layout/process1"/>
+    <dgm:cxn modelId="{66144CCE-43C8-2C4D-80AC-F6EB31BFA21C}" type="presOf" srcId="{7117672F-4AE5-FD41-A307-D1F4ACE04C98}" destId="{C59F1FE9-B675-F74A-81B2-DF1C859D9125}" srcOrd="0" destOrd="0" presId="urn:microsoft.com/office/officeart/2005/8/layout/process1"/>
+    <dgm:cxn modelId="{4680601C-603D-6543-8764-87DE9B972109}" type="presOf" srcId="{3C3A72B1-6F38-454F-ADA5-D1EBE4A37A7A}" destId="{45B56F92-CA62-7547-B01D-E6ADA8964BD8}" srcOrd="1" destOrd="0" presId="urn:microsoft.com/office/officeart/2005/8/layout/process1"/>
+    <dgm:cxn modelId="{6A5901E3-2791-FF40-B914-9AA3A09A361F}" type="presOf" srcId="{3AC304E9-26FF-944E-90D5-3DC6C1AA69DE}" destId="{C52653A9-88E4-5B4C-A313-E4CE4518E38B}" srcOrd="0" destOrd="1" presId="urn:microsoft.com/office/officeart/2005/8/layout/process1"/>
+    <dgm:cxn modelId="{56423BAC-FC52-2E48-91E0-92F033E9F5E5}" srcId="{33B6F756-187C-084D-A5E5-14E3CE45FED5}" destId="{222E5CCF-BC87-9743-86D7-570607CE4B39}" srcOrd="1" destOrd="0" parTransId="{CC75407B-9B26-4C47-9D3E-70EA89D9B4E8}" sibTransId="{14AD2A93-BF50-1E4D-8B04-D0C4E84E77C4}"/>
+    <dgm:cxn modelId="{49764D44-C09C-416F-8809-2C0D820881FB}" srcId="{C38D66EC-FEDD-4439-8A86-906041F0CEE0}" destId="{029DFC3C-5818-4092-88B2-7DFF19E4D432}" srcOrd="1" destOrd="0" parTransId="{004BEF1F-5740-43E4-B489-0E31BE9A1CBD}" sibTransId="{36CA98AC-D91B-405A-8BC8-65E1BC69C6BC}"/>
+    <dgm:cxn modelId="{FE1BE588-DFEA-2447-9DA5-BF78CB366A2D}" srcId="{38F44408-F7EA-5D45-9F78-1E9259F17F1C}" destId="{9B0DC355-4EE7-CF4D-8FA3-65138D55947F}" srcOrd="2" destOrd="0" parTransId="{FAD9449B-3875-FA45-B535-5A58BD5335BA}" sibTransId="{7117672F-4AE5-FD41-A307-D1F4ACE04C98}"/>
+    <dgm:cxn modelId="{94EB8FC8-E820-554E-8F9D-3860FEB74443}" type="presOf" srcId="{576FEABF-0E8B-0242-AD64-EB07F724FC7A}" destId="{CA926706-B92E-CE41-81A0-54D1A7872542}" srcOrd="0" destOrd="3" presId="urn:microsoft.com/office/officeart/2005/8/layout/process1"/>
+    <dgm:cxn modelId="{C88E06A0-4AA6-E049-9C4F-DFD0AEB503E4}" type="presOf" srcId="{3C3A72B1-6F38-454F-ADA5-D1EBE4A37A7A}" destId="{524E36A4-812D-A94F-B713-8FF1DFB30DF5}" srcOrd="0" destOrd="0" presId="urn:microsoft.com/office/officeart/2005/8/layout/process1"/>
+    <dgm:cxn modelId="{2AC4D45B-6543-CE41-982D-46E85F45E14F}" type="presOf" srcId="{7117672F-4AE5-FD41-A307-D1F4ACE04C98}" destId="{694E6BB3-6CB3-2541-A17A-F925628A8872}" srcOrd="1" destOrd="0" presId="urn:microsoft.com/office/officeart/2005/8/layout/process1"/>
+    <dgm:cxn modelId="{36CAEB17-ACE4-0F4A-84CE-371C7BD826CD}" srcId="{55AF6ACC-D03D-AE4C-B062-8B2F16A0D8E1}" destId="{88EAD537-7A7D-4F41-96B9-A5783DC87535}" srcOrd="0" destOrd="0" parTransId="{58B1C047-A8DB-554A-B40F-1AEC5B3B65B7}" sibTransId="{88AD6943-4577-6141-BE07-172A9AD1B4D9}"/>
+    <dgm:cxn modelId="{74327FB3-36E2-6743-8F22-F756AA588167}" srcId="{CB4FD71C-37EB-7C4D-BA75-847F56CE95C2}" destId="{6CD63970-2CBC-954B-9501-8C5F0C4CDBCE}" srcOrd="1" destOrd="0" parTransId="{C99847DF-21B0-A446-9659-F5B8CDEA48A4}" sibTransId="{15F7C560-B22A-5541-989E-540FBD204766}"/>
+    <dgm:cxn modelId="{83241050-9C4B-2048-B761-A08B9581B43C}" type="presOf" srcId="{CB4FD71C-37EB-7C4D-BA75-847F56CE95C2}" destId="{C52653A9-88E4-5B4C-A313-E4CE4518E38B}" srcOrd="0" destOrd="0" presId="urn:microsoft.com/office/officeart/2005/8/layout/process1"/>
+    <dgm:cxn modelId="{442A1D69-6AA5-CF41-96F6-97F6109DE77D}" type="presOf" srcId="{6CD63970-2CBC-954B-9501-8C5F0C4CDBCE}" destId="{C52653A9-88E4-5B4C-A313-E4CE4518E38B}" srcOrd="0" destOrd="2" presId="urn:microsoft.com/office/officeart/2005/8/layout/process1"/>
+    <dgm:cxn modelId="{6C8AAC0A-232D-9248-A993-1B79BE69D5E7}" srcId="{CB4FD71C-37EB-7C4D-BA75-847F56CE95C2}" destId="{3AC304E9-26FF-944E-90D5-3DC6C1AA69DE}" srcOrd="0" destOrd="0" parTransId="{0234A1D6-3B1B-9849-9EE8-C66F3B5967D5}" sibTransId="{FBCE840F-0CAD-8945-BADD-24F97645C1A6}"/>
+    <dgm:cxn modelId="{78A07C23-6A88-0A40-B0D9-8AB41C101F3F}" type="presOf" srcId="{222E5CCF-BC87-9743-86D7-570607CE4B39}" destId="{A9073634-AA3C-9A44-B584-1CB99DA50058}" srcOrd="0" destOrd="2" presId="urn:microsoft.com/office/officeart/2005/8/layout/process1"/>
+    <dgm:cxn modelId="{69FEFD2E-B932-4510-B156-09EB6EA4A8FB}" type="presOf" srcId="{C38D66EC-FEDD-4439-8A86-906041F0CEE0}" destId="{062D1ADA-9625-5C42-8A29-3EBF6176F03B}" srcOrd="0" destOrd="2" presId="urn:microsoft.com/office/officeart/2005/8/layout/process1"/>
+    <dgm:cxn modelId="{943B2148-6680-5047-BD31-87C06188DCF7}" srcId="{38F44408-F7EA-5D45-9F78-1E9259F17F1C}" destId="{33B6F756-187C-084D-A5E5-14E3CE45FED5}" srcOrd="3" destOrd="0" parTransId="{69AE5D8A-F2AB-EB4D-96F1-27E117C0FA3C}" sibTransId="{AA2D9868-44A9-EA40-8AEE-2E386522331A}"/>
+    <dgm:cxn modelId="{EF72B4A6-FECE-924F-95B4-DA9CFFF4402C}" type="presOf" srcId="{49ED70FB-4313-8C44-B11C-342D87274162}" destId="{A9073634-AA3C-9A44-B584-1CB99DA50058}" srcOrd="0" destOrd="1" presId="urn:microsoft.com/office/officeart/2005/8/layout/process1"/>
+    <dgm:cxn modelId="{8D552748-ABC4-4379-89BC-0DA8884776C1}" type="presOf" srcId="{E64EA8A1-D7A9-43E1-988A-294179DB0FE4}" destId="{062D1ADA-9625-5C42-8A29-3EBF6176F03B}" srcOrd="0" destOrd="5" presId="urn:microsoft.com/office/officeart/2005/8/layout/process1"/>
+    <dgm:cxn modelId="{1C13AF36-8778-2F4D-96C9-B2B4597564DB}" type="presOf" srcId="{33B6F756-187C-084D-A5E5-14E3CE45FED5}" destId="{A9073634-AA3C-9A44-B584-1CB99DA50058}" srcOrd="0" destOrd="0" presId="urn:microsoft.com/office/officeart/2005/8/layout/process1"/>
+    <dgm:cxn modelId="{6A7818E5-7AAC-0040-A041-A806D4C642AC}" type="presOf" srcId="{55AF6ACC-D03D-AE4C-B062-8B2F16A0D8E1}" destId="{062D1ADA-9625-5C42-8A29-3EBF6176F03B}" srcOrd="0" destOrd="0" presId="urn:microsoft.com/office/officeart/2005/8/layout/process1"/>
+    <dgm:cxn modelId="{C1DEE2B5-6328-9241-9C9B-D5557C435491}" type="presOf" srcId="{7D6AA2CE-1DC2-9742-92CF-885CA52CA627}" destId="{062D1ADA-9625-5C42-8A29-3EBF6176F03B}" srcOrd="0" destOrd="3" presId="urn:microsoft.com/office/officeart/2005/8/layout/process1"/>
+    <dgm:cxn modelId="{2E821110-CAF8-D44C-B6CC-C3B236E5953C}" srcId="{9B0DC355-4EE7-CF4D-8FA3-65138D55947F}" destId="{944B8F3A-8C7F-CD4E-A720-9E77A9604ABB}" srcOrd="1" destOrd="0" parTransId="{BB74FC84-7EE4-C44A-A91B-7AFCD808455C}" sibTransId="{58221030-5E5E-C042-9F8C-3528E21E3405}"/>
+    <dgm:cxn modelId="{4C89B6FA-E8DB-49CC-9371-3A9BBB11B126}" srcId="{C38D66EC-FEDD-4439-8A86-906041F0CEE0}" destId="{E64EA8A1-D7A9-43E1-988A-294179DB0FE4}" srcOrd="2" destOrd="0" parTransId="{38EB313D-2ACA-41B1-9205-EA517F24CFF9}" sibTransId="{08C610E4-696C-4BFE-ACB0-C28FAB7D2347}"/>
+    <dgm:cxn modelId="{1EB00CF4-3DE3-C846-A859-18C8BC098265}" type="presOf" srcId="{9B0DC355-4EE7-CF4D-8FA3-65138D55947F}" destId="{CA926706-B92E-CE41-81A0-54D1A7872542}" srcOrd="0" destOrd="0" presId="urn:microsoft.com/office/officeart/2005/8/layout/process1"/>
+    <dgm:cxn modelId="{7D3B1213-4220-4547-8946-EF2FADEC697D}" type="presOf" srcId="{F6D58DD0-BC92-354B-B63E-89311C05467C}" destId="{CA926706-B92E-CE41-81A0-54D1A7872542}" srcOrd="0" destOrd="1" presId="urn:microsoft.com/office/officeart/2005/8/layout/process1"/>
     <dgm:cxn modelId="{56614105-8CA3-4F42-9E8B-B78A9891730D}" type="presOf" srcId="{A7B5DA2F-F7AF-9F49-B4CA-599244722077}" destId="{A4EC4731-5BF8-BF47-ADB2-BBF1EF6E6274}" srcOrd="1" destOrd="0" presId="urn:microsoft.com/office/officeart/2005/8/layout/process1"/>
-    <dgm:cxn modelId="{C6516B07-CC80-334B-BB48-E0F4A187926C}" srcId="{9B0DC355-4EE7-CF4D-8FA3-65138D55947F}" destId="{F6D58DD0-BC92-354B-B63E-89311C05467C}" srcOrd="0" destOrd="0" parTransId="{CB2333CF-7392-B64F-B54A-63F25D6D9C5C}" sibTransId="{F38A59B3-429D-9847-820A-F7DED544AA92}"/>
-    <dgm:cxn modelId="{6C8AAC0A-232D-9248-A993-1B79BE69D5E7}" srcId="{CB4FD71C-37EB-7C4D-BA75-847F56CE95C2}" destId="{3AC304E9-26FF-944E-90D5-3DC6C1AA69DE}" srcOrd="0" destOrd="0" parTransId="{0234A1D6-3B1B-9849-9EE8-C66F3B5967D5}" sibTransId="{FBCE840F-0CAD-8945-BADD-24F97645C1A6}"/>
-    <dgm:cxn modelId="{2E821110-CAF8-D44C-B6CC-C3B236E5953C}" srcId="{9B0DC355-4EE7-CF4D-8FA3-65138D55947F}" destId="{944B8F3A-8C7F-CD4E-A720-9E77A9604ABB}" srcOrd="1" destOrd="0" parTransId="{BB74FC84-7EE4-C44A-A91B-7AFCD808455C}" sibTransId="{58221030-5E5E-C042-9F8C-3528E21E3405}"/>
-    <dgm:cxn modelId="{7D3B1213-4220-4547-8946-EF2FADEC697D}" type="presOf" srcId="{F6D58DD0-BC92-354B-B63E-89311C05467C}" destId="{CA926706-B92E-CE41-81A0-54D1A7872542}" srcOrd="0" destOrd="1" presId="urn:microsoft.com/office/officeart/2005/8/layout/process1"/>
-    <dgm:cxn modelId="{36CAEB17-ACE4-0F4A-84CE-371C7BD826CD}" srcId="{55AF6ACC-D03D-AE4C-B062-8B2F16A0D8E1}" destId="{88EAD537-7A7D-4F41-96B9-A5783DC87535}" srcOrd="0" destOrd="0" parTransId="{58B1C047-A8DB-554A-B40F-1AEC5B3B65B7}" sibTransId="{88AD6943-4577-6141-BE07-172A9AD1B4D9}"/>
-    <dgm:cxn modelId="{4680601C-603D-6543-8764-87DE9B972109}" type="presOf" srcId="{3C3A72B1-6F38-454F-ADA5-D1EBE4A37A7A}" destId="{45B56F92-CA62-7547-B01D-E6ADA8964BD8}" srcOrd="1" destOrd="0" presId="urn:microsoft.com/office/officeart/2005/8/layout/process1"/>
-    <dgm:cxn modelId="{78A07C23-6A88-0A40-B0D9-8AB41C101F3F}" type="presOf" srcId="{222E5CCF-BC87-9743-86D7-570607CE4B39}" destId="{A9073634-AA3C-9A44-B584-1CB99DA50058}" srcOrd="0" destOrd="2" presId="urn:microsoft.com/office/officeart/2005/8/layout/process1"/>
-    <dgm:cxn modelId="{A1A14C2F-E7D6-964D-8977-51F9BF04B7AE}" srcId="{33B6F756-187C-084D-A5E5-14E3CE45FED5}" destId="{49ED70FB-4313-8C44-B11C-342D87274162}" srcOrd="0" destOrd="0" parTransId="{48D45555-4DDE-884A-B4D8-E13913EF94E6}" sibTransId="{701D2E83-9CEE-604F-A11C-33BFB65773F0}"/>
-    <dgm:cxn modelId="{1C13AF36-8778-2F4D-96C9-B2B4597564DB}" type="presOf" srcId="{33B6F756-187C-084D-A5E5-14E3CE45FED5}" destId="{A9073634-AA3C-9A44-B584-1CB99DA50058}" srcOrd="0" destOrd="0" presId="urn:microsoft.com/office/officeart/2005/8/layout/process1"/>
+    <dgm:cxn modelId="{68A06541-47C7-1745-9EA6-60C564AA9C50}" srcId="{9B0DC355-4EE7-CF4D-8FA3-65138D55947F}" destId="{576FEABF-0E8B-0242-AD64-EB07F724FC7A}" srcOrd="2" destOrd="0" parTransId="{9F52AA2B-1AC1-1C47-84BF-32DF8AF5230F}" sibTransId="{BEDA9572-A815-AA41-8C62-61B2AC54C781}"/>
+    <dgm:cxn modelId="{0732BFEA-7762-F946-A27F-E72CD310C383}" srcId="{38F44408-F7EA-5D45-9F78-1E9259F17F1C}" destId="{CB4FD71C-37EB-7C4D-BA75-847F56CE95C2}" srcOrd="0" destOrd="0" parTransId="{F1BDFDD3-509D-304E-95A4-CCE2F1A47873}" sibTransId="{3C3A72B1-6F38-454F-ADA5-D1EBE4A37A7A}"/>
     <dgm:cxn modelId="{D477C136-E0FD-4B4A-95A0-B7E6DFCCDBB4}" srcId="{38F44408-F7EA-5D45-9F78-1E9259F17F1C}" destId="{55AF6ACC-D03D-AE4C-B062-8B2F16A0D8E1}" srcOrd="1" destOrd="0" parTransId="{2ADED678-A0FA-2A45-8EFC-7F6DAAA912BC}" sibTransId="{A7B5DA2F-F7AF-9F49-B4CA-599244722077}"/>
-    <dgm:cxn modelId="{2C64AF3D-3E1B-5C48-8D6E-3210C30753AB}" srcId="{55AF6ACC-D03D-AE4C-B062-8B2F16A0D8E1}" destId="{7D6AA2CE-1DC2-9742-92CF-885CA52CA627}" srcOrd="1" destOrd="0" parTransId="{96750AF0-2505-6A46-B9CA-FE421C4BC92D}" sibTransId="{B711D696-2CCC-2046-A5DF-A95001FFDD95}"/>
-    <dgm:cxn modelId="{68A06541-47C7-1745-9EA6-60C564AA9C50}" srcId="{9B0DC355-4EE7-CF4D-8FA3-65138D55947F}" destId="{576FEABF-0E8B-0242-AD64-EB07F724FC7A}" srcOrd="2" destOrd="0" parTransId="{9F52AA2B-1AC1-1C47-84BF-32DF8AF5230F}" sibTransId="{BEDA9572-A815-AA41-8C62-61B2AC54C781}"/>
-    <dgm:cxn modelId="{943B2148-6680-5047-BD31-87C06188DCF7}" srcId="{38F44408-F7EA-5D45-9F78-1E9259F17F1C}" destId="{33B6F756-187C-084D-A5E5-14E3CE45FED5}" srcOrd="3" destOrd="0" parTransId="{69AE5D8A-F2AB-EB4D-96F1-27E117C0FA3C}" sibTransId="{AA2D9868-44A9-EA40-8AEE-2E386522331A}"/>
-    <dgm:cxn modelId="{83241050-9C4B-2048-B761-A08B9581B43C}" type="presOf" srcId="{CB4FD71C-37EB-7C4D-BA75-847F56CE95C2}" destId="{C52653A9-88E4-5B4C-A313-E4CE4518E38B}" srcOrd="0" destOrd="0" presId="urn:microsoft.com/office/officeart/2005/8/layout/process1"/>
-    <dgm:cxn modelId="{2AC4D45B-6543-CE41-982D-46E85F45E14F}" type="presOf" srcId="{7117672F-4AE5-FD41-A307-D1F4ACE04C98}" destId="{694E6BB3-6CB3-2541-A17A-F925628A8872}" srcOrd="1" destOrd="0" presId="urn:microsoft.com/office/officeart/2005/8/layout/process1"/>
-    <dgm:cxn modelId="{442A1D69-6AA5-CF41-96F6-97F6109DE77D}" type="presOf" srcId="{6CD63970-2CBC-954B-9501-8C5F0C4CDBCE}" destId="{C52653A9-88E4-5B4C-A313-E4CE4518E38B}" srcOrd="0" destOrd="2" presId="urn:microsoft.com/office/officeart/2005/8/layout/process1"/>
-    <dgm:cxn modelId="{CCF3526B-89DC-2D4F-9C96-1E59C0C4FDCC}" type="presOf" srcId="{A7B5DA2F-F7AF-9F49-B4CA-599244722077}" destId="{FF924318-EFF4-114C-A607-D5E593D342F4}" srcOrd="0" destOrd="0" presId="urn:microsoft.com/office/officeart/2005/8/layout/process1"/>
+    <dgm:cxn modelId="{71DE28D3-21FF-47B2-9E5B-378C6BA65FA8}" type="presOf" srcId="{029DFC3C-5818-4092-88B2-7DFF19E4D432}" destId="{062D1ADA-9625-5C42-8A29-3EBF6176F03B}" srcOrd="0" destOrd="4" presId="urn:microsoft.com/office/officeart/2005/8/layout/process1"/>
+    <dgm:cxn modelId="{7EE6569A-E10B-E94D-BF25-DD513728CFE9}" type="presOf" srcId="{38F44408-F7EA-5D45-9F78-1E9259F17F1C}" destId="{3EEF20E3-E8FF-C948-B6A2-E332D891F03C}" srcOrd="0" destOrd="0" presId="urn:microsoft.com/office/officeart/2005/8/layout/process1"/>
     <dgm:cxn modelId="{F148A16F-57E3-8E42-9D1D-29A90FA1D1C9}" type="presOf" srcId="{944B8F3A-8C7F-CD4E-A720-9E77A9604ABB}" destId="{CA926706-B92E-CE41-81A0-54D1A7872542}" srcOrd="0" destOrd="2" presId="urn:microsoft.com/office/officeart/2005/8/layout/process1"/>
-    <dgm:cxn modelId="{FE1BE588-DFEA-2447-9DA5-BF78CB366A2D}" srcId="{38F44408-F7EA-5D45-9F78-1E9259F17F1C}" destId="{9B0DC355-4EE7-CF4D-8FA3-65138D55947F}" srcOrd="2" destOrd="0" parTransId="{FAD9449B-3875-FA45-B535-5A58BD5335BA}" sibTransId="{7117672F-4AE5-FD41-A307-D1F4ACE04C98}"/>
-    <dgm:cxn modelId="{7EE6569A-E10B-E94D-BF25-DD513728CFE9}" type="presOf" srcId="{38F44408-F7EA-5D45-9F78-1E9259F17F1C}" destId="{3EEF20E3-E8FF-C948-B6A2-E332D891F03C}" srcOrd="0" destOrd="0" presId="urn:microsoft.com/office/officeart/2005/8/layout/process1"/>
-    <dgm:cxn modelId="{C88E06A0-4AA6-E049-9C4F-DFD0AEB503E4}" type="presOf" srcId="{3C3A72B1-6F38-454F-ADA5-D1EBE4A37A7A}" destId="{524E36A4-812D-A94F-B713-8FF1DFB30DF5}" srcOrd="0" destOrd="0" presId="urn:microsoft.com/office/officeart/2005/8/layout/process1"/>
-    <dgm:cxn modelId="{EF72B4A6-FECE-924F-95B4-DA9CFFF4402C}" type="presOf" srcId="{49ED70FB-4313-8C44-B11C-342D87274162}" destId="{A9073634-AA3C-9A44-B584-1CB99DA50058}" srcOrd="0" destOrd="1" presId="urn:microsoft.com/office/officeart/2005/8/layout/process1"/>
-    <dgm:cxn modelId="{56423BAC-FC52-2E48-91E0-92F033E9F5E5}" srcId="{33B6F756-187C-084D-A5E5-14E3CE45FED5}" destId="{222E5CCF-BC87-9743-86D7-570607CE4B39}" srcOrd="1" destOrd="0" parTransId="{CC75407B-9B26-4C47-9D3E-70EA89D9B4E8}" sibTransId="{14AD2A93-BF50-1E4D-8B04-D0C4E84E77C4}"/>
-    <dgm:cxn modelId="{74327FB3-36E2-6743-8F22-F756AA588167}" srcId="{CB4FD71C-37EB-7C4D-BA75-847F56CE95C2}" destId="{6CD63970-2CBC-954B-9501-8C5F0C4CDBCE}" srcOrd="1" destOrd="0" parTransId="{C99847DF-21B0-A446-9659-F5B8CDEA48A4}" sibTransId="{15F7C560-B22A-5541-989E-540FBD204766}"/>
-    <dgm:cxn modelId="{C1DEE2B5-6328-9241-9C9B-D5557C435491}" type="presOf" srcId="{7D6AA2CE-1DC2-9742-92CF-885CA52CA627}" destId="{062D1ADA-9625-5C42-8A29-3EBF6176F03B}" srcOrd="0" destOrd="2" presId="urn:microsoft.com/office/officeart/2005/8/layout/process1"/>
-    <dgm:cxn modelId="{94EB8FC8-E820-554E-8F9D-3860FEB74443}" type="presOf" srcId="{576FEABF-0E8B-0242-AD64-EB07F724FC7A}" destId="{CA926706-B92E-CE41-81A0-54D1A7872542}" srcOrd="0" destOrd="3" presId="urn:microsoft.com/office/officeart/2005/8/layout/process1"/>
-    <dgm:cxn modelId="{66144CCE-43C8-2C4D-80AC-F6EB31BFA21C}" type="presOf" srcId="{7117672F-4AE5-FD41-A307-D1F4ACE04C98}" destId="{C59F1FE9-B675-F74A-81B2-DF1C859D9125}" srcOrd="0" destOrd="0" presId="urn:microsoft.com/office/officeart/2005/8/layout/process1"/>
-    <dgm:cxn modelId="{6A5901E3-2791-FF40-B914-9AA3A09A361F}" type="presOf" srcId="{3AC304E9-26FF-944E-90D5-3DC6C1AA69DE}" destId="{C52653A9-88E4-5B4C-A313-E4CE4518E38B}" srcOrd="0" destOrd="1" presId="urn:microsoft.com/office/officeart/2005/8/layout/process1"/>
-    <dgm:cxn modelId="{6A7818E5-7AAC-0040-A041-A806D4C642AC}" type="presOf" srcId="{55AF6ACC-D03D-AE4C-B062-8B2F16A0D8E1}" destId="{062D1ADA-9625-5C42-8A29-3EBF6176F03B}" srcOrd="0" destOrd="0" presId="urn:microsoft.com/office/officeart/2005/8/layout/process1"/>
-    <dgm:cxn modelId="{0732BFEA-7762-F946-A27F-E72CD310C383}" srcId="{38F44408-F7EA-5D45-9F78-1E9259F17F1C}" destId="{CB4FD71C-37EB-7C4D-BA75-847F56CE95C2}" srcOrd="0" destOrd="0" parTransId="{F1BDFDD3-509D-304E-95A4-CCE2F1A47873}" sibTransId="{3C3A72B1-6F38-454F-ADA5-D1EBE4A37A7A}"/>
-    <dgm:cxn modelId="{1EB00CF4-3DE3-C846-A859-18C8BC098265}" type="presOf" srcId="{9B0DC355-4EE7-CF4D-8FA3-65138D55947F}" destId="{CA926706-B92E-CE41-81A0-54D1A7872542}" srcOrd="0" destOrd="0" presId="urn:microsoft.com/office/officeart/2005/8/layout/process1"/>
-    <dgm:cxn modelId="{B436C5F6-09C7-3744-AFBC-CEB44E2793D1}" type="presOf" srcId="{88EAD537-7A7D-4F41-96B9-A5783DC87535}" destId="{062D1ADA-9625-5C42-8A29-3EBF6176F03B}" srcOrd="0" destOrd="1" presId="urn:microsoft.com/office/officeart/2005/8/layout/process1"/>
     <dgm:cxn modelId="{FB9E4479-BC78-6E48-BA44-AB73AA00D46F}" type="presParOf" srcId="{3EEF20E3-E8FF-C948-B6A2-E332D891F03C}" destId="{C52653A9-88E4-5B4C-A313-E4CE4518E38B}" srcOrd="0" destOrd="0" presId="urn:microsoft.com/office/officeart/2005/8/layout/process1"/>
     <dgm:cxn modelId="{4BE925E6-D869-B345-97FD-92CF357989B7}" type="presParOf" srcId="{3EEF20E3-E8FF-C948-B6A2-E332D891F03C}" destId="{524E36A4-812D-A94F-B713-8FF1DFB30DF5}" srcOrd="1" destOrd="0" presId="urn:microsoft.com/office/officeart/2005/8/layout/process1"/>
     <dgm:cxn modelId="{4CA0B719-596E-A640-B57D-167A4896C823}" type="presParOf" srcId="{524E36A4-812D-A94F-B713-8FF1DFB30DF5}" destId="{45B56F92-CA62-7547-B01D-E6ADA8964BD8}" srcOrd="0" destOrd="0" presId="urn:microsoft.com/office/officeart/2005/8/layout/process1"/>
@@ -5128,9 +5410,10 @@
         <a:lstStyle/>
         <a:p>
           <a:r>
-            <a:rPr lang="en-US" dirty="0"/>
-            <a:t>Apply CSPADE</a:t>
+            <a:rPr lang="en-US" dirty="0" smtClean="0"/>
+            <a:t>Fit Linear Model</a:t>
           </a:r>
+          <a:endParaRPr lang="en-US" dirty="0"/>
         </a:p>
       </dgm:t>
     </dgm:pt>
@@ -5164,9 +5447,10 @@
         <a:lstStyle/>
         <a:p>
           <a:r>
-            <a:rPr lang="en-US" dirty="0"/>
-            <a:t>Select Rules</a:t>
+            <a:rPr lang="en-US" dirty="0" smtClean="0"/>
+            <a:t>Grade prediction</a:t>
           </a:r>
+          <a:endParaRPr lang="en-US" dirty="0"/>
         </a:p>
       </dgm:t>
     </dgm:pt>
@@ -5192,42 +5476,6 @@
         </a:p>
       </dgm:t>
     </dgm:pt>
-    <dgm:pt modelId="{0437C19F-75BA-044F-B9A1-2BAC666811DD}">
-      <dgm:prSet phldrT="[Text]"/>
-      <dgm:spPr/>
-      <dgm:t>
-        <a:bodyPr/>
-        <a:lstStyle/>
-        <a:p>
-          <a:r>
-            <a:rPr lang="en-US" dirty="0"/>
-            <a:t>Count &gt; 20</a:t>
-          </a:r>
-        </a:p>
-      </dgm:t>
-    </dgm:pt>
-    <dgm:pt modelId="{5F53B404-BB6D-AD47-BBF1-552CCE5162E9}" type="parTrans" cxnId="{E80C4065-287D-8440-8119-9A5BB0096848}">
-      <dgm:prSet/>
-      <dgm:spPr/>
-      <dgm:t>
-        <a:bodyPr/>
-        <a:lstStyle/>
-        <a:p>
-          <a:endParaRPr lang="en-US"/>
-        </a:p>
-      </dgm:t>
-    </dgm:pt>
-    <dgm:pt modelId="{0FA880D8-DE73-744F-8B85-DDA76B2B7048}" type="sibTrans" cxnId="{E80C4065-287D-8440-8119-9A5BB0096848}">
-      <dgm:prSet/>
-      <dgm:spPr/>
-      <dgm:t>
-        <a:bodyPr/>
-        <a:lstStyle/>
-        <a:p>
-          <a:endParaRPr lang="en-US"/>
-        </a:p>
-      </dgm:t>
-    </dgm:pt>
     <dgm:pt modelId="{33B6F756-187C-084D-A5E5-14E3CE45FED5}">
       <dgm:prSet phldrT="[Text]"/>
       <dgm:spPr/>
@@ -5236,9 +5484,10 @@
         <a:lstStyle/>
         <a:p>
           <a:r>
-            <a:rPr lang="en-US" dirty="0"/>
-            <a:t>Red flags</a:t>
+            <a:rPr lang="en-US" dirty="0" smtClean="0"/>
+            <a:t>Warnings</a:t>
           </a:r>
+          <a:endParaRPr lang="en-US" dirty="0"/>
         </a:p>
       </dgm:t>
     </dgm:pt>
@@ -5264,78 +5513,6 @@
         </a:p>
       </dgm:t>
     </dgm:pt>
-    <dgm:pt modelId="{661EFD0B-A617-A746-B29A-1314635257D1}">
-      <dgm:prSet phldrT="[Text]"/>
-      <dgm:spPr/>
-      <dgm:t>
-        <a:bodyPr/>
-        <a:lstStyle/>
-        <a:p>
-          <a:r>
-            <a:rPr lang="en-US" dirty="0"/>
-            <a:t>Confidence &gt; 0.4</a:t>
-          </a:r>
-        </a:p>
-      </dgm:t>
-    </dgm:pt>
-    <dgm:pt modelId="{BD3118E8-B39F-4441-A402-289D231E3072}" type="parTrans" cxnId="{7680E79F-DD97-F247-A792-2B758B45354A}">
-      <dgm:prSet/>
-      <dgm:spPr/>
-      <dgm:t>
-        <a:bodyPr/>
-        <a:lstStyle/>
-        <a:p>
-          <a:endParaRPr lang="en-US"/>
-        </a:p>
-      </dgm:t>
-    </dgm:pt>
-    <dgm:pt modelId="{4B425296-D1A0-EE43-9CE3-E50BA0E04DE3}" type="sibTrans" cxnId="{7680E79F-DD97-F247-A792-2B758B45354A}">
-      <dgm:prSet/>
-      <dgm:spPr/>
-      <dgm:t>
-        <a:bodyPr/>
-        <a:lstStyle/>
-        <a:p>
-          <a:endParaRPr lang="en-US"/>
-        </a:p>
-      </dgm:t>
-    </dgm:pt>
-    <dgm:pt modelId="{36475A9C-A304-2945-A32F-8D930CAA2CD5}">
-      <dgm:prSet phldrT="[Text]"/>
-      <dgm:spPr/>
-      <dgm:t>
-        <a:bodyPr/>
-        <a:lstStyle/>
-        <a:p>
-          <a:r>
-            <a:rPr lang="en-US" dirty="0"/>
-            <a:t>Lift &gt; 1</a:t>
-          </a:r>
-        </a:p>
-      </dgm:t>
-    </dgm:pt>
-    <dgm:pt modelId="{93D285C1-B49C-074F-9161-123C2780DD01}" type="parTrans" cxnId="{64D0534C-E5A7-D142-84B4-E56688C20D39}">
-      <dgm:prSet/>
-      <dgm:spPr/>
-      <dgm:t>
-        <a:bodyPr/>
-        <a:lstStyle/>
-        <a:p>
-          <a:endParaRPr lang="en-US"/>
-        </a:p>
-      </dgm:t>
-    </dgm:pt>
-    <dgm:pt modelId="{6D14F85E-876A-1144-A4C7-3EBFBA2D9190}" type="sibTrans" cxnId="{64D0534C-E5A7-D142-84B4-E56688C20D39}">
-      <dgm:prSet/>
-      <dgm:spPr/>
-      <dgm:t>
-        <a:bodyPr/>
-        <a:lstStyle/>
-        <a:p>
-          <a:endParaRPr lang="en-US"/>
-        </a:p>
-      </dgm:t>
-    </dgm:pt>
     <dgm:pt modelId="{9BD52CC3-98A2-AD40-81AE-0D763FEEFAEE}">
       <dgm:prSet phldrT="[Text]"/>
       <dgm:spPr/>
@@ -5344,9 +5521,10 @@
         <a:lstStyle/>
         <a:p>
           <a:r>
-            <a:rPr lang="en-US" dirty="0"/>
-            <a:t>if FAIL =&gt; FAIL</a:t>
+            <a:rPr lang="en-US" dirty="0" smtClean="0"/>
+            <a:t>Lasso</a:t>
           </a:r>
+          <a:endParaRPr lang="en-US" dirty="0"/>
         </a:p>
       </dgm:t>
     </dgm:pt>
@@ -5380,9 +5558,10 @@
         <a:lstStyle/>
         <a:p>
           <a:r>
-            <a:rPr lang="en-US" dirty="0"/>
-            <a:t>if NOT TAKEN =&gt; FAIL</a:t>
+            <a:rPr lang="en-US" dirty="0" smtClean="0"/>
+            <a:t>Cross-validation</a:t>
           </a:r>
+          <a:endParaRPr lang="en-US" dirty="0"/>
         </a:p>
       </dgm:t>
     </dgm:pt>
@@ -5408,6 +5587,223 @@
         </a:p>
       </dgm:t>
     </dgm:pt>
+    <dgm:pt modelId="{5BBD4D31-774F-4FAF-87E7-822052301E2D}">
+      <dgm:prSet phldrT="[Text]"/>
+      <dgm:spPr/>
+      <dgm:t>
+        <a:bodyPr/>
+        <a:lstStyle/>
+        <a:p>
+          <a:r>
+            <a:rPr lang="en-US" dirty="0" smtClean="0"/>
+            <a:t>Predictors</a:t>
+          </a:r>
+          <a:endParaRPr lang="en-US" dirty="0"/>
+        </a:p>
+      </dgm:t>
+    </dgm:pt>
+    <dgm:pt modelId="{318CA150-D5AB-4CAF-B6D4-0E81F66EF7C7}" type="parTrans" cxnId="{22D04C1E-435C-4171-A23F-81EDE6752AF6}">
+      <dgm:prSet/>
+      <dgm:spPr/>
+      <dgm:t>
+        <a:bodyPr/>
+        <a:lstStyle/>
+        <a:p>
+          <a:endParaRPr lang="fr-FR"/>
+        </a:p>
+      </dgm:t>
+    </dgm:pt>
+    <dgm:pt modelId="{0BB73C4D-5B3E-4CAE-B14B-1EF679EAF63E}" type="sibTrans" cxnId="{22D04C1E-435C-4171-A23F-81EDE6752AF6}">
+      <dgm:prSet/>
+      <dgm:spPr/>
+      <dgm:t>
+        <a:bodyPr/>
+        <a:lstStyle/>
+        <a:p>
+          <a:endParaRPr lang="fr-FR"/>
+        </a:p>
+      </dgm:t>
+    </dgm:pt>
+    <dgm:pt modelId="{9F015E1F-70AF-49E6-AAE0-1BFCC6C36DA3}">
+      <dgm:prSet phldrT="[Text]"/>
+      <dgm:spPr/>
+      <dgm:t>
+        <a:bodyPr/>
+        <a:lstStyle/>
+        <a:p>
+          <a:r>
+            <a:rPr lang="en-US" dirty="0" smtClean="0"/>
+            <a:t>GPAs</a:t>
+          </a:r>
+          <a:endParaRPr lang="en-US" dirty="0"/>
+        </a:p>
+      </dgm:t>
+    </dgm:pt>
+    <dgm:pt modelId="{353F6634-22FB-49B3-9520-F098E84F2BB3}" type="parTrans" cxnId="{C2EB873C-18FE-4231-A010-7315A8E0ED11}">
+      <dgm:prSet/>
+      <dgm:spPr/>
+      <dgm:t>
+        <a:bodyPr/>
+        <a:lstStyle/>
+        <a:p>
+          <a:endParaRPr lang="fr-FR"/>
+        </a:p>
+      </dgm:t>
+    </dgm:pt>
+    <dgm:pt modelId="{D8367A69-9B37-44AF-813D-042888148A3B}" type="sibTrans" cxnId="{C2EB873C-18FE-4231-A010-7315A8E0ED11}">
+      <dgm:prSet/>
+      <dgm:spPr/>
+      <dgm:t>
+        <a:bodyPr/>
+        <a:lstStyle/>
+        <a:p>
+          <a:endParaRPr lang="fr-FR"/>
+        </a:p>
+      </dgm:t>
+    </dgm:pt>
+    <dgm:pt modelId="{580FA2B6-7506-42B0-98D4-E90CEB01337D}">
+      <dgm:prSet phldrT="[Text]"/>
+      <dgm:spPr/>
+      <dgm:t>
+        <a:bodyPr/>
+        <a:lstStyle/>
+        <a:p>
+          <a:r>
+            <a:rPr lang="en-US" dirty="0" smtClean="0"/>
+            <a:t>Topic expertise</a:t>
+          </a:r>
+          <a:endParaRPr lang="en-US" dirty="0"/>
+        </a:p>
+      </dgm:t>
+    </dgm:pt>
+    <dgm:pt modelId="{831E4AB6-55C3-4C58-BC37-CD607EE0B869}" type="parTrans" cxnId="{D1A62A5E-3882-47E3-B0EB-9906D04DC5D1}">
+      <dgm:prSet/>
+      <dgm:spPr/>
+      <dgm:t>
+        <a:bodyPr/>
+        <a:lstStyle/>
+        <a:p>
+          <a:endParaRPr lang="fr-FR"/>
+        </a:p>
+      </dgm:t>
+    </dgm:pt>
+    <dgm:pt modelId="{30D80CBB-6AB4-4004-BDB3-5730C96E6734}" type="sibTrans" cxnId="{D1A62A5E-3882-47E3-B0EB-9906D04DC5D1}">
+      <dgm:prSet/>
+      <dgm:spPr/>
+      <dgm:t>
+        <a:bodyPr/>
+        <a:lstStyle/>
+        <a:p>
+          <a:endParaRPr lang="fr-FR"/>
+        </a:p>
+      </dgm:t>
+    </dgm:pt>
+    <dgm:pt modelId="{693B9C89-A3E8-4D8A-882F-207B5799F9D2}">
+      <dgm:prSet phldrT="[Text]"/>
+      <dgm:spPr/>
+      <dgm:t>
+        <a:bodyPr/>
+        <a:lstStyle/>
+        <a:p>
+          <a:r>
+            <a:rPr lang="en-US" dirty="0" smtClean="0"/>
+            <a:t>A model for each course</a:t>
+          </a:r>
+          <a:endParaRPr lang="en-US" dirty="0"/>
+        </a:p>
+      </dgm:t>
+    </dgm:pt>
+    <dgm:pt modelId="{16FEF354-792F-42C6-998F-3BA4FFE3BDA4}" type="parTrans" cxnId="{5A3D4D4C-7197-493D-A725-DFA5F78FD22C}">
+      <dgm:prSet/>
+      <dgm:spPr/>
+      <dgm:t>
+        <a:bodyPr/>
+        <a:lstStyle/>
+        <a:p>
+          <a:endParaRPr lang="fr-FR"/>
+        </a:p>
+      </dgm:t>
+    </dgm:pt>
+    <dgm:pt modelId="{92769F45-C800-4950-A8E1-874391F32F16}" type="sibTrans" cxnId="{5A3D4D4C-7197-493D-A725-DFA5F78FD22C}">
+      <dgm:prSet/>
+      <dgm:spPr/>
+      <dgm:t>
+        <a:bodyPr/>
+        <a:lstStyle/>
+        <a:p>
+          <a:endParaRPr lang="fr-FR"/>
+        </a:p>
+      </dgm:t>
+    </dgm:pt>
+    <dgm:pt modelId="{450CFCA2-5202-486F-952A-D45DBE73153D}">
+      <dgm:prSet phldrT="[Text]"/>
+      <dgm:spPr/>
+      <dgm:t>
+        <a:bodyPr/>
+        <a:lstStyle/>
+        <a:p>
+          <a:r>
+            <a:rPr lang="en-US" dirty="0" smtClean="0"/>
+            <a:t>GPAs</a:t>
+          </a:r>
+          <a:endParaRPr lang="en-US" dirty="0"/>
+        </a:p>
+      </dgm:t>
+    </dgm:pt>
+    <dgm:pt modelId="{3BC997E0-654D-40AE-B9F5-DCB66B0C4921}" type="parTrans" cxnId="{D3F56428-D081-4C11-B638-8C2C691DE32D}">
+      <dgm:prSet/>
+      <dgm:spPr/>
+    </dgm:pt>
+    <dgm:pt modelId="{76367A40-3466-4B2E-8574-DD08D98F95C5}" type="sibTrans" cxnId="{D3F56428-D081-4C11-B638-8C2C691DE32D}">
+      <dgm:prSet/>
+      <dgm:spPr/>
+    </dgm:pt>
+    <dgm:pt modelId="{A0307AE9-97D9-4346-85AD-1274483B305E}">
+      <dgm:prSet phldrT="[Text]"/>
+      <dgm:spPr/>
+      <dgm:t>
+        <a:bodyPr/>
+        <a:lstStyle/>
+        <a:p>
+          <a:r>
+            <a:rPr lang="en-US" dirty="0" smtClean="0"/>
+            <a:t>Topic expertise</a:t>
+          </a:r>
+          <a:endParaRPr lang="en-US" dirty="0"/>
+        </a:p>
+      </dgm:t>
+    </dgm:pt>
+    <dgm:pt modelId="{D6A25DBB-6B3B-4443-A7FC-28A37E0088E0}" type="parTrans" cxnId="{AADA48D8-D728-4A9A-AE68-9B65AFCD7B84}">
+      <dgm:prSet/>
+      <dgm:spPr/>
+    </dgm:pt>
+    <dgm:pt modelId="{C88A63E2-0613-4A0A-9D78-57702B681AE7}" type="sibTrans" cxnId="{AADA48D8-D728-4A9A-AE68-9B65AFCD7B84}">
+      <dgm:prSet/>
+      <dgm:spPr/>
+    </dgm:pt>
+    <dgm:pt modelId="{A7B38AFB-9B10-436E-AC01-F2A1C17B62DF}">
+      <dgm:prSet phldrT="[Text]"/>
+      <dgm:spPr/>
+      <dgm:t>
+        <a:bodyPr/>
+        <a:lstStyle/>
+        <a:p>
+          <a:r>
+            <a:rPr lang="en-US" dirty="0" smtClean="0"/>
+            <a:t>Current student profile</a:t>
+          </a:r>
+          <a:endParaRPr lang="en-US" dirty="0"/>
+        </a:p>
+      </dgm:t>
+    </dgm:pt>
+    <dgm:pt modelId="{B0DDB25D-A893-46EF-8041-679E04934D49}" type="parTrans" cxnId="{1650F19C-5B38-45B7-92F5-73023BE3075B}">
+      <dgm:prSet/>
+      <dgm:spPr/>
+    </dgm:pt>
+    <dgm:pt modelId="{E5633864-0377-41EC-8105-AC9BC0123DD4}" type="sibTrans" cxnId="{1650F19C-5B38-45B7-92F5-73023BE3075B}">
+      <dgm:prSet/>
+      <dgm:spPr/>
+    </dgm:pt>
     <dgm:pt modelId="{3EEF20E3-E8FF-C948-B6A2-E332D891F03C}" type="pres">
       <dgm:prSet presAssocID="{38F44408-F7EA-5D45-9F78-1E9259F17F1C}" presName="Name0" presStyleCnt="0">
         <dgm:presLayoutVars>
@@ -5416,6 +5812,13 @@
         </dgm:presLayoutVars>
       </dgm:prSet>
       <dgm:spPr/>
+      <dgm:t>
+        <a:bodyPr/>
+        <a:lstStyle/>
+        <a:p>
+          <a:endParaRPr lang="fr-FR"/>
+        </a:p>
+      </dgm:t>
     </dgm:pt>
     <dgm:pt modelId="{C52653A9-88E4-5B4C-A313-E4CE4518E38B}" type="pres">
       <dgm:prSet presAssocID="{CB4FD71C-37EB-7C4D-BA75-847F56CE95C2}" presName="node" presStyleLbl="node1" presStyleIdx="0" presStyleCnt="4">
@@ -5424,14 +5827,35 @@
         </dgm:presLayoutVars>
       </dgm:prSet>
       <dgm:spPr/>
+      <dgm:t>
+        <a:bodyPr/>
+        <a:lstStyle/>
+        <a:p>
+          <a:endParaRPr lang="fr-FR"/>
+        </a:p>
+      </dgm:t>
     </dgm:pt>
     <dgm:pt modelId="{524E36A4-812D-A94F-B713-8FF1DFB30DF5}" type="pres">
       <dgm:prSet presAssocID="{3C3A72B1-6F38-454F-ADA5-D1EBE4A37A7A}" presName="sibTrans" presStyleLbl="sibTrans2D1" presStyleIdx="0" presStyleCnt="3"/>
       <dgm:spPr/>
+      <dgm:t>
+        <a:bodyPr/>
+        <a:lstStyle/>
+        <a:p>
+          <a:endParaRPr lang="fr-FR"/>
+        </a:p>
+      </dgm:t>
     </dgm:pt>
     <dgm:pt modelId="{45B56F92-CA62-7547-B01D-E6ADA8964BD8}" type="pres">
       <dgm:prSet presAssocID="{3C3A72B1-6F38-454F-ADA5-D1EBE4A37A7A}" presName="connectorText" presStyleLbl="sibTrans2D1" presStyleIdx="0" presStyleCnt="3"/>
       <dgm:spPr/>
+      <dgm:t>
+        <a:bodyPr/>
+        <a:lstStyle/>
+        <a:p>
+          <a:endParaRPr lang="fr-FR"/>
+        </a:p>
+      </dgm:t>
     </dgm:pt>
     <dgm:pt modelId="{062D1ADA-9625-5C42-8A29-3EBF6176F03B}" type="pres">
       <dgm:prSet presAssocID="{55AF6ACC-D03D-AE4C-B062-8B2F16A0D8E1}" presName="node" presStyleLbl="node1" presStyleIdx="1" presStyleCnt="4">
@@ -5440,14 +5864,35 @@
         </dgm:presLayoutVars>
       </dgm:prSet>
       <dgm:spPr/>
+      <dgm:t>
+        <a:bodyPr/>
+        <a:lstStyle/>
+        <a:p>
+          <a:endParaRPr lang="fr-FR"/>
+        </a:p>
+      </dgm:t>
     </dgm:pt>
     <dgm:pt modelId="{FF924318-EFF4-114C-A607-D5E593D342F4}" type="pres">
       <dgm:prSet presAssocID="{A7B5DA2F-F7AF-9F49-B4CA-599244722077}" presName="sibTrans" presStyleLbl="sibTrans2D1" presStyleIdx="1" presStyleCnt="3"/>
       <dgm:spPr/>
+      <dgm:t>
+        <a:bodyPr/>
+        <a:lstStyle/>
+        <a:p>
+          <a:endParaRPr lang="fr-FR"/>
+        </a:p>
+      </dgm:t>
     </dgm:pt>
     <dgm:pt modelId="{A4EC4731-5BF8-BF47-ADB2-BBF1EF6E6274}" type="pres">
       <dgm:prSet presAssocID="{A7B5DA2F-F7AF-9F49-B4CA-599244722077}" presName="connectorText" presStyleLbl="sibTrans2D1" presStyleIdx="1" presStyleCnt="3"/>
       <dgm:spPr/>
+      <dgm:t>
+        <a:bodyPr/>
+        <a:lstStyle/>
+        <a:p>
+          <a:endParaRPr lang="fr-FR"/>
+        </a:p>
+      </dgm:t>
     </dgm:pt>
     <dgm:pt modelId="{CA926706-B92E-CE41-81A0-54D1A7872542}" type="pres">
       <dgm:prSet presAssocID="{9B0DC355-4EE7-CF4D-8FA3-65138D55947F}" presName="node" presStyleLbl="node1" presStyleIdx="2" presStyleCnt="4">
@@ -5456,14 +5901,35 @@
         </dgm:presLayoutVars>
       </dgm:prSet>
       <dgm:spPr/>
+      <dgm:t>
+        <a:bodyPr/>
+        <a:lstStyle/>
+        <a:p>
+          <a:endParaRPr lang="fr-FR"/>
+        </a:p>
+      </dgm:t>
     </dgm:pt>
     <dgm:pt modelId="{C59F1FE9-B675-F74A-81B2-DF1C859D9125}" type="pres">
       <dgm:prSet presAssocID="{7117672F-4AE5-FD41-A307-D1F4ACE04C98}" presName="sibTrans" presStyleLbl="sibTrans2D1" presStyleIdx="2" presStyleCnt="3"/>
       <dgm:spPr/>
+      <dgm:t>
+        <a:bodyPr/>
+        <a:lstStyle/>
+        <a:p>
+          <a:endParaRPr lang="fr-FR"/>
+        </a:p>
+      </dgm:t>
     </dgm:pt>
     <dgm:pt modelId="{694E6BB3-6CB3-2541-A17A-F925628A8872}" type="pres">
       <dgm:prSet presAssocID="{7117672F-4AE5-FD41-A307-D1F4ACE04C98}" presName="connectorText" presStyleLbl="sibTrans2D1" presStyleIdx="2" presStyleCnt="3"/>
       <dgm:spPr/>
+      <dgm:t>
+        <a:bodyPr/>
+        <a:lstStyle/>
+        <a:p>
+          <a:endParaRPr lang="fr-FR"/>
+        </a:p>
+      </dgm:t>
     </dgm:pt>
     <dgm:pt modelId="{A9073634-AA3C-9A44-B584-1CB99DA50058}" type="pres">
       <dgm:prSet presAssocID="{33B6F756-187C-084D-A5E5-14E3CE45FED5}" presName="node" presStyleLbl="node1" presStyleIdx="3" presStyleCnt="4">
@@ -5472,36 +5938,51 @@
         </dgm:presLayoutVars>
       </dgm:prSet>
       <dgm:spPr/>
+      <dgm:t>
+        <a:bodyPr/>
+        <a:lstStyle/>
+        <a:p>
+          <a:endParaRPr lang="fr-FR"/>
+        </a:p>
+      </dgm:t>
     </dgm:pt>
   </dgm:ptLst>
   <dgm:cxnLst>
+    <dgm:cxn modelId="{22D04C1E-435C-4171-A23F-81EDE6752AF6}" srcId="{55AF6ACC-D03D-AE4C-B062-8B2F16A0D8E1}" destId="{5BBD4D31-774F-4FAF-87E7-822052301E2D}" srcOrd="1" destOrd="0" parTransId="{318CA150-D5AB-4CAF-B6D4-0E81F66EF7C7}" sibTransId="{0BB73C4D-5B3E-4CAE-B14B-1EF679EAF63E}"/>
+    <dgm:cxn modelId="{C2EB873C-18FE-4231-A010-7315A8E0ED11}" srcId="{5BBD4D31-774F-4FAF-87E7-822052301E2D}" destId="{9F015E1F-70AF-49E6-AAE0-1BFCC6C36DA3}" srcOrd="0" destOrd="0" parTransId="{353F6634-22FB-49B3-9520-F098E84F2BB3}" sibTransId="{D8367A69-9B37-44AF-813D-042888148A3B}"/>
+    <dgm:cxn modelId="{8DDB5C87-77CF-4C09-ABC2-CA28245E1CC7}" type="presOf" srcId="{A0307AE9-97D9-4346-85AD-1274483B305E}" destId="{CA926706-B92E-CE41-81A0-54D1A7872542}" srcOrd="0" destOrd="3" presId="urn:microsoft.com/office/officeart/2005/8/layout/process1"/>
+    <dgm:cxn modelId="{CCF3526B-89DC-2D4F-9C96-1E59C0C4FDCC}" type="presOf" srcId="{A7B5DA2F-F7AF-9F49-B4CA-599244722077}" destId="{FF924318-EFF4-114C-A607-D5E593D342F4}" srcOrd="0" destOrd="0" presId="urn:microsoft.com/office/officeart/2005/8/layout/process1"/>
+    <dgm:cxn modelId="{66144CCE-43C8-2C4D-80AC-F6EB31BFA21C}" type="presOf" srcId="{7117672F-4AE5-FD41-A307-D1F4ACE04C98}" destId="{C59F1FE9-B675-F74A-81B2-DF1C859D9125}" srcOrd="0" destOrd="0" presId="urn:microsoft.com/office/officeart/2005/8/layout/process1"/>
+    <dgm:cxn modelId="{4680601C-603D-6543-8764-87DE9B972109}" type="presOf" srcId="{3C3A72B1-6F38-454F-ADA5-D1EBE4A37A7A}" destId="{45B56F92-CA62-7547-B01D-E6ADA8964BD8}" srcOrd="1" destOrd="0" presId="urn:microsoft.com/office/officeart/2005/8/layout/process1"/>
+    <dgm:cxn modelId="{6A5901E3-2791-FF40-B914-9AA3A09A361F}" type="presOf" srcId="{3AC304E9-26FF-944E-90D5-3DC6C1AA69DE}" destId="{C52653A9-88E4-5B4C-A313-E4CE4518E38B}" srcOrd="0" destOrd="1" presId="urn:microsoft.com/office/officeart/2005/8/layout/process1"/>
+    <dgm:cxn modelId="{756B1257-16CD-094B-8F00-790A4A520321}" type="presOf" srcId="{9BD52CC3-98A2-AD40-81AE-0D763FEEFAEE}" destId="{062D1ADA-9625-5C42-8A29-3EBF6176F03B}" srcOrd="0" destOrd="5" presId="urn:microsoft.com/office/officeart/2005/8/layout/process1"/>
+    <dgm:cxn modelId="{FE1BE588-DFEA-2447-9DA5-BF78CB366A2D}" srcId="{38F44408-F7EA-5D45-9F78-1E9259F17F1C}" destId="{9B0DC355-4EE7-CF4D-8FA3-65138D55947F}" srcOrd="2" destOrd="0" parTransId="{FAD9449B-3875-FA45-B535-5A58BD5335BA}" sibTransId="{7117672F-4AE5-FD41-A307-D1F4ACE04C98}"/>
+    <dgm:cxn modelId="{C88E06A0-4AA6-E049-9C4F-DFD0AEB503E4}" type="presOf" srcId="{3C3A72B1-6F38-454F-ADA5-D1EBE4A37A7A}" destId="{524E36A4-812D-A94F-B713-8FF1DFB30DF5}" srcOrd="0" destOrd="0" presId="urn:microsoft.com/office/officeart/2005/8/layout/process1"/>
+    <dgm:cxn modelId="{2AC4D45B-6543-CE41-982D-46E85F45E14F}" type="presOf" srcId="{7117672F-4AE5-FD41-A307-D1F4ACE04C98}" destId="{694E6BB3-6CB3-2541-A17A-F925628A8872}" srcOrd="1" destOrd="0" presId="urn:microsoft.com/office/officeart/2005/8/layout/process1"/>
+    <dgm:cxn modelId="{02D37967-AB4B-4A73-8B02-A3CAD9AAF7EA}" type="presOf" srcId="{A7B38AFB-9B10-436E-AC01-F2A1C17B62DF}" destId="{CA926706-B92E-CE41-81A0-54D1A7872542}" srcOrd="0" destOrd="1" presId="urn:microsoft.com/office/officeart/2005/8/layout/process1"/>
+    <dgm:cxn modelId="{83241050-9C4B-2048-B761-A08B9581B43C}" type="presOf" srcId="{CB4FD71C-37EB-7C4D-BA75-847F56CE95C2}" destId="{C52653A9-88E4-5B4C-A313-E4CE4518E38B}" srcOrd="0" destOrd="0" presId="urn:microsoft.com/office/officeart/2005/8/layout/process1"/>
+    <dgm:cxn modelId="{6C8AAC0A-232D-9248-A993-1B79BE69D5E7}" srcId="{CB4FD71C-37EB-7C4D-BA75-847F56CE95C2}" destId="{3AC304E9-26FF-944E-90D5-3DC6C1AA69DE}" srcOrd="0" destOrd="0" parTransId="{0234A1D6-3B1B-9849-9EE8-C66F3B5967D5}" sibTransId="{FBCE840F-0CAD-8945-BADD-24F97645C1A6}"/>
+    <dgm:cxn modelId="{943B2148-6680-5047-BD31-87C06188DCF7}" srcId="{38F44408-F7EA-5D45-9F78-1E9259F17F1C}" destId="{33B6F756-187C-084D-A5E5-14E3CE45FED5}" srcOrd="3" destOrd="0" parTransId="{69AE5D8A-F2AB-EB4D-96F1-27E117C0FA3C}" sibTransId="{AA2D9868-44A9-EA40-8AEE-2E386522331A}"/>
+    <dgm:cxn modelId="{0B7203C6-744B-DD41-8F0C-110910B4C835}" type="presOf" srcId="{A4E0BD80-F0F7-EC41-B46E-FA261CA8C828}" destId="{062D1ADA-9625-5C42-8A29-3EBF6176F03B}" srcOrd="0" destOrd="6" presId="urn:microsoft.com/office/officeart/2005/8/layout/process1"/>
+    <dgm:cxn modelId="{1C13AF36-8778-2F4D-96C9-B2B4597564DB}" type="presOf" srcId="{33B6F756-187C-084D-A5E5-14E3CE45FED5}" destId="{A9073634-AA3C-9A44-B584-1CB99DA50058}" srcOrd="0" destOrd="0" presId="urn:microsoft.com/office/officeart/2005/8/layout/process1"/>
+    <dgm:cxn modelId="{6A7818E5-7AAC-0040-A041-A806D4C642AC}" type="presOf" srcId="{55AF6ACC-D03D-AE4C-B062-8B2F16A0D8E1}" destId="{062D1ADA-9625-5C42-8A29-3EBF6176F03B}" srcOrd="0" destOrd="0" presId="urn:microsoft.com/office/officeart/2005/8/layout/process1"/>
+    <dgm:cxn modelId="{70862616-64A6-4AC7-B7E4-37F12E4A484E}" type="presOf" srcId="{450CFCA2-5202-486F-952A-D45DBE73153D}" destId="{CA926706-B92E-CE41-81A0-54D1A7872542}" srcOrd="0" destOrd="2" presId="urn:microsoft.com/office/officeart/2005/8/layout/process1"/>
+    <dgm:cxn modelId="{EF5A4385-EFE4-4DA9-93D2-AF162CBD18BA}" type="presOf" srcId="{5BBD4D31-774F-4FAF-87E7-822052301E2D}" destId="{062D1ADA-9625-5C42-8A29-3EBF6176F03B}" srcOrd="0" destOrd="2" presId="urn:microsoft.com/office/officeart/2005/8/layout/process1"/>
+    <dgm:cxn modelId="{D1A62A5E-3882-47E3-B0EB-9906D04DC5D1}" srcId="{5BBD4D31-774F-4FAF-87E7-822052301E2D}" destId="{580FA2B6-7506-42B0-98D4-E90CEB01337D}" srcOrd="1" destOrd="0" parTransId="{831E4AB6-55C3-4C58-BC37-CD607EE0B869}" sibTransId="{30D80CBB-6AB4-4004-BDB3-5730C96E6734}"/>
+    <dgm:cxn modelId="{1650F19C-5B38-45B7-92F5-73023BE3075B}" srcId="{9B0DC355-4EE7-CF4D-8FA3-65138D55947F}" destId="{A7B38AFB-9B10-436E-AC01-F2A1C17B62DF}" srcOrd="0" destOrd="0" parTransId="{B0DDB25D-A893-46EF-8041-679E04934D49}" sibTransId="{E5633864-0377-41EC-8105-AC9BC0123DD4}"/>
+    <dgm:cxn modelId="{6AE3C6F3-1135-A647-BFA4-5990D706D3DA}" srcId="{55AF6ACC-D03D-AE4C-B062-8B2F16A0D8E1}" destId="{A4E0BD80-F0F7-EC41-B46E-FA261CA8C828}" srcOrd="3" destOrd="0" parTransId="{2CD87E59-782A-9C47-81F5-AFE5877721AA}" sibTransId="{2F8D72AA-D9A1-324F-8FCA-BD16D4CD0A86}"/>
+    <dgm:cxn modelId="{F3EC295D-BBAD-4FE3-A9AC-0E85C1FBDCB3}" type="presOf" srcId="{9F015E1F-70AF-49E6-AAE0-1BFCC6C36DA3}" destId="{062D1ADA-9625-5C42-8A29-3EBF6176F03B}" srcOrd="0" destOrd="3" presId="urn:microsoft.com/office/officeart/2005/8/layout/process1"/>
+    <dgm:cxn modelId="{CFDFA7D3-1D15-4AA0-9A38-E4857510A9E3}" type="presOf" srcId="{580FA2B6-7506-42B0-98D4-E90CEB01337D}" destId="{062D1ADA-9625-5C42-8A29-3EBF6176F03B}" srcOrd="0" destOrd="4" presId="urn:microsoft.com/office/officeart/2005/8/layout/process1"/>
+    <dgm:cxn modelId="{1EB00CF4-3DE3-C846-A859-18C8BC098265}" type="presOf" srcId="{9B0DC355-4EE7-CF4D-8FA3-65138D55947F}" destId="{CA926706-B92E-CE41-81A0-54D1A7872542}" srcOrd="0" destOrd="0" presId="urn:microsoft.com/office/officeart/2005/8/layout/process1"/>
+    <dgm:cxn modelId="{AADA48D8-D728-4A9A-AE68-9B65AFCD7B84}" srcId="{A7B38AFB-9B10-436E-AC01-F2A1C17B62DF}" destId="{A0307AE9-97D9-4346-85AD-1274483B305E}" srcOrd="1" destOrd="0" parTransId="{D6A25DBB-6B3B-4443-A7FC-28A37E0088E0}" sibTransId="{C88A63E2-0613-4A0A-9D78-57702B681AE7}"/>
     <dgm:cxn modelId="{56614105-8CA3-4F42-9E8B-B78A9891730D}" type="presOf" srcId="{A7B5DA2F-F7AF-9F49-B4CA-599244722077}" destId="{A4EC4731-5BF8-BF47-ADB2-BBF1EF6E6274}" srcOrd="1" destOrd="0" presId="urn:microsoft.com/office/officeart/2005/8/layout/process1"/>
-    <dgm:cxn modelId="{6C8AAC0A-232D-9248-A993-1B79BE69D5E7}" srcId="{CB4FD71C-37EB-7C4D-BA75-847F56CE95C2}" destId="{3AC304E9-26FF-944E-90D5-3DC6C1AA69DE}" srcOrd="0" destOrd="0" parTransId="{0234A1D6-3B1B-9849-9EE8-C66F3B5967D5}" sibTransId="{FBCE840F-0CAD-8945-BADD-24F97645C1A6}"/>
-    <dgm:cxn modelId="{4680601C-603D-6543-8764-87DE9B972109}" type="presOf" srcId="{3C3A72B1-6F38-454F-ADA5-D1EBE4A37A7A}" destId="{45B56F92-CA62-7547-B01D-E6ADA8964BD8}" srcOrd="1" destOrd="0" presId="urn:microsoft.com/office/officeart/2005/8/layout/process1"/>
-    <dgm:cxn modelId="{B56A3229-0ABE-5A43-B8AC-CD6C8E0A0EB0}" type="presOf" srcId="{36475A9C-A304-2945-A32F-8D930CAA2CD5}" destId="{CA926706-B92E-CE41-81A0-54D1A7872542}" srcOrd="0" destOrd="2" presId="urn:microsoft.com/office/officeart/2005/8/layout/process1"/>
-    <dgm:cxn modelId="{1C13AF36-8778-2F4D-96C9-B2B4597564DB}" type="presOf" srcId="{33B6F756-187C-084D-A5E5-14E3CE45FED5}" destId="{A9073634-AA3C-9A44-B584-1CB99DA50058}" srcOrd="0" destOrd="0" presId="urn:microsoft.com/office/officeart/2005/8/layout/process1"/>
+    <dgm:cxn modelId="{A19ED68E-4A67-F04F-B544-84770542197E}" srcId="{55AF6ACC-D03D-AE4C-B062-8B2F16A0D8E1}" destId="{9BD52CC3-98A2-AD40-81AE-0D763FEEFAEE}" srcOrd="2" destOrd="0" parTransId="{C1F68240-4E3F-0246-B21A-5938545BD89C}" sibTransId="{5946D3EF-C934-D145-A3AE-EDBD01598997}"/>
+    <dgm:cxn modelId="{5A3D4D4C-7197-493D-A725-DFA5F78FD22C}" srcId="{55AF6ACC-D03D-AE4C-B062-8B2F16A0D8E1}" destId="{693B9C89-A3E8-4D8A-882F-207B5799F9D2}" srcOrd="0" destOrd="0" parTransId="{16FEF354-792F-42C6-998F-3BA4FFE3BDA4}" sibTransId="{92769F45-C800-4950-A8E1-874391F32F16}"/>
+    <dgm:cxn modelId="{0732BFEA-7762-F946-A27F-E72CD310C383}" srcId="{38F44408-F7EA-5D45-9F78-1E9259F17F1C}" destId="{CB4FD71C-37EB-7C4D-BA75-847F56CE95C2}" srcOrd="0" destOrd="0" parTransId="{F1BDFDD3-509D-304E-95A4-CCE2F1A47873}" sibTransId="{3C3A72B1-6F38-454F-ADA5-D1EBE4A37A7A}"/>
+    <dgm:cxn modelId="{D3F56428-D081-4C11-B638-8C2C691DE32D}" srcId="{A7B38AFB-9B10-436E-AC01-F2A1C17B62DF}" destId="{450CFCA2-5202-486F-952A-D45DBE73153D}" srcOrd="0" destOrd="0" parTransId="{3BC997E0-654D-40AE-B9F5-DCB66B0C4921}" sibTransId="{76367A40-3466-4B2E-8574-DD08D98F95C5}"/>
     <dgm:cxn modelId="{D477C136-E0FD-4B4A-95A0-B7E6DFCCDBB4}" srcId="{38F44408-F7EA-5D45-9F78-1E9259F17F1C}" destId="{55AF6ACC-D03D-AE4C-B062-8B2F16A0D8E1}" srcOrd="1" destOrd="0" parTransId="{2ADED678-A0FA-2A45-8EFC-7F6DAAA912BC}" sibTransId="{A7B5DA2F-F7AF-9F49-B4CA-599244722077}"/>
-    <dgm:cxn modelId="{943B2148-6680-5047-BD31-87C06188DCF7}" srcId="{38F44408-F7EA-5D45-9F78-1E9259F17F1C}" destId="{33B6F756-187C-084D-A5E5-14E3CE45FED5}" srcOrd="3" destOrd="0" parTransId="{69AE5D8A-F2AB-EB4D-96F1-27E117C0FA3C}" sibTransId="{AA2D9868-44A9-EA40-8AEE-2E386522331A}"/>
-    <dgm:cxn modelId="{64D0534C-E5A7-D142-84B4-E56688C20D39}" srcId="{9B0DC355-4EE7-CF4D-8FA3-65138D55947F}" destId="{36475A9C-A304-2945-A32F-8D930CAA2CD5}" srcOrd="1" destOrd="0" parTransId="{93D285C1-B49C-074F-9161-123C2780DD01}" sibTransId="{6D14F85E-876A-1144-A4C7-3EBFBA2D9190}"/>
-    <dgm:cxn modelId="{83241050-9C4B-2048-B761-A08B9581B43C}" type="presOf" srcId="{CB4FD71C-37EB-7C4D-BA75-847F56CE95C2}" destId="{C52653A9-88E4-5B4C-A313-E4CE4518E38B}" srcOrd="0" destOrd="0" presId="urn:microsoft.com/office/officeart/2005/8/layout/process1"/>
-    <dgm:cxn modelId="{8DADB455-E782-234C-A94A-DC835522F7DB}" type="presOf" srcId="{661EFD0B-A617-A746-B29A-1314635257D1}" destId="{CA926706-B92E-CE41-81A0-54D1A7872542}" srcOrd="0" destOrd="3" presId="urn:microsoft.com/office/officeart/2005/8/layout/process1"/>
-    <dgm:cxn modelId="{756B1257-16CD-094B-8F00-790A4A520321}" type="presOf" srcId="{9BD52CC3-98A2-AD40-81AE-0D763FEEFAEE}" destId="{062D1ADA-9625-5C42-8A29-3EBF6176F03B}" srcOrd="0" destOrd="1" presId="urn:microsoft.com/office/officeart/2005/8/layout/process1"/>
-    <dgm:cxn modelId="{2AC4D45B-6543-CE41-982D-46E85F45E14F}" type="presOf" srcId="{7117672F-4AE5-FD41-A307-D1F4ACE04C98}" destId="{694E6BB3-6CB3-2541-A17A-F925628A8872}" srcOrd="1" destOrd="0" presId="urn:microsoft.com/office/officeart/2005/8/layout/process1"/>
-    <dgm:cxn modelId="{E80C4065-287D-8440-8119-9A5BB0096848}" srcId="{9B0DC355-4EE7-CF4D-8FA3-65138D55947F}" destId="{0437C19F-75BA-044F-B9A1-2BAC666811DD}" srcOrd="0" destOrd="0" parTransId="{5F53B404-BB6D-AD47-BBF1-552CCE5162E9}" sibTransId="{0FA880D8-DE73-744F-8B85-DDA76B2B7048}"/>
-    <dgm:cxn modelId="{CCF3526B-89DC-2D4F-9C96-1E59C0C4FDCC}" type="presOf" srcId="{A7B5DA2F-F7AF-9F49-B4CA-599244722077}" destId="{FF924318-EFF4-114C-A607-D5E593D342F4}" srcOrd="0" destOrd="0" presId="urn:microsoft.com/office/officeart/2005/8/layout/process1"/>
-    <dgm:cxn modelId="{FE1BE588-DFEA-2447-9DA5-BF78CB366A2D}" srcId="{38F44408-F7EA-5D45-9F78-1E9259F17F1C}" destId="{9B0DC355-4EE7-CF4D-8FA3-65138D55947F}" srcOrd="2" destOrd="0" parTransId="{FAD9449B-3875-FA45-B535-5A58BD5335BA}" sibTransId="{7117672F-4AE5-FD41-A307-D1F4ACE04C98}"/>
-    <dgm:cxn modelId="{A19ED68E-4A67-F04F-B544-84770542197E}" srcId="{55AF6ACC-D03D-AE4C-B062-8B2F16A0D8E1}" destId="{9BD52CC3-98A2-AD40-81AE-0D763FEEFAEE}" srcOrd="0" destOrd="0" parTransId="{C1F68240-4E3F-0246-B21A-5938545BD89C}" sibTransId="{5946D3EF-C934-D145-A3AE-EDBD01598997}"/>
+    <dgm:cxn modelId="{361B5551-A9F7-4EF4-91A5-57F57553E6F4}" type="presOf" srcId="{693B9C89-A3E8-4D8A-882F-207B5799F9D2}" destId="{062D1ADA-9625-5C42-8A29-3EBF6176F03B}" srcOrd="0" destOrd="1" presId="urn:microsoft.com/office/officeart/2005/8/layout/process1"/>
     <dgm:cxn modelId="{7EE6569A-E10B-E94D-BF25-DD513728CFE9}" type="presOf" srcId="{38F44408-F7EA-5D45-9F78-1E9259F17F1C}" destId="{3EEF20E3-E8FF-C948-B6A2-E332D891F03C}" srcOrd="0" destOrd="0" presId="urn:microsoft.com/office/officeart/2005/8/layout/process1"/>
-    <dgm:cxn modelId="{7680E79F-DD97-F247-A792-2B758B45354A}" srcId="{9B0DC355-4EE7-CF4D-8FA3-65138D55947F}" destId="{661EFD0B-A617-A746-B29A-1314635257D1}" srcOrd="2" destOrd="0" parTransId="{BD3118E8-B39F-4441-A402-289D231E3072}" sibTransId="{4B425296-D1A0-EE43-9CE3-E50BA0E04DE3}"/>
-    <dgm:cxn modelId="{C88E06A0-4AA6-E049-9C4F-DFD0AEB503E4}" type="presOf" srcId="{3C3A72B1-6F38-454F-ADA5-D1EBE4A37A7A}" destId="{524E36A4-812D-A94F-B713-8FF1DFB30DF5}" srcOrd="0" destOrd="0" presId="urn:microsoft.com/office/officeart/2005/8/layout/process1"/>
-    <dgm:cxn modelId="{0B7203C6-744B-DD41-8F0C-110910B4C835}" type="presOf" srcId="{A4E0BD80-F0F7-EC41-B46E-FA261CA8C828}" destId="{062D1ADA-9625-5C42-8A29-3EBF6176F03B}" srcOrd="0" destOrd="2" presId="urn:microsoft.com/office/officeart/2005/8/layout/process1"/>
-    <dgm:cxn modelId="{66144CCE-43C8-2C4D-80AC-F6EB31BFA21C}" type="presOf" srcId="{7117672F-4AE5-FD41-A307-D1F4ACE04C98}" destId="{C59F1FE9-B675-F74A-81B2-DF1C859D9125}" srcOrd="0" destOrd="0" presId="urn:microsoft.com/office/officeart/2005/8/layout/process1"/>
-    <dgm:cxn modelId="{F18318DC-40C9-154C-89D7-6E03802886FB}" type="presOf" srcId="{0437C19F-75BA-044F-B9A1-2BAC666811DD}" destId="{CA926706-B92E-CE41-81A0-54D1A7872542}" srcOrd="0" destOrd="1" presId="urn:microsoft.com/office/officeart/2005/8/layout/process1"/>
-    <dgm:cxn modelId="{6A5901E3-2791-FF40-B914-9AA3A09A361F}" type="presOf" srcId="{3AC304E9-26FF-944E-90D5-3DC6C1AA69DE}" destId="{C52653A9-88E4-5B4C-A313-E4CE4518E38B}" srcOrd="0" destOrd="1" presId="urn:microsoft.com/office/officeart/2005/8/layout/process1"/>
-    <dgm:cxn modelId="{6A7818E5-7AAC-0040-A041-A806D4C642AC}" type="presOf" srcId="{55AF6ACC-D03D-AE4C-B062-8B2F16A0D8E1}" destId="{062D1ADA-9625-5C42-8A29-3EBF6176F03B}" srcOrd="0" destOrd="0" presId="urn:microsoft.com/office/officeart/2005/8/layout/process1"/>
-    <dgm:cxn modelId="{0732BFEA-7762-F946-A27F-E72CD310C383}" srcId="{38F44408-F7EA-5D45-9F78-1E9259F17F1C}" destId="{CB4FD71C-37EB-7C4D-BA75-847F56CE95C2}" srcOrd="0" destOrd="0" parTransId="{F1BDFDD3-509D-304E-95A4-CCE2F1A47873}" sibTransId="{3C3A72B1-6F38-454F-ADA5-D1EBE4A37A7A}"/>
-    <dgm:cxn modelId="{6AE3C6F3-1135-A647-BFA4-5990D706D3DA}" srcId="{55AF6ACC-D03D-AE4C-B062-8B2F16A0D8E1}" destId="{A4E0BD80-F0F7-EC41-B46E-FA261CA8C828}" srcOrd="1" destOrd="0" parTransId="{2CD87E59-782A-9C47-81F5-AFE5877721AA}" sibTransId="{2F8D72AA-D9A1-324F-8FCA-BD16D4CD0A86}"/>
-    <dgm:cxn modelId="{1EB00CF4-3DE3-C846-A859-18C8BC098265}" type="presOf" srcId="{9B0DC355-4EE7-CF4D-8FA3-65138D55947F}" destId="{CA926706-B92E-CE41-81A0-54D1A7872542}" srcOrd="0" destOrd="0" presId="urn:microsoft.com/office/officeart/2005/8/layout/process1"/>
     <dgm:cxn modelId="{FB9E4479-BC78-6E48-BA44-AB73AA00D46F}" type="presParOf" srcId="{3EEF20E3-E8FF-C948-B6A2-E332D891F03C}" destId="{C52653A9-88E4-5B4C-A313-E4CE4518E38B}" srcOrd="0" destOrd="0" presId="urn:microsoft.com/office/officeart/2005/8/layout/process1"/>
     <dgm:cxn modelId="{4BE925E6-D869-B345-97FD-92CF357989B7}" type="presParOf" srcId="{3EEF20E3-E8FF-C948-B6A2-E332D891F03C}" destId="{524E36A4-812D-A94F-B713-8FF1DFB30DF5}" srcOrd="1" destOrd="0" presId="urn:microsoft.com/office/officeart/2005/8/layout/process1"/>
     <dgm:cxn modelId="{4CA0B719-596E-A640-B57D-167A4896C823}" type="presParOf" srcId="{524E36A4-812D-A94F-B713-8FF1DFB30DF5}" destId="{45B56F92-CA62-7547-B01D-E6ADA8964BD8}" srcOrd="0" destOrd="0" presId="urn:microsoft.com/office/officeart/2005/8/layout/process1"/>
@@ -5586,7 +6067,7 @@
         </a:bodyPr>
         <a:lstStyle/>
         <a:p>
-          <a:pPr marL="0" lvl="0" indent="0" algn="ctr" defTabSz="1333500">
+          <a:pPr lvl="0" algn="ctr" defTabSz="1333500">
             <a:lnSpc>
               <a:spcPct val="90000"/>
             </a:lnSpc>
@@ -5596,7 +6077,6 @@
             <a:spcAft>
               <a:spcPct val="35000"/>
             </a:spcAft>
-            <a:buNone/>
           </a:pPr>
           <a:r>
             <a:rPr lang="en-US" sz="3000" kern="1200" dirty="0"/>
@@ -5713,7 +6193,7 @@
         </a:bodyPr>
         <a:lstStyle/>
         <a:p>
-          <a:pPr marL="0" lvl="0" indent="0" algn="ctr" defTabSz="1333500">
+          <a:pPr lvl="0" algn="ctr" defTabSz="1333500">
             <a:lnSpc>
               <a:spcPct val="90000"/>
             </a:lnSpc>
@@ -5723,7 +6203,6 @@
             <a:spcAft>
               <a:spcPct val="35000"/>
             </a:spcAft>
-            <a:buNone/>
           </a:pPr>
           <a:r>
             <a:rPr lang="en-US" sz="3000" kern="1200" dirty="0"/>
@@ -5840,7 +6319,7 @@
         </a:bodyPr>
         <a:lstStyle/>
         <a:p>
-          <a:pPr marL="0" lvl="0" indent="0" algn="ctr" defTabSz="1333500">
+          <a:pPr lvl="0" algn="ctr" defTabSz="1333500">
             <a:lnSpc>
               <a:spcPct val="90000"/>
             </a:lnSpc>
@@ -5850,7 +6329,6 @@
             <a:spcAft>
               <a:spcPct val="35000"/>
             </a:spcAft>
-            <a:buNone/>
           </a:pPr>
           <a:r>
             <a:rPr lang="en-US" sz="3000" kern="1200" dirty="0"/>
@@ -6353,7 +6831,7 @@
         </a:bodyPr>
         <a:lstStyle/>
         <a:p>
-          <a:pPr marL="0" lvl="0" indent="0" algn="l" defTabSz="444500">
+          <a:pPr lvl="0" algn="l" defTabSz="444500">
             <a:lnSpc>
               <a:spcPct val="90000"/>
             </a:lnSpc>
@@ -6363,7 +6841,6 @@
             <a:spcAft>
               <a:spcPct val="35000"/>
             </a:spcAft>
-            <a:buNone/>
           </a:pPr>
           <a:r>
             <a:rPr lang="en-US" sz="1000" kern="1200" dirty="0"/>
@@ -6463,7 +6940,7 @@
         </a:bodyPr>
         <a:lstStyle/>
         <a:p>
-          <a:pPr marL="0" lvl="0" indent="0" algn="l" defTabSz="444500">
+          <a:pPr lvl="0" algn="l" defTabSz="444500">
             <a:lnSpc>
               <a:spcPct val="90000"/>
             </a:lnSpc>
@@ -6473,7 +6950,6 @@
             <a:spcAft>
               <a:spcPct val="35000"/>
             </a:spcAft>
-            <a:buNone/>
           </a:pPr>
           <a:r>
             <a:rPr lang="en-US" sz="1000" kern="1200" dirty="0"/>
@@ -6573,7 +7049,7 @@
         </a:bodyPr>
         <a:lstStyle/>
         <a:p>
-          <a:pPr marL="0" lvl="0" indent="0" algn="l" defTabSz="444500">
+          <a:pPr lvl="0" algn="l" defTabSz="444500">
             <a:lnSpc>
               <a:spcPct val="90000"/>
             </a:lnSpc>
@@ -6583,7 +7059,6 @@
             <a:spcAft>
               <a:spcPct val="35000"/>
             </a:spcAft>
-            <a:buNone/>
           </a:pPr>
           <a:r>
             <a:rPr lang="en-US" sz="1000" kern="1200" dirty="0"/>
@@ -6683,7 +7158,7 @@
         </a:bodyPr>
         <a:lstStyle/>
         <a:p>
-          <a:pPr marL="0" lvl="0" indent="0" algn="l" defTabSz="444500">
+          <a:pPr lvl="0" algn="l" defTabSz="444500">
             <a:lnSpc>
               <a:spcPct val="90000"/>
             </a:lnSpc>
@@ -6693,7 +7168,6 @@
             <a:spcAft>
               <a:spcPct val="35000"/>
             </a:spcAft>
-            <a:buNone/>
           </a:pPr>
           <a:r>
             <a:rPr lang="en-US" sz="1000" b="1" kern="1200" dirty="0"/>
@@ -6705,7 +7179,7 @@
           </a:r>
         </a:p>
         <a:p>
-          <a:pPr marL="0" lvl="0" indent="0" algn="l" defTabSz="444500">
+          <a:pPr lvl="0" algn="l" defTabSz="444500">
             <a:lnSpc>
               <a:spcPct val="90000"/>
             </a:lnSpc>
@@ -6715,7 +7189,6 @@
             <a:spcAft>
               <a:spcPct val="35000"/>
             </a:spcAft>
-            <a:buNone/>
           </a:pPr>
           <a:r>
             <a:rPr lang="en-US" sz="1000" kern="1200" dirty="0"/>
@@ -6815,7 +7288,7 @@
         </a:bodyPr>
         <a:lstStyle/>
         <a:p>
-          <a:pPr marL="0" lvl="0" indent="0" algn="l" defTabSz="444500">
+          <a:pPr lvl="0" algn="l" defTabSz="444500">
             <a:lnSpc>
               <a:spcPct val="90000"/>
             </a:lnSpc>
@@ -6825,12 +7298,12 @@
             <a:spcAft>
               <a:spcPct val="35000"/>
             </a:spcAft>
-            <a:buNone/>
           </a:pPr>
           <a:r>
-            <a:rPr lang="en-US" sz="1000" kern="1200" dirty="0"/>
-            <a:t>Sequential Pattern mining</a:t>
+            <a:rPr lang="en-US" sz="1000" kern="1200" dirty="0" smtClean="0"/>
+            <a:t>Predictive Model</a:t>
           </a:r>
+          <a:endParaRPr lang="en-US" sz="1000" kern="1200" dirty="0"/>
         </a:p>
       </dsp:txBody>
       <dsp:txXfrm>
@@ -6925,7 +7398,7 @@
         </a:bodyPr>
         <a:lstStyle/>
         <a:p>
-          <a:pPr marL="0" lvl="0" indent="0" algn="l" defTabSz="444500">
+          <a:pPr lvl="0" algn="l" defTabSz="444500">
             <a:lnSpc>
               <a:spcPct val="90000"/>
             </a:lnSpc>
@@ -6935,12 +7408,12 @@
             <a:spcAft>
               <a:spcPct val="35000"/>
             </a:spcAft>
-            <a:buNone/>
           </a:pPr>
           <a:r>
-            <a:rPr lang="en-US" sz="1000" kern="1200" dirty="0"/>
-            <a:t>CSPADE</a:t>
+            <a:rPr lang="en-US" sz="1000" kern="1200" dirty="0" smtClean="0"/>
+            <a:t>Regularized linear regression</a:t>
           </a:r>
+          <a:endParaRPr lang="en-US" sz="1000" kern="1200" dirty="0"/>
         </a:p>
       </dsp:txBody>
       <dsp:txXfrm>
@@ -7035,7 +7508,7 @@
         </a:bodyPr>
         <a:lstStyle/>
         <a:p>
-          <a:pPr marL="0" lvl="0" indent="0" algn="l" defTabSz="444500">
+          <a:pPr lvl="0" algn="l" defTabSz="444500">
             <a:lnSpc>
               <a:spcPct val="90000"/>
             </a:lnSpc>
@@ -7045,7 +7518,6 @@
             <a:spcAft>
               <a:spcPct val="35000"/>
             </a:spcAft>
-            <a:buNone/>
           </a:pPr>
           <a:r>
             <a:rPr lang="en-US" sz="1000" b="1" kern="1200" dirty="0"/>
@@ -7057,7 +7529,7 @@
           </a:r>
         </a:p>
         <a:p>
-          <a:pPr marL="0" lvl="0" indent="0" algn="l" defTabSz="444500">
+          <a:pPr lvl="0" algn="l" defTabSz="444500">
             <a:lnSpc>
               <a:spcPct val="90000"/>
             </a:lnSpc>
@@ -7067,12 +7539,12 @@
             <a:spcAft>
               <a:spcPct val="35000"/>
             </a:spcAft>
-            <a:buNone/>
           </a:pPr>
           <a:r>
-            <a:rPr lang="en-US" sz="1000" kern="1200" dirty="0"/>
-            <a:t>Red Flags</a:t>
+            <a:rPr lang="en-US" sz="1000" kern="1200" dirty="0" smtClean="0"/>
+            <a:t>Warnings &amp; preparation</a:t>
           </a:r>
+          <a:endParaRPr lang="en-US" sz="1000" kern="1200" dirty="0"/>
         </a:p>
       </dsp:txBody>
       <dsp:txXfrm>
@@ -7099,8 +7571,8 @@
       </dsp:nvSpPr>
       <dsp:spPr>
         <a:xfrm>
-          <a:off x="5139" y="1122955"/>
-          <a:ext cx="2247290" cy="1537989"/>
+          <a:off x="5139" y="1028148"/>
+          <a:ext cx="2247290" cy="1727604"/>
         </a:xfrm>
         <a:prstGeom prst="roundRect">
           <a:avLst>
@@ -7149,7 +7621,7 @@
         </a:bodyPr>
         <a:lstStyle/>
         <a:p>
-          <a:pPr marL="0" lvl="0" indent="0" algn="l" defTabSz="800100">
+          <a:pPr lvl="0" algn="l" defTabSz="800100">
             <a:lnSpc>
               <a:spcPct val="90000"/>
             </a:lnSpc>
@@ -7159,7 +7631,6 @@
             <a:spcAft>
               <a:spcPct val="35000"/>
             </a:spcAft>
-            <a:buNone/>
           </a:pPr>
           <a:r>
             <a:rPr lang="en-US" sz="1800" kern="1200"/>
@@ -7178,7 +7649,7 @@
             <a:spcAft>
               <a:spcPct val="15000"/>
             </a:spcAft>
-            <a:buChar char="•"/>
+            <a:buChar char="••"/>
           </a:pPr>
           <a:r>
             <a:rPr lang="en-US" sz="1400" kern="1200" dirty="0"/>
@@ -7196,7 +7667,7 @@
             <a:spcAft>
               <a:spcPct val="15000"/>
             </a:spcAft>
-            <a:buChar char="•"/>
+            <a:buChar char="••"/>
           </a:pPr>
           <a:r>
             <a:rPr lang="en-US" sz="1400" kern="1200" dirty="0"/>
@@ -7205,8 +7676,8 @@
         </a:p>
       </dsp:txBody>
       <dsp:txXfrm>
-        <a:off x="50185" y="1168001"/>
-        <a:ext cx="2157198" cy="1447897"/>
+        <a:off x="55739" y="1078748"/>
+        <a:ext cx="2146090" cy="1626404"/>
       </dsp:txXfrm>
     </dsp:sp>
     <dsp:sp modelId="{524E36A4-812D-A94F-B713-8FF1DFB30DF5}">
@@ -7258,7 +7729,7 @@
         </a:bodyPr>
         <a:lstStyle/>
         <a:p>
-          <a:pPr marL="0" lvl="0" indent="0" algn="ctr" defTabSz="622300">
+          <a:pPr lvl="0" algn="ctr" defTabSz="622300">
             <a:lnSpc>
               <a:spcPct val="90000"/>
             </a:lnSpc>
@@ -7268,7 +7739,6 @@
             <a:spcAft>
               <a:spcPct val="35000"/>
             </a:spcAft>
-            <a:buNone/>
           </a:pPr>
           <a:endParaRPr lang="en-US" sz="1400" kern="1200"/>
         </a:p>
@@ -7285,8 +7755,8 @@
       </dsp:nvSpPr>
       <dsp:spPr>
         <a:xfrm>
-          <a:off x="3151346" y="1122955"/>
-          <a:ext cx="2247290" cy="1537989"/>
+          <a:off x="3151346" y="1028148"/>
+          <a:ext cx="2247290" cy="1727604"/>
         </a:xfrm>
         <a:prstGeom prst="roundRect">
           <a:avLst>
@@ -7335,7 +7805,7 @@
         </a:bodyPr>
         <a:lstStyle/>
         <a:p>
-          <a:pPr marL="0" lvl="0" indent="0" algn="l" defTabSz="800100">
+          <a:pPr lvl="0" algn="l" defTabSz="800100">
             <a:lnSpc>
               <a:spcPct val="90000"/>
             </a:lnSpc>
@@ -7345,7 +7815,6 @@
             <a:spcAft>
               <a:spcPct val="35000"/>
             </a:spcAft>
-            <a:buNone/>
           </a:pPr>
           <a:r>
             <a:rPr lang="en-US" sz="1800" kern="1200" dirty="0"/>
@@ -7363,7 +7832,7 @@
             <a:spcAft>
               <a:spcPct val="15000"/>
             </a:spcAft>
-            <a:buChar char="•"/>
+            <a:buChar char="••"/>
           </a:pPr>
           <a:r>
             <a:rPr lang="en-US" sz="1400" kern="1200" dirty="0"/>
@@ -7381,17 +7850,78 @@
             <a:spcAft>
               <a:spcPct val="15000"/>
             </a:spcAft>
-            <a:buChar char="•"/>
+            <a:buChar char="••"/>
           </a:pPr>
           <a:r>
+            <a:rPr lang="en-US" sz="1400" kern="1200" dirty="0" smtClean="0"/>
+            <a:t>Vary:</a:t>
+          </a:r>
+          <a:endParaRPr lang="en-US" sz="1400" kern="1200" dirty="0"/>
+        </a:p>
+        <a:p>
+          <a:pPr marL="228600" lvl="2" indent="-114300" algn="l" defTabSz="622300">
+            <a:lnSpc>
+              <a:spcPct val="90000"/>
+            </a:lnSpc>
+            <a:spcBef>
+              <a:spcPct val="0"/>
+            </a:spcBef>
+            <a:spcAft>
+              <a:spcPct val="15000"/>
+            </a:spcAft>
+            <a:buChar char="••"/>
+          </a:pPr>
+          <a:r>
+            <a:rPr lang="en-US" sz="1400" kern="1200" dirty="0" smtClean="0"/>
+            <a:t>n topics </a:t>
+          </a:r>
+          <a:r>
             <a:rPr lang="en-US" sz="1400" kern="1200" dirty="0"/>
-            <a:t>Number of topics (5 – 250)</a:t>
+            <a:t>(5 – 250)</a:t>
           </a:r>
+        </a:p>
+        <a:p>
+          <a:pPr marL="228600" lvl="2" indent="-114300" algn="l" defTabSz="622300">
+            <a:lnSpc>
+              <a:spcPct val="90000"/>
+            </a:lnSpc>
+            <a:spcBef>
+              <a:spcPct val="0"/>
+            </a:spcBef>
+            <a:spcAft>
+              <a:spcPct val="15000"/>
+            </a:spcAft>
+            <a:buChar char="••"/>
+          </a:pPr>
+          <a:r>
+            <a:rPr lang="en-US" sz="1400" kern="1200" dirty="0" smtClean="0"/>
+            <a:t>alpha</a:t>
+          </a:r>
+          <a:endParaRPr lang="en-US" sz="1400" kern="1200" dirty="0"/>
+        </a:p>
+        <a:p>
+          <a:pPr marL="228600" lvl="2" indent="-114300" algn="l" defTabSz="622300">
+            <a:lnSpc>
+              <a:spcPct val="90000"/>
+            </a:lnSpc>
+            <a:spcBef>
+              <a:spcPct val="0"/>
+            </a:spcBef>
+            <a:spcAft>
+              <a:spcPct val="15000"/>
+            </a:spcAft>
+            <a:buChar char="••"/>
+          </a:pPr>
+          <a:r>
+            <a:rPr lang="en-US" sz="1400" kern="1200" dirty="0" smtClean="0"/>
+            <a:t>beta</a:t>
+          </a:r>
+          <a:endParaRPr lang="en-US" sz="1400" kern="1200" dirty="0"/>
         </a:p>
       </dsp:txBody>
       <dsp:txXfrm>
-        <a:off x="3196392" y="1168001"/>
-        <a:ext cx="2157198" cy="1447897"/>
+        <a:off x="3201946" y="1078748"/>
+        <a:ext cx="2146090" cy="1626404"/>
       </dsp:txXfrm>
     </dsp:sp>
     <dsp:sp modelId="{FF924318-EFF4-114C-A607-D5E593D342F4}">
@@ -7443,7 +7973,7 @@
         </a:bodyPr>
         <a:lstStyle/>
         <a:p>
-          <a:pPr marL="0" lvl="0" indent="0" algn="ctr" defTabSz="622300">
+          <a:pPr lvl="0" algn="ctr" defTabSz="622300">
             <a:lnSpc>
               <a:spcPct val="90000"/>
             </a:lnSpc>
@@ -7453,7 +7983,6 @@
             <a:spcAft>
               <a:spcPct val="35000"/>
             </a:spcAft>
-            <a:buNone/>
           </a:pPr>
           <a:endParaRPr lang="en-US" sz="1400" kern="1200"/>
         </a:p>
@@ -7470,8 +7999,8 @@
       </dsp:nvSpPr>
       <dsp:spPr>
         <a:xfrm>
-          <a:off x="6297553" y="1122955"/>
-          <a:ext cx="2247290" cy="1537989"/>
+          <a:off x="6297553" y="1028148"/>
+          <a:ext cx="2247290" cy="1727604"/>
         </a:xfrm>
         <a:prstGeom prst="roundRect">
           <a:avLst>
@@ -7520,7 +8049,7 @@
         </a:bodyPr>
         <a:lstStyle/>
         <a:p>
-          <a:pPr marL="0" lvl="0" indent="0" algn="l" defTabSz="800100">
+          <a:pPr lvl="0" algn="l" defTabSz="800100">
             <a:lnSpc>
               <a:spcPct val="90000"/>
             </a:lnSpc>
@@ -7530,7 +8059,6 @@
             <a:spcAft>
               <a:spcPct val="35000"/>
             </a:spcAft>
-            <a:buNone/>
           </a:pPr>
           <a:r>
             <a:rPr lang="en-US" sz="1800" kern="1200" dirty="0"/>
@@ -7548,7 +8076,7 @@
             <a:spcAft>
               <a:spcPct val="15000"/>
             </a:spcAft>
-            <a:buChar char="•"/>
+            <a:buChar char="••"/>
           </a:pPr>
           <a:r>
             <a:rPr lang="en-US" sz="1400" kern="1200" dirty="0"/>
@@ -7566,7 +8094,7 @@
             <a:spcAft>
               <a:spcPct val="15000"/>
             </a:spcAft>
-            <a:buChar char="•"/>
+            <a:buChar char="••"/>
           </a:pPr>
           <a:r>
             <a:rPr lang="en-US" sz="1400" kern="1200" dirty="0"/>
@@ -7584,7 +8112,7 @@
             <a:spcAft>
               <a:spcPct val="15000"/>
             </a:spcAft>
-            <a:buChar char="•"/>
+            <a:buChar char="••"/>
           </a:pPr>
           <a:r>
             <a:rPr lang="en-US" sz="1400" kern="1200" dirty="0"/>
@@ -7593,8 +8121,8 @@
         </a:p>
       </dsp:txBody>
       <dsp:txXfrm>
-        <a:off x="6342599" y="1168001"/>
-        <a:ext cx="2157198" cy="1447897"/>
+        <a:off x="6348153" y="1078748"/>
+        <a:ext cx="2146090" cy="1626404"/>
       </dsp:txXfrm>
     </dsp:sp>
     <dsp:sp modelId="{C59F1FE9-B675-F74A-81B2-DF1C859D9125}">
@@ -7646,7 +8174,7 @@
         </a:bodyPr>
         <a:lstStyle/>
         <a:p>
-          <a:pPr marL="0" lvl="0" indent="0" algn="ctr" defTabSz="622300">
+          <a:pPr lvl="0" algn="ctr" defTabSz="622300">
             <a:lnSpc>
               <a:spcPct val="90000"/>
             </a:lnSpc>
@@ -7656,7 +8184,6 @@
             <a:spcAft>
               <a:spcPct val="35000"/>
             </a:spcAft>
-            <a:buNone/>
           </a:pPr>
           <a:endParaRPr lang="en-US" sz="1400" kern="1200"/>
         </a:p>
@@ -7673,8 +8200,8 @@
       </dsp:nvSpPr>
       <dsp:spPr>
         <a:xfrm>
-          <a:off x="9443760" y="1122955"/>
-          <a:ext cx="2247290" cy="1537989"/>
+          <a:off x="9443760" y="1028148"/>
+          <a:ext cx="2247290" cy="1727604"/>
         </a:xfrm>
         <a:prstGeom prst="roundRect">
           <a:avLst>
@@ -7723,7 +8250,7 @@
         </a:bodyPr>
         <a:lstStyle/>
         <a:p>
-          <a:pPr marL="0" lvl="0" indent="0" algn="l" defTabSz="800100">
+          <a:pPr lvl="0" algn="l" defTabSz="800100">
             <a:lnSpc>
               <a:spcPct val="90000"/>
             </a:lnSpc>
@@ -7733,7 +8260,6 @@
             <a:spcAft>
               <a:spcPct val="35000"/>
             </a:spcAft>
-            <a:buNone/>
           </a:pPr>
           <a:r>
             <a:rPr lang="en-US" sz="1800" kern="1200" dirty="0"/>
@@ -7751,11 +8277,15 @@
             <a:spcAft>
               <a:spcPct val="15000"/>
             </a:spcAft>
-            <a:buChar char="•"/>
+            <a:buChar char="••"/>
           </a:pPr>
           <a:r>
+            <a:rPr lang="en-US" sz="1400" kern="1200" dirty="0" smtClean="0"/>
+            <a:t>Key </a:t>
+          </a:r>
+          <a:r>
             <a:rPr lang="en-US" sz="1400" kern="1200" dirty="0"/>
-            <a:t> Key words</a:t>
+            <a:t>words</a:t>
           </a:r>
         </a:p>
         <a:p>
@@ -7769,7 +8299,7 @@
             <a:spcAft>
               <a:spcPct val="15000"/>
             </a:spcAft>
-            <a:buChar char="•"/>
+            <a:buChar char="••"/>
           </a:pPr>
           <a:r>
             <a:rPr lang="en-US" sz="1400" kern="1200" dirty="0"/>
@@ -7778,8 +8308,8 @@
         </a:p>
       </dsp:txBody>
       <dsp:txXfrm>
-        <a:off x="9488806" y="1168001"/>
-        <a:ext cx="2157198" cy="1447897"/>
+        <a:off x="9494360" y="1078748"/>
+        <a:ext cx="2146090" cy="1626404"/>
       </dsp:txXfrm>
     </dsp:sp>
   </dsp:spTree>
@@ -7801,8 +8331,8 @@
       </dsp:nvSpPr>
       <dsp:spPr>
         <a:xfrm>
-          <a:off x="5296" y="1197265"/>
-          <a:ext cx="2315615" cy="1389369"/>
+          <a:off x="5296" y="904195"/>
+          <a:ext cx="2315615" cy="1975509"/>
         </a:xfrm>
         <a:prstGeom prst="roundRect">
           <a:avLst>
@@ -7846,12 +8376,12 @@
         </a:fontRef>
       </dsp:style>
       <dsp:txBody>
-        <a:bodyPr spcFirstLastPara="0" vert="horz" wrap="square" lIns="76200" tIns="76200" rIns="76200" bIns="76200" numCol="1" spcCol="1270" anchor="t" anchorCtr="0">
+        <a:bodyPr spcFirstLastPara="0" vert="horz" wrap="square" lIns="68580" tIns="68580" rIns="68580" bIns="68580" numCol="1" spcCol="1270" anchor="t" anchorCtr="0">
           <a:noAutofit/>
         </a:bodyPr>
         <a:lstStyle/>
         <a:p>
-          <a:pPr marL="0" lvl="0" indent="0" algn="l" defTabSz="889000">
+          <a:pPr lvl="0" algn="l" defTabSz="800100">
             <a:lnSpc>
               <a:spcPct val="90000"/>
             </a:lnSpc>
@@ -7861,15 +8391,14 @@
             <a:spcAft>
               <a:spcPct val="35000"/>
             </a:spcAft>
-            <a:buNone/>
           </a:pPr>
           <a:r>
-            <a:rPr lang="en-US" sz="2000" kern="1200" dirty="0"/>
+            <a:rPr lang="en-US" sz="1800" kern="1200" dirty="0"/>
             <a:t>Input Transcripts</a:t>
           </a:r>
         </a:p>
         <a:p>
-          <a:pPr marL="171450" lvl="1" indent="-171450" algn="l" defTabSz="711200">
+          <a:pPr marL="114300" lvl="1" indent="-114300" algn="l" defTabSz="622300">
             <a:lnSpc>
               <a:spcPct val="90000"/>
             </a:lnSpc>
@@ -7879,17 +8408,17 @@
             <a:spcAft>
               <a:spcPct val="15000"/>
             </a:spcAft>
-            <a:buChar char="•"/>
+            <a:buChar char="••"/>
           </a:pPr>
           <a:r>
-            <a:rPr lang="en-US" sz="1600" kern="1200" dirty="0"/>
+            <a:rPr lang="en-US" sz="1400" kern="1200" dirty="0"/>
             <a:t>2014-2018</a:t>
           </a:r>
         </a:p>
       </dsp:txBody>
       <dsp:txXfrm>
-        <a:off x="45989" y="1237958"/>
-        <a:ext cx="2234229" cy="1307983"/>
+        <a:off x="63157" y="962056"/>
+        <a:ext cx="2199893" cy="1859787"/>
       </dsp:txXfrm>
     </dsp:sp>
     <dsp:sp modelId="{524E36A4-812D-A94F-B713-8FF1DFB30DF5}">
@@ -7941,7 +8470,7 @@
         </a:bodyPr>
         <a:lstStyle/>
         <a:p>
-          <a:pPr marL="0" lvl="0" indent="0" algn="ctr" defTabSz="711200">
+          <a:pPr lvl="0" algn="ctr" defTabSz="622300">
             <a:lnSpc>
               <a:spcPct val="90000"/>
             </a:lnSpc>
@@ -7951,9 +8480,8 @@
             <a:spcAft>
               <a:spcPct val="35000"/>
             </a:spcAft>
-            <a:buNone/>
           </a:pPr>
-          <a:endParaRPr lang="en-US" sz="1600" kern="1200"/>
+          <a:endParaRPr lang="en-US" sz="1400" kern="1200"/>
         </a:p>
       </dsp:txBody>
       <dsp:txXfrm>
@@ -7968,8 +8496,8 @@
       </dsp:nvSpPr>
       <dsp:spPr>
         <a:xfrm>
-          <a:off x="3247157" y="1197265"/>
-          <a:ext cx="2315615" cy="1389369"/>
+          <a:off x="3247157" y="904195"/>
+          <a:ext cx="2315615" cy="1975509"/>
         </a:xfrm>
         <a:prstGeom prst="roundRect">
           <a:avLst>
@@ -8013,12 +8541,12 @@
         </a:fontRef>
       </dsp:style>
       <dsp:txBody>
-        <a:bodyPr spcFirstLastPara="0" vert="horz" wrap="square" lIns="76200" tIns="76200" rIns="76200" bIns="76200" numCol="1" spcCol="1270" anchor="t" anchorCtr="0">
+        <a:bodyPr spcFirstLastPara="0" vert="horz" wrap="square" lIns="68580" tIns="68580" rIns="68580" bIns="68580" numCol="1" spcCol="1270" anchor="t" anchorCtr="0">
           <a:noAutofit/>
         </a:bodyPr>
         <a:lstStyle/>
         <a:p>
-          <a:pPr marL="0" lvl="0" indent="0" algn="l" defTabSz="889000">
+          <a:pPr lvl="0" algn="l" defTabSz="800100">
             <a:lnSpc>
               <a:spcPct val="90000"/>
             </a:lnSpc>
@@ -8028,15 +8556,15 @@
             <a:spcAft>
               <a:spcPct val="35000"/>
             </a:spcAft>
-            <a:buNone/>
           </a:pPr>
           <a:r>
-            <a:rPr lang="en-US" sz="2000" kern="1200" dirty="0"/>
-            <a:t>Apply CSPADE</a:t>
+            <a:rPr lang="en-US" sz="1800" kern="1200" dirty="0" smtClean="0"/>
+            <a:t>Fit Linear Model</a:t>
           </a:r>
+          <a:endParaRPr lang="en-US" sz="1800" kern="1200" dirty="0"/>
         </a:p>
         <a:p>
-          <a:pPr marL="171450" lvl="1" indent="-171450" algn="l" defTabSz="711200">
+          <a:pPr marL="114300" lvl="1" indent="-114300" algn="l" defTabSz="622300">
             <a:lnSpc>
               <a:spcPct val="90000"/>
             </a:lnSpc>
@@ -8046,15 +8574,16 @@
             <a:spcAft>
               <a:spcPct val="15000"/>
             </a:spcAft>
-            <a:buChar char="•"/>
+            <a:buChar char="••"/>
           </a:pPr>
           <a:r>
-            <a:rPr lang="en-US" sz="1600" kern="1200" dirty="0"/>
-            <a:t>if FAIL =&gt; FAIL</a:t>
+            <a:rPr lang="en-US" sz="1400" kern="1200" dirty="0" smtClean="0"/>
+            <a:t>A model for each course</a:t>
           </a:r>
+          <a:endParaRPr lang="en-US" sz="1400" kern="1200" dirty="0"/>
         </a:p>
         <a:p>
-          <a:pPr marL="171450" lvl="1" indent="-171450" algn="l" defTabSz="711200">
+          <a:pPr marL="114300" lvl="1" indent="-114300" algn="l" defTabSz="622300">
             <a:lnSpc>
               <a:spcPct val="90000"/>
             </a:lnSpc>
@@ -8064,17 +8593,94 @@
             <a:spcAft>
               <a:spcPct val="15000"/>
             </a:spcAft>
-            <a:buChar char="•"/>
+            <a:buChar char="••"/>
           </a:pPr>
           <a:r>
-            <a:rPr lang="en-US" sz="1600" kern="1200" dirty="0"/>
-            <a:t>if NOT TAKEN =&gt; FAIL</a:t>
+            <a:rPr lang="en-US" sz="1400" kern="1200" dirty="0" smtClean="0"/>
+            <a:t>Predictors</a:t>
           </a:r>
+          <a:endParaRPr lang="en-US" sz="1400" kern="1200" dirty="0"/>
+        </a:p>
+        <a:p>
+          <a:pPr marL="228600" lvl="2" indent="-114300" algn="l" defTabSz="622300">
+            <a:lnSpc>
+              <a:spcPct val="90000"/>
+            </a:lnSpc>
+            <a:spcBef>
+              <a:spcPct val="0"/>
+            </a:spcBef>
+            <a:spcAft>
+              <a:spcPct val="15000"/>
+            </a:spcAft>
+            <a:buChar char="••"/>
+          </a:pPr>
+          <a:r>
+            <a:rPr lang="en-US" sz="1400" kern="1200" dirty="0" smtClean="0"/>
+            <a:t>GPAs</a:t>
+          </a:r>
+          <a:endParaRPr lang="en-US" sz="1400" kern="1200" dirty="0"/>
+        </a:p>
+        <a:p>
+          <a:pPr marL="228600" lvl="2" indent="-114300" algn="l" defTabSz="622300">
+            <a:lnSpc>
+              <a:spcPct val="90000"/>
+            </a:lnSpc>
+            <a:spcBef>
+              <a:spcPct val="0"/>
+            </a:spcBef>
+            <a:spcAft>
+              <a:spcPct val="15000"/>
+            </a:spcAft>
+            <a:buChar char="••"/>
+          </a:pPr>
+          <a:r>
+            <a:rPr lang="en-US" sz="1400" kern="1200" dirty="0" smtClean="0"/>
+            <a:t>Topic expertise</a:t>
+          </a:r>
+          <a:endParaRPr lang="en-US" sz="1400" kern="1200" dirty="0"/>
+        </a:p>
+        <a:p>
+          <a:pPr marL="114300" lvl="1" indent="-114300" algn="l" defTabSz="622300">
+            <a:lnSpc>
+              <a:spcPct val="90000"/>
+            </a:lnSpc>
+            <a:spcBef>
+              <a:spcPct val="0"/>
+            </a:spcBef>
+            <a:spcAft>
+              <a:spcPct val="15000"/>
+            </a:spcAft>
+            <a:buChar char="••"/>
+          </a:pPr>
+          <a:r>
+            <a:rPr lang="en-US" sz="1400" kern="1200" dirty="0" smtClean="0"/>
+            <a:t>Lasso</a:t>
+          </a:r>
+          <a:endParaRPr lang="en-US" sz="1400" kern="1200" dirty="0"/>
+        </a:p>
+        <a:p>
+          <a:pPr marL="114300" lvl="1" indent="-114300" algn="l" defTabSz="622300">
+            <a:lnSpc>
+              <a:spcPct val="90000"/>
+            </a:lnSpc>
+            <a:spcBef>
+              <a:spcPct val="0"/>
+            </a:spcBef>
+            <a:spcAft>
+              <a:spcPct val="15000"/>
+            </a:spcAft>
+            <a:buChar char="••"/>
+          </a:pPr>
+          <a:r>
+            <a:rPr lang="en-US" sz="1400" kern="1200" dirty="0" smtClean="0"/>
+            <a:t>Cross-validation</a:t>
+          </a:r>
+          <a:endParaRPr lang="en-US" sz="1400" kern="1200" dirty="0"/>
         </a:p>
       </dsp:txBody>
       <dsp:txXfrm>
-        <a:off x="3287850" y="1237958"/>
-        <a:ext cx="2234229" cy="1307983"/>
+        <a:off x="3305018" y="962056"/>
+        <a:ext cx="2199893" cy="1859787"/>
       </dsp:txXfrm>
     </dsp:sp>
     <dsp:sp modelId="{FF924318-EFF4-114C-A607-D5E593D342F4}">
@@ -8126,7 +8732,7 @@
         </a:bodyPr>
         <a:lstStyle/>
         <a:p>
-          <a:pPr marL="0" lvl="0" indent="0" algn="ctr" defTabSz="711200">
+          <a:pPr lvl="0" algn="ctr" defTabSz="622300">
             <a:lnSpc>
               <a:spcPct val="90000"/>
             </a:lnSpc>
@@ -8136,9 +8742,8 @@
             <a:spcAft>
               <a:spcPct val="35000"/>
             </a:spcAft>
-            <a:buNone/>
           </a:pPr>
-          <a:endParaRPr lang="en-US" sz="1600" kern="1200"/>
+          <a:endParaRPr lang="en-US" sz="1400" kern="1200"/>
         </a:p>
       </dsp:txBody>
       <dsp:txXfrm>
@@ -8153,8 +8758,8 @@
       </dsp:nvSpPr>
       <dsp:spPr>
         <a:xfrm>
-          <a:off x="6489019" y="1197265"/>
-          <a:ext cx="2315615" cy="1389369"/>
+          <a:off x="6489019" y="904195"/>
+          <a:ext cx="2315615" cy="1975509"/>
         </a:xfrm>
         <a:prstGeom prst="roundRect">
           <a:avLst>
@@ -8198,12 +8803,12 @@
         </a:fontRef>
       </dsp:style>
       <dsp:txBody>
-        <a:bodyPr spcFirstLastPara="0" vert="horz" wrap="square" lIns="76200" tIns="76200" rIns="76200" bIns="76200" numCol="1" spcCol="1270" anchor="t" anchorCtr="0">
+        <a:bodyPr spcFirstLastPara="0" vert="horz" wrap="square" lIns="68580" tIns="68580" rIns="68580" bIns="68580" numCol="1" spcCol="1270" anchor="t" anchorCtr="0">
           <a:noAutofit/>
         </a:bodyPr>
         <a:lstStyle/>
         <a:p>
-          <a:pPr marL="0" lvl="0" indent="0" algn="l" defTabSz="889000">
+          <a:pPr lvl="0" algn="l" defTabSz="800100">
             <a:lnSpc>
               <a:spcPct val="90000"/>
             </a:lnSpc>
@@ -8213,15 +8818,15 @@
             <a:spcAft>
               <a:spcPct val="35000"/>
             </a:spcAft>
-            <a:buNone/>
           </a:pPr>
           <a:r>
-            <a:rPr lang="en-US" sz="2000" kern="1200" dirty="0"/>
-            <a:t>Select Rules</a:t>
+            <a:rPr lang="en-US" sz="1800" kern="1200" dirty="0" smtClean="0"/>
+            <a:t>Grade prediction</a:t>
           </a:r>
+          <a:endParaRPr lang="en-US" sz="1800" kern="1200" dirty="0"/>
         </a:p>
         <a:p>
-          <a:pPr marL="171450" lvl="1" indent="-171450" algn="l" defTabSz="711200">
+          <a:pPr marL="114300" lvl="1" indent="-114300" algn="l" defTabSz="622300">
             <a:lnSpc>
               <a:spcPct val="90000"/>
             </a:lnSpc>
@@ -8231,15 +8836,16 @@
             <a:spcAft>
               <a:spcPct val="15000"/>
             </a:spcAft>
-            <a:buChar char="•"/>
+            <a:buChar char="••"/>
           </a:pPr>
           <a:r>
-            <a:rPr lang="en-US" sz="1600" kern="1200" dirty="0"/>
-            <a:t>Count &gt; 20</a:t>
+            <a:rPr lang="en-US" sz="1400" kern="1200" dirty="0" smtClean="0"/>
+            <a:t>Current student profile</a:t>
           </a:r>
+          <a:endParaRPr lang="en-US" sz="1400" kern="1200" dirty="0"/>
         </a:p>
         <a:p>
-          <a:pPr marL="171450" lvl="1" indent="-171450" algn="l" defTabSz="711200">
+          <a:pPr marL="228600" lvl="2" indent="-114300" algn="l" defTabSz="622300">
             <a:lnSpc>
               <a:spcPct val="90000"/>
             </a:lnSpc>
@@ -8249,15 +8855,16 @@
             <a:spcAft>
               <a:spcPct val="15000"/>
             </a:spcAft>
-            <a:buChar char="•"/>
+            <a:buChar char="••"/>
           </a:pPr>
           <a:r>
-            <a:rPr lang="en-US" sz="1600" kern="1200" dirty="0"/>
-            <a:t>Lift &gt; 1</a:t>
+            <a:rPr lang="en-US" sz="1400" kern="1200" dirty="0" smtClean="0"/>
+            <a:t>GPAs</a:t>
           </a:r>
+          <a:endParaRPr lang="en-US" sz="1400" kern="1200" dirty="0"/>
         </a:p>
         <a:p>
-          <a:pPr marL="171450" lvl="1" indent="-171450" algn="l" defTabSz="711200">
+          <a:pPr marL="228600" lvl="2" indent="-114300" algn="l" defTabSz="622300">
             <a:lnSpc>
               <a:spcPct val="90000"/>
             </a:lnSpc>
@@ -8267,17 +8874,18 @@
             <a:spcAft>
               <a:spcPct val="15000"/>
             </a:spcAft>
-            <a:buChar char="•"/>
+            <a:buChar char="••"/>
           </a:pPr>
           <a:r>
-            <a:rPr lang="en-US" sz="1600" kern="1200" dirty="0"/>
-            <a:t>Confidence &gt; 0.4</a:t>
+            <a:rPr lang="en-US" sz="1400" kern="1200" dirty="0" smtClean="0"/>
+            <a:t>Topic expertise</a:t>
           </a:r>
+          <a:endParaRPr lang="en-US" sz="1400" kern="1200" dirty="0"/>
         </a:p>
       </dsp:txBody>
       <dsp:txXfrm>
-        <a:off x="6529712" y="1237958"/>
-        <a:ext cx="2234229" cy="1307983"/>
+        <a:off x="6546880" y="962056"/>
+        <a:ext cx="2199893" cy="1859787"/>
       </dsp:txXfrm>
     </dsp:sp>
     <dsp:sp modelId="{C59F1FE9-B675-F74A-81B2-DF1C859D9125}">
@@ -8329,7 +8937,7 @@
         </a:bodyPr>
         <a:lstStyle/>
         <a:p>
-          <a:pPr marL="0" lvl="0" indent="0" algn="ctr" defTabSz="711200">
+          <a:pPr lvl="0" algn="ctr" defTabSz="622300">
             <a:lnSpc>
               <a:spcPct val="90000"/>
             </a:lnSpc>
@@ -8339,9 +8947,8 @@
             <a:spcAft>
               <a:spcPct val="35000"/>
             </a:spcAft>
-            <a:buNone/>
           </a:pPr>
-          <a:endParaRPr lang="en-US" sz="1600" kern="1200"/>
+          <a:endParaRPr lang="en-US" sz="1400" kern="1200"/>
         </a:p>
       </dsp:txBody>
       <dsp:txXfrm>
@@ -8356,8 +8963,8 @@
       </dsp:nvSpPr>
       <dsp:spPr>
         <a:xfrm>
-          <a:off x="9730880" y="1197265"/>
-          <a:ext cx="2315615" cy="1389369"/>
+          <a:off x="9730880" y="904195"/>
+          <a:ext cx="2315615" cy="1975509"/>
         </a:xfrm>
         <a:prstGeom prst="roundRect">
           <a:avLst>
@@ -8401,12 +9008,12 @@
         </a:fontRef>
       </dsp:style>
       <dsp:txBody>
-        <a:bodyPr spcFirstLastPara="0" vert="horz" wrap="square" lIns="76200" tIns="76200" rIns="76200" bIns="76200" numCol="1" spcCol="1270" anchor="ctr" anchorCtr="0">
+        <a:bodyPr spcFirstLastPara="0" vert="horz" wrap="square" lIns="68580" tIns="68580" rIns="68580" bIns="68580" numCol="1" spcCol="1270" anchor="ctr" anchorCtr="0">
           <a:noAutofit/>
         </a:bodyPr>
         <a:lstStyle/>
         <a:p>
-          <a:pPr marL="0" lvl="0" indent="0" algn="ctr" defTabSz="889000">
+          <a:pPr lvl="0" algn="ctr" defTabSz="800100">
             <a:lnSpc>
               <a:spcPct val="90000"/>
             </a:lnSpc>
@@ -8416,17 +9023,17 @@
             <a:spcAft>
               <a:spcPct val="35000"/>
             </a:spcAft>
-            <a:buNone/>
           </a:pPr>
           <a:r>
-            <a:rPr lang="en-US" sz="2000" kern="1200" dirty="0"/>
-            <a:t>Red flags</a:t>
+            <a:rPr lang="en-US" sz="1800" kern="1200" dirty="0" smtClean="0"/>
+            <a:t>Warnings</a:t>
           </a:r>
+          <a:endParaRPr lang="en-US" sz="1800" kern="1200" dirty="0"/>
         </a:p>
       </dsp:txBody>
       <dsp:txXfrm>
-        <a:off x="9771573" y="1237958"/>
-        <a:ext cx="2234229" cy="1307983"/>
+        <a:off x="9788741" y="962056"/>
+        <a:ext cx="2199893" cy="1859787"/>
       </dsp:txXfrm>
     </dsp:sp>
   </dsp:spTree>
@@ -13667,7 +14274,7 @@
           <a:p>
             <a:fld id="{7F746BDC-4F77-324D-9356-70AB02BC886F}" type="datetimeFigureOut">
               <a:rPr lang="en-US" smtClean="0"/>
-              <a:t>3/22/19</a:t>
+              <a:t>4/15/2019</a:t>
             </a:fld>
             <a:endParaRPr lang="en-US"/>
           </a:p>
@@ -13825,7 +14432,7 @@
           <a:p>
             <a:fld id="{1AFC0DEA-EB8E-954D-A6CB-0853391D3030}" type="slidenum">
               <a:rPr lang="en-US" smtClean="0"/>
-              <a:t>‹#›</a:t>
+              <a:t>‹N°›</a:t>
             </a:fld>
             <a:endParaRPr lang="en-US"/>
           </a:p>
@@ -14376,7 +14983,7 @@
           <p:cNvPr id="2" name="Title 1">
             <a:extLst>
               <a:ext uri="{FF2B5EF4-FFF2-40B4-BE49-F238E27FC236}">
-                <a16:creationId xmlns:a16="http://schemas.microsoft.com/office/drawing/2014/main" id="{D30CF053-1D27-BE43-A8BD-B5F5B44F2FF7}"/>
+                <a16:creationId xmlns:a16="http://schemas.microsoft.com/office/drawing/2014/main" xmlns="" id="{D30CF053-1D27-BE43-A8BD-B5F5B44F2FF7}"/>
               </a:ext>
             </a:extLst>
           </p:cNvPr>
@@ -14413,7 +15020,7 @@
           <p:cNvPr id="3" name="Subtitle 2">
             <a:extLst>
               <a:ext uri="{FF2B5EF4-FFF2-40B4-BE49-F238E27FC236}">
-                <a16:creationId xmlns:a16="http://schemas.microsoft.com/office/drawing/2014/main" id="{5F0D5758-DA2D-B944-B142-DDD28E440324}"/>
+                <a16:creationId xmlns:a16="http://schemas.microsoft.com/office/drawing/2014/main" xmlns="" id="{5F0D5758-DA2D-B944-B142-DDD28E440324}"/>
               </a:ext>
             </a:extLst>
           </p:cNvPr>
@@ -14483,7 +15090,7 @@
           <p:cNvPr id="4" name="Date Placeholder 3">
             <a:extLst>
               <a:ext uri="{FF2B5EF4-FFF2-40B4-BE49-F238E27FC236}">
-                <a16:creationId xmlns:a16="http://schemas.microsoft.com/office/drawing/2014/main" id="{BAB75A3F-178C-F74D-8076-47FC4F25E358}"/>
+                <a16:creationId xmlns:a16="http://schemas.microsoft.com/office/drawing/2014/main" xmlns="" id="{BAB75A3F-178C-F74D-8076-47FC4F25E358}"/>
               </a:ext>
             </a:extLst>
           </p:cNvPr>
@@ -14501,7 +15108,7 @@
           <a:p>
             <a:fld id="{855D09F2-5AA6-D542-9273-2F70EC32D14A}" type="datetimeFigureOut">
               <a:rPr lang="en-US" smtClean="0"/>
-              <a:t>3/22/19</a:t>
+              <a:t>4/15/2019</a:t>
             </a:fld>
             <a:endParaRPr lang="en-US"/>
           </a:p>
@@ -14512,7 +15119,7 @@
           <p:cNvPr id="5" name="Footer Placeholder 4">
             <a:extLst>
               <a:ext uri="{FF2B5EF4-FFF2-40B4-BE49-F238E27FC236}">
-                <a16:creationId xmlns:a16="http://schemas.microsoft.com/office/drawing/2014/main" id="{6AFBF5AD-CC7C-F748-A4B8-C1C590C26873}"/>
+                <a16:creationId xmlns:a16="http://schemas.microsoft.com/office/drawing/2014/main" xmlns="" id="{6AFBF5AD-CC7C-F748-A4B8-C1C590C26873}"/>
               </a:ext>
             </a:extLst>
           </p:cNvPr>
@@ -14537,7 +15144,7 @@
           <p:cNvPr id="6" name="Slide Number Placeholder 5">
             <a:extLst>
               <a:ext uri="{FF2B5EF4-FFF2-40B4-BE49-F238E27FC236}">
-                <a16:creationId xmlns:a16="http://schemas.microsoft.com/office/drawing/2014/main" id="{8CB446F3-1D2E-2E40-A68B-0862CC38BE6A}"/>
+                <a16:creationId xmlns:a16="http://schemas.microsoft.com/office/drawing/2014/main" xmlns="" id="{8CB446F3-1D2E-2E40-A68B-0862CC38BE6A}"/>
               </a:ext>
             </a:extLst>
           </p:cNvPr>
@@ -14555,7 +15162,7 @@
           <a:p>
             <a:fld id="{006D2977-72A3-A94F-9FA5-9EB7D3FCC9C4}" type="slidenum">
               <a:rPr lang="en-US" smtClean="0"/>
-              <a:t>‹#›</a:t>
+              <a:t>‹N°›</a:t>
             </a:fld>
             <a:endParaRPr lang="en-US"/>
           </a:p>
@@ -14596,7 +15203,7 @@
           <p:cNvPr id="2" name="Title 1">
             <a:extLst>
               <a:ext uri="{FF2B5EF4-FFF2-40B4-BE49-F238E27FC236}">
-                <a16:creationId xmlns:a16="http://schemas.microsoft.com/office/drawing/2014/main" id="{8B9E0745-2D52-5441-9A6B-1B9C22A6FA44}"/>
+                <a16:creationId xmlns:a16="http://schemas.microsoft.com/office/drawing/2014/main" xmlns="" id="{8B9E0745-2D52-5441-9A6B-1B9C22A6FA44}"/>
               </a:ext>
             </a:extLst>
           </p:cNvPr>
@@ -14624,7 +15231,7 @@
           <p:cNvPr id="3" name="Vertical Text Placeholder 2">
             <a:extLst>
               <a:ext uri="{FF2B5EF4-FFF2-40B4-BE49-F238E27FC236}">
-                <a16:creationId xmlns:a16="http://schemas.microsoft.com/office/drawing/2014/main" id="{81FDF2C2-6BD1-7040-B295-DE11F559EF30}"/>
+                <a16:creationId xmlns:a16="http://schemas.microsoft.com/office/drawing/2014/main" xmlns="" id="{81FDF2C2-6BD1-7040-B295-DE11F559EF30}"/>
               </a:ext>
             </a:extLst>
           </p:cNvPr>
@@ -14681,7 +15288,7 @@
           <p:cNvPr id="4" name="Date Placeholder 3">
             <a:extLst>
               <a:ext uri="{FF2B5EF4-FFF2-40B4-BE49-F238E27FC236}">
-                <a16:creationId xmlns:a16="http://schemas.microsoft.com/office/drawing/2014/main" id="{62F81370-F3EB-7E4A-8AAD-B6BBE169F177}"/>
+                <a16:creationId xmlns:a16="http://schemas.microsoft.com/office/drawing/2014/main" xmlns="" id="{62F81370-F3EB-7E4A-8AAD-B6BBE169F177}"/>
               </a:ext>
             </a:extLst>
           </p:cNvPr>
@@ -14699,7 +15306,7 @@
           <a:p>
             <a:fld id="{855D09F2-5AA6-D542-9273-2F70EC32D14A}" type="datetimeFigureOut">
               <a:rPr lang="en-US" smtClean="0"/>
-              <a:t>3/22/19</a:t>
+              <a:t>4/15/2019</a:t>
             </a:fld>
             <a:endParaRPr lang="en-US"/>
           </a:p>
@@ -14710,7 +15317,7 @@
           <p:cNvPr id="5" name="Footer Placeholder 4">
             <a:extLst>
               <a:ext uri="{FF2B5EF4-FFF2-40B4-BE49-F238E27FC236}">
-                <a16:creationId xmlns:a16="http://schemas.microsoft.com/office/drawing/2014/main" id="{FA73EE9D-2D31-374B-9A06-6317589357EF}"/>
+                <a16:creationId xmlns:a16="http://schemas.microsoft.com/office/drawing/2014/main" xmlns="" id="{FA73EE9D-2D31-374B-9A06-6317589357EF}"/>
               </a:ext>
             </a:extLst>
           </p:cNvPr>
@@ -14735,7 +15342,7 @@
           <p:cNvPr id="6" name="Slide Number Placeholder 5">
             <a:extLst>
               <a:ext uri="{FF2B5EF4-FFF2-40B4-BE49-F238E27FC236}">
-                <a16:creationId xmlns:a16="http://schemas.microsoft.com/office/drawing/2014/main" id="{338FA4B2-CAD0-D84B-A8A4-5709DB348836}"/>
+                <a16:creationId xmlns:a16="http://schemas.microsoft.com/office/drawing/2014/main" xmlns="" id="{338FA4B2-CAD0-D84B-A8A4-5709DB348836}"/>
               </a:ext>
             </a:extLst>
           </p:cNvPr>
@@ -14753,7 +15360,7 @@
           <a:p>
             <a:fld id="{006D2977-72A3-A94F-9FA5-9EB7D3FCC9C4}" type="slidenum">
               <a:rPr lang="en-US" smtClean="0"/>
-              <a:t>‹#›</a:t>
+              <a:t>‹N°›</a:t>
             </a:fld>
             <a:endParaRPr lang="en-US"/>
           </a:p>
@@ -14794,7 +15401,7 @@
           <p:cNvPr id="2" name="Vertical Title 1">
             <a:extLst>
               <a:ext uri="{FF2B5EF4-FFF2-40B4-BE49-F238E27FC236}">
-                <a16:creationId xmlns:a16="http://schemas.microsoft.com/office/drawing/2014/main" id="{BD43BE33-0218-7547-AA02-E3825E073C05}"/>
+                <a16:creationId xmlns:a16="http://schemas.microsoft.com/office/drawing/2014/main" xmlns="" id="{BD43BE33-0218-7547-AA02-E3825E073C05}"/>
               </a:ext>
             </a:extLst>
           </p:cNvPr>
@@ -14827,7 +15434,7 @@
           <p:cNvPr id="3" name="Vertical Text Placeholder 2">
             <a:extLst>
               <a:ext uri="{FF2B5EF4-FFF2-40B4-BE49-F238E27FC236}">
-                <a16:creationId xmlns:a16="http://schemas.microsoft.com/office/drawing/2014/main" id="{FF7B67C3-C54A-1D43-A8F9-7DE28E1D316D}"/>
+                <a16:creationId xmlns:a16="http://schemas.microsoft.com/office/drawing/2014/main" xmlns="" id="{FF7B67C3-C54A-1D43-A8F9-7DE28E1D316D}"/>
               </a:ext>
             </a:extLst>
           </p:cNvPr>
@@ -14889,7 +15496,7 @@
           <p:cNvPr id="4" name="Date Placeholder 3">
             <a:extLst>
               <a:ext uri="{FF2B5EF4-FFF2-40B4-BE49-F238E27FC236}">
-                <a16:creationId xmlns:a16="http://schemas.microsoft.com/office/drawing/2014/main" id="{2D01FAB4-1DEE-054E-93ED-48EB95DFF5F3}"/>
+                <a16:creationId xmlns:a16="http://schemas.microsoft.com/office/drawing/2014/main" xmlns="" id="{2D01FAB4-1DEE-054E-93ED-48EB95DFF5F3}"/>
               </a:ext>
             </a:extLst>
           </p:cNvPr>
@@ -14907,7 +15514,7 @@
           <a:p>
             <a:fld id="{855D09F2-5AA6-D542-9273-2F70EC32D14A}" type="datetimeFigureOut">
               <a:rPr lang="en-US" smtClean="0"/>
-              <a:t>3/22/19</a:t>
+              <a:t>4/15/2019</a:t>
             </a:fld>
             <a:endParaRPr lang="en-US"/>
           </a:p>
@@ -14918,7 +15525,7 @@
           <p:cNvPr id="5" name="Footer Placeholder 4">
             <a:extLst>
               <a:ext uri="{FF2B5EF4-FFF2-40B4-BE49-F238E27FC236}">
-                <a16:creationId xmlns:a16="http://schemas.microsoft.com/office/drawing/2014/main" id="{7962A12E-CD1F-4A40-A3D6-0EF75E921961}"/>
+                <a16:creationId xmlns:a16="http://schemas.microsoft.com/office/drawing/2014/main" xmlns="" id="{7962A12E-CD1F-4A40-A3D6-0EF75E921961}"/>
               </a:ext>
             </a:extLst>
           </p:cNvPr>
@@ -14943,7 +15550,7 @@
           <p:cNvPr id="6" name="Slide Number Placeholder 5">
             <a:extLst>
               <a:ext uri="{FF2B5EF4-FFF2-40B4-BE49-F238E27FC236}">
-                <a16:creationId xmlns:a16="http://schemas.microsoft.com/office/drawing/2014/main" id="{F988E60C-18AF-F14A-A1A9-201DA726615E}"/>
+                <a16:creationId xmlns:a16="http://schemas.microsoft.com/office/drawing/2014/main" xmlns="" id="{F988E60C-18AF-F14A-A1A9-201DA726615E}"/>
               </a:ext>
             </a:extLst>
           </p:cNvPr>
@@ -14961,7 +15568,7 @@
           <a:p>
             <a:fld id="{006D2977-72A3-A94F-9FA5-9EB7D3FCC9C4}" type="slidenum">
               <a:rPr lang="en-US" smtClean="0"/>
-              <a:t>‹#›</a:t>
+              <a:t>‹N°›</a:t>
             </a:fld>
             <a:endParaRPr lang="en-US"/>
           </a:p>
@@ -15002,7 +15609,7 @@
           <p:cNvPr id="2" name="Title 1">
             <a:extLst>
               <a:ext uri="{FF2B5EF4-FFF2-40B4-BE49-F238E27FC236}">
-                <a16:creationId xmlns:a16="http://schemas.microsoft.com/office/drawing/2014/main" id="{5EAE20E8-A5F8-1F4D-ABFD-BA4F9BBBEF8E}"/>
+                <a16:creationId xmlns:a16="http://schemas.microsoft.com/office/drawing/2014/main" xmlns="" id="{5EAE20E8-A5F8-1F4D-ABFD-BA4F9BBBEF8E}"/>
               </a:ext>
             </a:extLst>
           </p:cNvPr>
@@ -15030,7 +15637,7 @@
           <p:cNvPr id="3" name="Content Placeholder 2">
             <a:extLst>
               <a:ext uri="{FF2B5EF4-FFF2-40B4-BE49-F238E27FC236}">
-                <a16:creationId xmlns:a16="http://schemas.microsoft.com/office/drawing/2014/main" id="{D8EB24CC-7F6E-334C-8AA5-B431FDC962D0}"/>
+                <a16:creationId xmlns:a16="http://schemas.microsoft.com/office/drawing/2014/main" xmlns="" id="{D8EB24CC-7F6E-334C-8AA5-B431FDC962D0}"/>
               </a:ext>
             </a:extLst>
           </p:cNvPr>
@@ -15087,7 +15694,7 @@
           <p:cNvPr id="4" name="Date Placeholder 3">
             <a:extLst>
               <a:ext uri="{FF2B5EF4-FFF2-40B4-BE49-F238E27FC236}">
-                <a16:creationId xmlns:a16="http://schemas.microsoft.com/office/drawing/2014/main" id="{19D02DA9-D081-F546-A8B5-F887E85D1C0E}"/>
+                <a16:creationId xmlns:a16="http://schemas.microsoft.com/office/drawing/2014/main" xmlns="" id="{19D02DA9-D081-F546-A8B5-F887E85D1C0E}"/>
               </a:ext>
             </a:extLst>
           </p:cNvPr>
@@ -15105,7 +15712,7 @@
           <a:p>
             <a:fld id="{855D09F2-5AA6-D542-9273-2F70EC32D14A}" type="datetimeFigureOut">
               <a:rPr lang="en-US" smtClean="0"/>
-              <a:t>3/22/19</a:t>
+              <a:t>4/15/2019</a:t>
             </a:fld>
             <a:endParaRPr lang="en-US"/>
           </a:p>
@@ -15116,7 +15723,7 @@
           <p:cNvPr id="5" name="Footer Placeholder 4">
             <a:extLst>
               <a:ext uri="{FF2B5EF4-FFF2-40B4-BE49-F238E27FC236}">
-                <a16:creationId xmlns:a16="http://schemas.microsoft.com/office/drawing/2014/main" id="{A407FCAB-EFDC-3D40-B92F-46D6BFDEE60D}"/>
+                <a16:creationId xmlns:a16="http://schemas.microsoft.com/office/drawing/2014/main" xmlns="" id="{A407FCAB-EFDC-3D40-B92F-46D6BFDEE60D}"/>
               </a:ext>
             </a:extLst>
           </p:cNvPr>
@@ -15141,7 +15748,7 @@
           <p:cNvPr id="6" name="Slide Number Placeholder 5">
             <a:extLst>
               <a:ext uri="{FF2B5EF4-FFF2-40B4-BE49-F238E27FC236}">
-                <a16:creationId xmlns:a16="http://schemas.microsoft.com/office/drawing/2014/main" id="{E73519FC-F500-4042-A481-D09CB44FEE3C}"/>
+                <a16:creationId xmlns:a16="http://schemas.microsoft.com/office/drawing/2014/main" xmlns="" id="{E73519FC-F500-4042-A481-D09CB44FEE3C}"/>
               </a:ext>
             </a:extLst>
           </p:cNvPr>
@@ -15159,7 +15766,7 @@
           <a:p>
             <a:fld id="{006D2977-72A3-A94F-9FA5-9EB7D3FCC9C4}" type="slidenum">
               <a:rPr lang="en-US" smtClean="0"/>
-              <a:t>‹#›</a:t>
+              <a:t>‹N°›</a:t>
             </a:fld>
             <a:endParaRPr lang="en-US"/>
           </a:p>
@@ -15200,7 +15807,7 @@
           <p:cNvPr id="2" name="Title 1">
             <a:extLst>
               <a:ext uri="{FF2B5EF4-FFF2-40B4-BE49-F238E27FC236}">
-                <a16:creationId xmlns:a16="http://schemas.microsoft.com/office/drawing/2014/main" id="{BD3EA63F-89F2-084B-9890-C475553D7341}"/>
+                <a16:creationId xmlns:a16="http://schemas.microsoft.com/office/drawing/2014/main" xmlns="" id="{BD3EA63F-89F2-084B-9890-C475553D7341}"/>
               </a:ext>
             </a:extLst>
           </p:cNvPr>
@@ -15237,7 +15844,7 @@
           <p:cNvPr id="3" name="Text Placeholder 2">
             <a:extLst>
               <a:ext uri="{FF2B5EF4-FFF2-40B4-BE49-F238E27FC236}">
-                <a16:creationId xmlns:a16="http://schemas.microsoft.com/office/drawing/2014/main" id="{E6A2CB1C-B139-8840-BA17-BC8253174130}"/>
+                <a16:creationId xmlns:a16="http://schemas.microsoft.com/office/drawing/2014/main" xmlns="" id="{E6A2CB1C-B139-8840-BA17-BC8253174130}"/>
               </a:ext>
             </a:extLst>
           </p:cNvPr>
@@ -15362,7 +15969,7 @@
           <p:cNvPr id="4" name="Date Placeholder 3">
             <a:extLst>
               <a:ext uri="{FF2B5EF4-FFF2-40B4-BE49-F238E27FC236}">
-                <a16:creationId xmlns:a16="http://schemas.microsoft.com/office/drawing/2014/main" id="{D9B973F1-CC66-CB42-B2E6-495B628DB339}"/>
+                <a16:creationId xmlns:a16="http://schemas.microsoft.com/office/drawing/2014/main" xmlns="" id="{D9B973F1-CC66-CB42-B2E6-495B628DB339}"/>
               </a:ext>
             </a:extLst>
           </p:cNvPr>
@@ -15380,7 +15987,7 @@
           <a:p>
             <a:fld id="{855D09F2-5AA6-D542-9273-2F70EC32D14A}" type="datetimeFigureOut">
               <a:rPr lang="en-US" smtClean="0"/>
-              <a:t>3/22/19</a:t>
+              <a:t>4/15/2019</a:t>
             </a:fld>
             <a:endParaRPr lang="en-US"/>
           </a:p>
@@ -15391,7 +15998,7 @@
           <p:cNvPr id="5" name="Footer Placeholder 4">
             <a:extLst>
               <a:ext uri="{FF2B5EF4-FFF2-40B4-BE49-F238E27FC236}">
-                <a16:creationId xmlns:a16="http://schemas.microsoft.com/office/drawing/2014/main" id="{F4206F81-B0B1-0A4B-AA09-E3A6F566B53C}"/>
+                <a16:creationId xmlns:a16="http://schemas.microsoft.com/office/drawing/2014/main" xmlns="" id="{F4206F81-B0B1-0A4B-AA09-E3A6F566B53C}"/>
               </a:ext>
             </a:extLst>
           </p:cNvPr>
@@ -15416,7 +16023,7 @@
           <p:cNvPr id="6" name="Slide Number Placeholder 5">
             <a:extLst>
               <a:ext uri="{FF2B5EF4-FFF2-40B4-BE49-F238E27FC236}">
-                <a16:creationId xmlns:a16="http://schemas.microsoft.com/office/drawing/2014/main" id="{7B5C4C80-0043-A649-8F95-7DF55607C09A}"/>
+                <a16:creationId xmlns:a16="http://schemas.microsoft.com/office/drawing/2014/main" xmlns="" id="{7B5C4C80-0043-A649-8F95-7DF55607C09A}"/>
               </a:ext>
             </a:extLst>
           </p:cNvPr>
@@ -15434,7 +16041,7 @@
           <a:p>
             <a:fld id="{006D2977-72A3-A94F-9FA5-9EB7D3FCC9C4}" type="slidenum">
               <a:rPr lang="en-US" smtClean="0"/>
-              <a:t>‹#›</a:t>
+              <a:t>‹N°›</a:t>
             </a:fld>
             <a:endParaRPr lang="en-US"/>
           </a:p>
@@ -15475,7 +16082,7 @@
           <p:cNvPr id="2" name="Title 1">
             <a:extLst>
               <a:ext uri="{FF2B5EF4-FFF2-40B4-BE49-F238E27FC236}">
-                <a16:creationId xmlns:a16="http://schemas.microsoft.com/office/drawing/2014/main" id="{D42B41BE-FA0C-5948-9A2D-AA221BD7A1FD}"/>
+                <a16:creationId xmlns:a16="http://schemas.microsoft.com/office/drawing/2014/main" xmlns="" id="{D42B41BE-FA0C-5948-9A2D-AA221BD7A1FD}"/>
               </a:ext>
             </a:extLst>
           </p:cNvPr>
@@ -15503,7 +16110,7 @@
           <p:cNvPr id="3" name="Content Placeholder 2">
             <a:extLst>
               <a:ext uri="{FF2B5EF4-FFF2-40B4-BE49-F238E27FC236}">
-                <a16:creationId xmlns:a16="http://schemas.microsoft.com/office/drawing/2014/main" id="{B059FFA5-5463-0246-B903-E71D59A3AAF1}"/>
+                <a16:creationId xmlns:a16="http://schemas.microsoft.com/office/drawing/2014/main" xmlns="" id="{B059FFA5-5463-0246-B903-E71D59A3AAF1}"/>
               </a:ext>
             </a:extLst>
           </p:cNvPr>
@@ -15565,7 +16172,7 @@
           <p:cNvPr id="4" name="Content Placeholder 3">
             <a:extLst>
               <a:ext uri="{FF2B5EF4-FFF2-40B4-BE49-F238E27FC236}">
-                <a16:creationId xmlns:a16="http://schemas.microsoft.com/office/drawing/2014/main" id="{06F35F2D-455D-F244-AADF-5D9F0FDD7D88}"/>
+                <a16:creationId xmlns:a16="http://schemas.microsoft.com/office/drawing/2014/main" xmlns="" id="{06F35F2D-455D-F244-AADF-5D9F0FDD7D88}"/>
               </a:ext>
             </a:extLst>
           </p:cNvPr>
@@ -15627,7 +16234,7 @@
           <p:cNvPr id="5" name="Date Placeholder 4">
             <a:extLst>
               <a:ext uri="{FF2B5EF4-FFF2-40B4-BE49-F238E27FC236}">
-                <a16:creationId xmlns:a16="http://schemas.microsoft.com/office/drawing/2014/main" id="{79DC45E4-832A-3444-A464-5D938D33D751}"/>
+                <a16:creationId xmlns:a16="http://schemas.microsoft.com/office/drawing/2014/main" xmlns="" id="{79DC45E4-832A-3444-A464-5D938D33D751}"/>
               </a:ext>
             </a:extLst>
           </p:cNvPr>
@@ -15645,7 +16252,7 @@
           <a:p>
             <a:fld id="{855D09F2-5AA6-D542-9273-2F70EC32D14A}" type="datetimeFigureOut">
               <a:rPr lang="en-US" smtClean="0"/>
-              <a:t>3/22/19</a:t>
+              <a:t>4/15/2019</a:t>
             </a:fld>
             <a:endParaRPr lang="en-US"/>
           </a:p>
@@ -15656,7 +16263,7 @@
           <p:cNvPr id="6" name="Footer Placeholder 5">
             <a:extLst>
               <a:ext uri="{FF2B5EF4-FFF2-40B4-BE49-F238E27FC236}">
-                <a16:creationId xmlns:a16="http://schemas.microsoft.com/office/drawing/2014/main" id="{FD603F8B-B4B9-3F43-A997-2820AEAF956B}"/>
+                <a16:creationId xmlns:a16="http://schemas.microsoft.com/office/drawing/2014/main" xmlns="" id="{FD603F8B-B4B9-3F43-A997-2820AEAF956B}"/>
               </a:ext>
             </a:extLst>
           </p:cNvPr>
@@ -15681,7 +16288,7 @@
           <p:cNvPr id="7" name="Slide Number Placeholder 6">
             <a:extLst>
               <a:ext uri="{FF2B5EF4-FFF2-40B4-BE49-F238E27FC236}">
-                <a16:creationId xmlns:a16="http://schemas.microsoft.com/office/drawing/2014/main" id="{C7920A71-CE3D-1D48-AF31-937500C1B746}"/>
+                <a16:creationId xmlns:a16="http://schemas.microsoft.com/office/drawing/2014/main" xmlns="" id="{C7920A71-CE3D-1D48-AF31-937500C1B746}"/>
               </a:ext>
             </a:extLst>
           </p:cNvPr>
@@ -15699,7 +16306,7 @@
           <a:p>
             <a:fld id="{006D2977-72A3-A94F-9FA5-9EB7D3FCC9C4}" type="slidenum">
               <a:rPr lang="en-US" smtClean="0"/>
-              <a:t>‹#›</a:t>
+              <a:t>‹N°›</a:t>
             </a:fld>
             <a:endParaRPr lang="en-US"/>
           </a:p>
@@ -15740,7 +16347,7 @@
           <p:cNvPr id="2" name="Title 1">
             <a:extLst>
               <a:ext uri="{FF2B5EF4-FFF2-40B4-BE49-F238E27FC236}">
-                <a16:creationId xmlns:a16="http://schemas.microsoft.com/office/drawing/2014/main" id="{36A235E2-B2B9-A94E-9DEF-5EECBAC9F48A}"/>
+                <a16:creationId xmlns:a16="http://schemas.microsoft.com/office/drawing/2014/main" xmlns="" id="{36A235E2-B2B9-A94E-9DEF-5EECBAC9F48A}"/>
               </a:ext>
             </a:extLst>
           </p:cNvPr>
@@ -15773,7 +16380,7 @@
           <p:cNvPr id="3" name="Text Placeholder 2">
             <a:extLst>
               <a:ext uri="{FF2B5EF4-FFF2-40B4-BE49-F238E27FC236}">
-                <a16:creationId xmlns:a16="http://schemas.microsoft.com/office/drawing/2014/main" id="{68DFA3EF-E0FB-1B4B-B6B5-6C6CC09A9A5D}"/>
+                <a16:creationId xmlns:a16="http://schemas.microsoft.com/office/drawing/2014/main" xmlns="" id="{68DFA3EF-E0FB-1B4B-B6B5-6C6CC09A9A5D}"/>
               </a:ext>
             </a:extLst>
           </p:cNvPr>
@@ -15844,7 +16451,7 @@
           <p:cNvPr id="4" name="Content Placeholder 3">
             <a:extLst>
               <a:ext uri="{FF2B5EF4-FFF2-40B4-BE49-F238E27FC236}">
-                <a16:creationId xmlns:a16="http://schemas.microsoft.com/office/drawing/2014/main" id="{948AB3C8-691A-9D47-B4AF-5453BB418DD3}"/>
+                <a16:creationId xmlns:a16="http://schemas.microsoft.com/office/drawing/2014/main" xmlns="" id="{948AB3C8-691A-9D47-B4AF-5453BB418DD3}"/>
               </a:ext>
             </a:extLst>
           </p:cNvPr>
@@ -15906,7 +16513,7 @@
           <p:cNvPr id="5" name="Text Placeholder 4">
             <a:extLst>
               <a:ext uri="{FF2B5EF4-FFF2-40B4-BE49-F238E27FC236}">
-                <a16:creationId xmlns:a16="http://schemas.microsoft.com/office/drawing/2014/main" id="{6D6B8A08-1C5C-9048-A32F-9FA0AE290FE5}"/>
+                <a16:creationId xmlns:a16="http://schemas.microsoft.com/office/drawing/2014/main" xmlns="" id="{6D6B8A08-1C5C-9048-A32F-9FA0AE290FE5}"/>
               </a:ext>
             </a:extLst>
           </p:cNvPr>
@@ -15977,7 +16584,7 @@
           <p:cNvPr id="6" name="Content Placeholder 5">
             <a:extLst>
               <a:ext uri="{FF2B5EF4-FFF2-40B4-BE49-F238E27FC236}">
-                <a16:creationId xmlns:a16="http://schemas.microsoft.com/office/drawing/2014/main" id="{3B2C9603-C9B1-9340-A057-D5B3A68EB0AB}"/>
+                <a16:creationId xmlns:a16="http://schemas.microsoft.com/office/drawing/2014/main" xmlns="" id="{3B2C9603-C9B1-9340-A057-D5B3A68EB0AB}"/>
               </a:ext>
             </a:extLst>
           </p:cNvPr>
@@ -16039,7 +16646,7 @@
           <p:cNvPr id="7" name="Date Placeholder 6">
             <a:extLst>
               <a:ext uri="{FF2B5EF4-FFF2-40B4-BE49-F238E27FC236}">
-                <a16:creationId xmlns:a16="http://schemas.microsoft.com/office/drawing/2014/main" id="{4B9C1A12-F07A-FD4E-8D32-88E22A745997}"/>
+                <a16:creationId xmlns:a16="http://schemas.microsoft.com/office/drawing/2014/main" xmlns="" id="{4B9C1A12-F07A-FD4E-8D32-88E22A745997}"/>
               </a:ext>
             </a:extLst>
           </p:cNvPr>
@@ -16057,7 +16664,7 @@
           <a:p>
             <a:fld id="{855D09F2-5AA6-D542-9273-2F70EC32D14A}" type="datetimeFigureOut">
               <a:rPr lang="en-US" smtClean="0"/>
-              <a:t>3/22/19</a:t>
+              <a:t>4/15/2019</a:t>
             </a:fld>
             <a:endParaRPr lang="en-US"/>
           </a:p>
@@ -16068,7 +16675,7 @@
           <p:cNvPr id="8" name="Footer Placeholder 7">
             <a:extLst>
               <a:ext uri="{FF2B5EF4-FFF2-40B4-BE49-F238E27FC236}">
-                <a16:creationId xmlns:a16="http://schemas.microsoft.com/office/drawing/2014/main" id="{8AC954DA-CFA4-6C4F-899B-16B4048D4075}"/>
+                <a16:creationId xmlns:a16="http://schemas.microsoft.com/office/drawing/2014/main" xmlns="" id="{8AC954DA-CFA4-6C4F-899B-16B4048D4075}"/>
               </a:ext>
             </a:extLst>
           </p:cNvPr>
@@ -16093,7 +16700,7 @@
           <p:cNvPr id="9" name="Slide Number Placeholder 8">
             <a:extLst>
               <a:ext uri="{FF2B5EF4-FFF2-40B4-BE49-F238E27FC236}">
-                <a16:creationId xmlns:a16="http://schemas.microsoft.com/office/drawing/2014/main" id="{D2B6F33D-B39B-8E4A-815B-97E5D9170AAD}"/>
+                <a16:creationId xmlns:a16="http://schemas.microsoft.com/office/drawing/2014/main" xmlns="" id="{D2B6F33D-B39B-8E4A-815B-97E5D9170AAD}"/>
               </a:ext>
             </a:extLst>
           </p:cNvPr>
@@ -16111,7 +16718,7 @@
           <a:p>
             <a:fld id="{006D2977-72A3-A94F-9FA5-9EB7D3FCC9C4}" type="slidenum">
               <a:rPr lang="en-US" smtClean="0"/>
-              <a:t>‹#›</a:t>
+              <a:t>‹N°›</a:t>
             </a:fld>
             <a:endParaRPr lang="en-US"/>
           </a:p>
@@ -16152,7 +16759,7 @@
           <p:cNvPr id="2" name="Title 1">
             <a:extLst>
               <a:ext uri="{FF2B5EF4-FFF2-40B4-BE49-F238E27FC236}">
-                <a16:creationId xmlns:a16="http://schemas.microsoft.com/office/drawing/2014/main" id="{8EAF7062-00A4-9E4B-9329-E5835B91139B}"/>
+                <a16:creationId xmlns:a16="http://schemas.microsoft.com/office/drawing/2014/main" xmlns="" id="{8EAF7062-00A4-9E4B-9329-E5835B91139B}"/>
               </a:ext>
             </a:extLst>
           </p:cNvPr>
@@ -16180,7 +16787,7 @@
           <p:cNvPr id="3" name="Date Placeholder 2">
             <a:extLst>
               <a:ext uri="{FF2B5EF4-FFF2-40B4-BE49-F238E27FC236}">
-                <a16:creationId xmlns:a16="http://schemas.microsoft.com/office/drawing/2014/main" id="{8A8BD1A1-5E78-A54B-B57D-FD75985A4340}"/>
+                <a16:creationId xmlns:a16="http://schemas.microsoft.com/office/drawing/2014/main" xmlns="" id="{8A8BD1A1-5E78-A54B-B57D-FD75985A4340}"/>
               </a:ext>
             </a:extLst>
           </p:cNvPr>
@@ -16198,7 +16805,7 @@
           <a:p>
             <a:fld id="{855D09F2-5AA6-D542-9273-2F70EC32D14A}" type="datetimeFigureOut">
               <a:rPr lang="en-US" smtClean="0"/>
-              <a:t>3/22/19</a:t>
+              <a:t>4/15/2019</a:t>
             </a:fld>
             <a:endParaRPr lang="en-US"/>
           </a:p>
@@ -16209,7 +16816,7 @@
           <p:cNvPr id="4" name="Footer Placeholder 3">
             <a:extLst>
               <a:ext uri="{FF2B5EF4-FFF2-40B4-BE49-F238E27FC236}">
-                <a16:creationId xmlns:a16="http://schemas.microsoft.com/office/drawing/2014/main" id="{25A29280-A476-3842-AF73-295789057E54}"/>
+                <a16:creationId xmlns:a16="http://schemas.microsoft.com/office/drawing/2014/main" xmlns="" id="{25A29280-A476-3842-AF73-295789057E54}"/>
               </a:ext>
             </a:extLst>
           </p:cNvPr>
@@ -16234,7 +16841,7 @@
           <p:cNvPr id="5" name="Slide Number Placeholder 4">
             <a:extLst>
               <a:ext uri="{FF2B5EF4-FFF2-40B4-BE49-F238E27FC236}">
-                <a16:creationId xmlns:a16="http://schemas.microsoft.com/office/drawing/2014/main" id="{E6608E4C-06E5-F348-9BAC-332BABEC794A}"/>
+                <a16:creationId xmlns:a16="http://schemas.microsoft.com/office/drawing/2014/main" xmlns="" id="{E6608E4C-06E5-F348-9BAC-332BABEC794A}"/>
               </a:ext>
             </a:extLst>
           </p:cNvPr>
@@ -16252,7 +16859,7 @@
           <a:p>
             <a:fld id="{006D2977-72A3-A94F-9FA5-9EB7D3FCC9C4}" type="slidenum">
               <a:rPr lang="en-US" smtClean="0"/>
-              <a:t>‹#›</a:t>
+              <a:t>‹N°›</a:t>
             </a:fld>
             <a:endParaRPr lang="en-US"/>
           </a:p>
@@ -16293,7 +16900,7 @@
           <p:cNvPr id="2" name="Date Placeholder 1">
             <a:extLst>
               <a:ext uri="{FF2B5EF4-FFF2-40B4-BE49-F238E27FC236}">
-                <a16:creationId xmlns:a16="http://schemas.microsoft.com/office/drawing/2014/main" id="{CDB46442-5299-A44A-B323-AAB1D31B82E2}"/>
+                <a16:creationId xmlns:a16="http://schemas.microsoft.com/office/drawing/2014/main" xmlns="" id="{CDB46442-5299-A44A-B323-AAB1D31B82E2}"/>
               </a:ext>
             </a:extLst>
           </p:cNvPr>
@@ -16311,7 +16918,7 @@
           <a:p>
             <a:fld id="{855D09F2-5AA6-D542-9273-2F70EC32D14A}" type="datetimeFigureOut">
               <a:rPr lang="en-US" smtClean="0"/>
-              <a:t>3/22/19</a:t>
+              <a:t>4/15/2019</a:t>
             </a:fld>
             <a:endParaRPr lang="en-US"/>
           </a:p>
@@ -16322,7 +16929,7 @@
           <p:cNvPr id="3" name="Footer Placeholder 2">
             <a:extLst>
               <a:ext uri="{FF2B5EF4-FFF2-40B4-BE49-F238E27FC236}">
-                <a16:creationId xmlns:a16="http://schemas.microsoft.com/office/drawing/2014/main" id="{0212C444-73BE-FD46-A077-64E53475E622}"/>
+                <a16:creationId xmlns:a16="http://schemas.microsoft.com/office/drawing/2014/main" xmlns="" id="{0212C444-73BE-FD46-A077-64E53475E622}"/>
               </a:ext>
             </a:extLst>
           </p:cNvPr>
@@ -16347,7 +16954,7 @@
           <p:cNvPr id="4" name="Slide Number Placeholder 3">
             <a:extLst>
               <a:ext uri="{FF2B5EF4-FFF2-40B4-BE49-F238E27FC236}">
-                <a16:creationId xmlns:a16="http://schemas.microsoft.com/office/drawing/2014/main" id="{C3AF8E96-CDF8-7A47-BFDC-1C034295E314}"/>
+                <a16:creationId xmlns:a16="http://schemas.microsoft.com/office/drawing/2014/main" xmlns="" id="{C3AF8E96-CDF8-7A47-BFDC-1C034295E314}"/>
               </a:ext>
             </a:extLst>
           </p:cNvPr>
@@ -16365,7 +16972,7 @@
           <a:p>
             <a:fld id="{006D2977-72A3-A94F-9FA5-9EB7D3FCC9C4}" type="slidenum">
               <a:rPr lang="en-US" smtClean="0"/>
-              <a:t>‹#›</a:t>
+              <a:t>‹N°›</a:t>
             </a:fld>
             <a:endParaRPr lang="en-US"/>
           </a:p>
@@ -16406,7 +17013,7 @@
           <p:cNvPr id="2" name="Title 1">
             <a:extLst>
               <a:ext uri="{FF2B5EF4-FFF2-40B4-BE49-F238E27FC236}">
-                <a16:creationId xmlns:a16="http://schemas.microsoft.com/office/drawing/2014/main" id="{DA1731B2-921D-3D4B-9559-D67B8BDE0D53}"/>
+                <a16:creationId xmlns:a16="http://schemas.microsoft.com/office/drawing/2014/main" xmlns="" id="{DA1731B2-921D-3D4B-9559-D67B8BDE0D53}"/>
               </a:ext>
             </a:extLst>
           </p:cNvPr>
@@ -16443,7 +17050,7 @@
           <p:cNvPr id="3" name="Content Placeholder 2">
             <a:extLst>
               <a:ext uri="{FF2B5EF4-FFF2-40B4-BE49-F238E27FC236}">
-                <a16:creationId xmlns:a16="http://schemas.microsoft.com/office/drawing/2014/main" id="{9929390E-6A73-7343-897F-5E511B650BC2}"/>
+                <a16:creationId xmlns:a16="http://schemas.microsoft.com/office/drawing/2014/main" xmlns="" id="{9929390E-6A73-7343-897F-5E511B650BC2}"/>
               </a:ext>
             </a:extLst>
           </p:cNvPr>
@@ -16533,7 +17140,7 @@
           <p:cNvPr id="4" name="Text Placeholder 3">
             <a:extLst>
               <a:ext uri="{FF2B5EF4-FFF2-40B4-BE49-F238E27FC236}">
-                <a16:creationId xmlns:a16="http://schemas.microsoft.com/office/drawing/2014/main" id="{A7AE0420-CBB4-C247-A7D3-07DB3F7ACEB0}"/>
+                <a16:creationId xmlns:a16="http://schemas.microsoft.com/office/drawing/2014/main" xmlns="" id="{A7AE0420-CBB4-C247-A7D3-07DB3F7ACEB0}"/>
               </a:ext>
             </a:extLst>
           </p:cNvPr>
@@ -16604,7 +17211,7 @@
           <p:cNvPr id="5" name="Date Placeholder 4">
             <a:extLst>
               <a:ext uri="{FF2B5EF4-FFF2-40B4-BE49-F238E27FC236}">
-                <a16:creationId xmlns:a16="http://schemas.microsoft.com/office/drawing/2014/main" id="{E0DA5A61-D96A-CC48-97EF-205039F833A0}"/>
+                <a16:creationId xmlns:a16="http://schemas.microsoft.com/office/drawing/2014/main" xmlns="" id="{E0DA5A61-D96A-CC48-97EF-205039F833A0}"/>
               </a:ext>
             </a:extLst>
           </p:cNvPr>
@@ -16622,7 +17229,7 @@
           <a:p>
             <a:fld id="{855D09F2-5AA6-D542-9273-2F70EC32D14A}" type="datetimeFigureOut">
               <a:rPr lang="en-US" smtClean="0"/>
-              <a:t>3/22/19</a:t>
+              <a:t>4/15/2019</a:t>
             </a:fld>
             <a:endParaRPr lang="en-US"/>
           </a:p>
@@ -16633,7 +17240,7 @@
           <p:cNvPr id="6" name="Footer Placeholder 5">
             <a:extLst>
               <a:ext uri="{FF2B5EF4-FFF2-40B4-BE49-F238E27FC236}">
-                <a16:creationId xmlns:a16="http://schemas.microsoft.com/office/drawing/2014/main" id="{B98B452A-EC84-7149-A9CE-EBE7B0363AAB}"/>
+                <a16:creationId xmlns:a16="http://schemas.microsoft.com/office/drawing/2014/main" xmlns="" id="{B98B452A-EC84-7149-A9CE-EBE7B0363AAB}"/>
               </a:ext>
             </a:extLst>
           </p:cNvPr>
@@ -16658,7 +17265,7 @@
           <p:cNvPr id="7" name="Slide Number Placeholder 6">
             <a:extLst>
               <a:ext uri="{FF2B5EF4-FFF2-40B4-BE49-F238E27FC236}">
-                <a16:creationId xmlns:a16="http://schemas.microsoft.com/office/drawing/2014/main" id="{71AF7692-E101-1549-A03A-3AAF9DEF9814}"/>
+                <a16:creationId xmlns:a16="http://schemas.microsoft.com/office/drawing/2014/main" xmlns="" id="{71AF7692-E101-1549-A03A-3AAF9DEF9814}"/>
               </a:ext>
             </a:extLst>
           </p:cNvPr>
@@ -16676,7 +17283,7 @@
           <a:p>
             <a:fld id="{006D2977-72A3-A94F-9FA5-9EB7D3FCC9C4}" type="slidenum">
               <a:rPr lang="en-US" smtClean="0"/>
-              <a:t>‹#›</a:t>
+              <a:t>‹N°›</a:t>
             </a:fld>
             <a:endParaRPr lang="en-US"/>
           </a:p>
@@ -16717,7 +17324,7 @@
           <p:cNvPr id="2" name="Title 1">
             <a:extLst>
               <a:ext uri="{FF2B5EF4-FFF2-40B4-BE49-F238E27FC236}">
-                <a16:creationId xmlns:a16="http://schemas.microsoft.com/office/drawing/2014/main" id="{1415BE1F-4EA4-E94D-A508-ED6C2F90EC8F}"/>
+                <a16:creationId xmlns:a16="http://schemas.microsoft.com/office/drawing/2014/main" xmlns="" id="{1415BE1F-4EA4-E94D-A508-ED6C2F90EC8F}"/>
               </a:ext>
             </a:extLst>
           </p:cNvPr>
@@ -16754,7 +17361,7 @@
           <p:cNvPr id="3" name="Picture Placeholder 2">
             <a:extLst>
               <a:ext uri="{FF2B5EF4-FFF2-40B4-BE49-F238E27FC236}">
-                <a16:creationId xmlns:a16="http://schemas.microsoft.com/office/drawing/2014/main" id="{F2A99561-4666-D145-97BA-816108E938A0}"/>
+                <a16:creationId xmlns:a16="http://schemas.microsoft.com/office/drawing/2014/main" xmlns="" id="{F2A99561-4666-D145-97BA-816108E938A0}"/>
               </a:ext>
             </a:extLst>
           </p:cNvPr>
@@ -16821,7 +17428,7 @@
           <p:cNvPr id="4" name="Text Placeholder 3">
             <a:extLst>
               <a:ext uri="{FF2B5EF4-FFF2-40B4-BE49-F238E27FC236}">
-                <a16:creationId xmlns:a16="http://schemas.microsoft.com/office/drawing/2014/main" id="{81A9FF21-5F5C-BA40-8089-A47B120358D9}"/>
+                <a16:creationId xmlns:a16="http://schemas.microsoft.com/office/drawing/2014/main" xmlns="" id="{81A9FF21-5F5C-BA40-8089-A47B120358D9}"/>
               </a:ext>
             </a:extLst>
           </p:cNvPr>
@@ -16892,7 +17499,7 @@
           <p:cNvPr id="5" name="Date Placeholder 4">
             <a:extLst>
               <a:ext uri="{FF2B5EF4-FFF2-40B4-BE49-F238E27FC236}">
-                <a16:creationId xmlns:a16="http://schemas.microsoft.com/office/drawing/2014/main" id="{3E215C4B-6233-9E4D-BC0A-BA1BB6567CE6}"/>
+                <a16:creationId xmlns:a16="http://schemas.microsoft.com/office/drawing/2014/main" xmlns="" id="{3E215C4B-6233-9E4D-BC0A-BA1BB6567CE6}"/>
               </a:ext>
             </a:extLst>
           </p:cNvPr>
@@ -16910,7 +17517,7 @@
           <a:p>
             <a:fld id="{855D09F2-5AA6-D542-9273-2F70EC32D14A}" type="datetimeFigureOut">
               <a:rPr lang="en-US" smtClean="0"/>
-              <a:t>3/22/19</a:t>
+              <a:t>4/15/2019</a:t>
             </a:fld>
             <a:endParaRPr lang="en-US"/>
           </a:p>
@@ -16921,7 +17528,7 @@
           <p:cNvPr id="6" name="Footer Placeholder 5">
             <a:extLst>
               <a:ext uri="{FF2B5EF4-FFF2-40B4-BE49-F238E27FC236}">
-                <a16:creationId xmlns:a16="http://schemas.microsoft.com/office/drawing/2014/main" id="{3B3562BF-818D-FA4C-94CB-7A969095C288}"/>
+                <a16:creationId xmlns:a16="http://schemas.microsoft.com/office/drawing/2014/main" xmlns="" id="{3B3562BF-818D-FA4C-94CB-7A969095C288}"/>
               </a:ext>
             </a:extLst>
           </p:cNvPr>
@@ -16946,7 +17553,7 @@
           <p:cNvPr id="7" name="Slide Number Placeholder 6">
             <a:extLst>
               <a:ext uri="{FF2B5EF4-FFF2-40B4-BE49-F238E27FC236}">
-                <a16:creationId xmlns:a16="http://schemas.microsoft.com/office/drawing/2014/main" id="{CAEDE3B9-4EC8-B74C-A807-90C462548DFB}"/>
+                <a16:creationId xmlns:a16="http://schemas.microsoft.com/office/drawing/2014/main" xmlns="" id="{CAEDE3B9-4EC8-B74C-A807-90C462548DFB}"/>
               </a:ext>
             </a:extLst>
           </p:cNvPr>
@@ -16964,7 +17571,7 @@
           <a:p>
             <a:fld id="{006D2977-72A3-A94F-9FA5-9EB7D3FCC9C4}" type="slidenum">
               <a:rPr lang="en-US" smtClean="0"/>
-              <a:t>‹#›</a:t>
+              <a:t>‹N°›</a:t>
             </a:fld>
             <a:endParaRPr lang="en-US"/>
           </a:p>
@@ -17010,7 +17617,7 @@
           <p:cNvPr id="2" name="Title Placeholder 1">
             <a:extLst>
               <a:ext uri="{FF2B5EF4-FFF2-40B4-BE49-F238E27FC236}">
-                <a16:creationId xmlns:a16="http://schemas.microsoft.com/office/drawing/2014/main" id="{73D63FAA-0DA7-284A-9EC2-096040208074}"/>
+                <a16:creationId xmlns:a16="http://schemas.microsoft.com/office/drawing/2014/main" xmlns="" id="{73D63FAA-0DA7-284A-9EC2-096040208074}"/>
               </a:ext>
             </a:extLst>
           </p:cNvPr>
@@ -17048,7 +17655,7 @@
           <p:cNvPr id="3" name="Text Placeholder 2">
             <a:extLst>
               <a:ext uri="{FF2B5EF4-FFF2-40B4-BE49-F238E27FC236}">
-                <a16:creationId xmlns:a16="http://schemas.microsoft.com/office/drawing/2014/main" id="{654C417A-4987-E44D-9033-A854D8752004}"/>
+                <a16:creationId xmlns:a16="http://schemas.microsoft.com/office/drawing/2014/main" xmlns="" id="{654C417A-4987-E44D-9033-A854D8752004}"/>
               </a:ext>
             </a:extLst>
           </p:cNvPr>
@@ -17115,7 +17722,7 @@
           <p:cNvPr id="4" name="Date Placeholder 3">
             <a:extLst>
               <a:ext uri="{FF2B5EF4-FFF2-40B4-BE49-F238E27FC236}">
-                <a16:creationId xmlns:a16="http://schemas.microsoft.com/office/drawing/2014/main" id="{21CD0D57-BA1A-DB4A-9848-DCF34C7FD0A6}"/>
+                <a16:creationId xmlns:a16="http://schemas.microsoft.com/office/drawing/2014/main" xmlns="" id="{21CD0D57-BA1A-DB4A-9848-DCF34C7FD0A6}"/>
               </a:ext>
             </a:extLst>
           </p:cNvPr>
@@ -17151,7 +17758,7 @@
           <a:p>
             <a:fld id="{855D09F2-5AA6-D542-9273-2F70EC32D14A}" type="datetimeFigureOut">
               <a:rPr lang="en-US" smtClean="0"/>
-              <a:t>3/22/19</a:t>
+              <a:t>4/15/2019</a:t>
             </a:fld>
             <a:endParaRPr lang="en-US"/>
           </a:p>
@@ -17162,7 +17769,7 @@
           <p:cNvPr id="5" name="Footer Placeholder 4">
             <a:extLst>
               <a:ext uri="{FF2B5EF4-FFF2-40B4-BE49-F238E27FC236}">
-                <a16:creationId xmlns:a16="http://schemas.microsoft.com/office/drawing/2014/main" id="{821BA7BE-941F-884C-8247-1781444DCC07}"/>
+                <a16:creationId xmlns:a16="http://schemas.microsoft.com/office/drawing/2014/main" xmlns="" id="{821BA7BE-941F-884C-8247-1781444DCC07}"/>
               </a:ext>
             </a:extLst>
           </p:cNvPr>
@@ -17205,7 +17812,7 @@
           <p:cNvPr id="6" name="Slide Number Placeholder 5">
             <a:extLst>
               <a:ext uri="{FF2B5EF4-FFF2-40B4-BE49-F238E27FC236}">
-                <a16:creationId xmlns:a16="http://schemas.microsoft.com/office/drawing/2014/main" id="{160CE297-9649-6448-8546-61992A984751}"/>
+                <a16:creationId xmlns:a16="http://schemas.microsoft.com/office/drawing/2014/main" xmlns="" id="{160CE297-9649-6448-8546-61992A984751}"/>
               </a:ext>
             </a:extLst>
           </p:cNvPr>
@@ -17241,7 +17848,7 @@
           <a:p>
             <a:fld id="{006D2977-72A3-A94F-9FA5-9EB7D3FCC9C4}" type="slidenum">
               <a:rPr lang="en-US" smtClean="0"/>
-              <a:t>‹#›</a:t>
+              <a:t>‹N°›</a:t>
             </a:fld>
             <a:endParaRPr lang="en-US"/>
           </a:p>
@@ -17581,10 +18188,10 @@
           <p:cNvPr id="10" name="Rectangle 9">
             <a:extLst>
               <a:ext uri="{FF2B5EF4-FFF2-40B4-BE49-F238E27FC236}">
-                <a16:creationId xmlns:a16="http://schemas.microsoft.com/office/drawing/2014/main" id="{25168E7B-6D42-4B3A-B7A1-17D4C49EC903}"/>
+                <a16:creationId xmlns:a16="http://schemas.microsoft.com/office/drawing/2014/main" xmlns="" id="{25168E7B-6D42-4B3A-B7A1-17D4C49EC903}"/>
               </a:ext>
               <a:ext uri="{C183D7F6-B498-43B3-948B-1728B52AA6E4}">
-                <adec:decorative xmlns:adec="http://schemas.microsoft.com/office/drawing/2017/decorative" val="1"/>
+                <adec:decorative xmlns:adec="http://schemas.microsoft.com/office/drawing/2017/decorative" xmlns="" val="1"/>
               </a:ext>
             </a:extLst>
           </p:cNvPr>
@@ -17594,7 +18201,7 @@
           <p:nvPr>
             <p:extLst>
               <p:ext uri="{386F3935-93C4-4BCD-93E2-E3B085C9AB24}">
-                <p16:designElem xmlns:p16="http://schemas.microsoft.com/office/powerpoint/2015/main" val="1"/>
+                <p16:designElem xmlns:p16="http://schemas.microsoft.com/office/powerpoint/2015/main" xmlns="" val="1"/>
               </p:ext>
             </p:extLst>
           </p:nvPr>
@@ -17666,10 +18273,10 @@
           <p:cNvPr id="12" name="Picture 11">
             <a:extLst>
               <a:ext uri="{FF2B5EF4-FFF2-40B4-BE49-F238E27FC236}">
-                <a16:creationId xmlns:a16="http://schemas.microsoft.com/office/drawing/2014/main" id="{98A030C2-9F23-4593-9F99-7B73C232A4C9}"/>
+                <a16:creationId xmlns:a16="http://schemas.microsoft.com/office/drawing/2014/main" xmlns="" id="{98A030C2-9F23-4593-9F99-7B73C232A4C9}"/>
               </a:ext>
               <a:ext uri="{C183D7F6-B498-43B3-948B-1728B52AA6E4}">
-                <adec:decorative xmlns:adec="http://schemas.microsoft.com/office/drawing/2017/decorative" val="1"/>
+                <adec:decorative xmlns:adec="http://schemas.microsoft.com/office/drawing/2017/decorative" xmlns="" val="1"/>
               </a:ext>
             </a:extLst>
           </p:cNvPr>
@@ -17679,7 +18286,7 @@
           <p:nvPr>
             <p:extLst>
               <p:ext uri="{386F3935-93C4-4BCD-93E2-E3B085C9AB24}">
-                <p16:designElem xmlns:p16="http://schemas.microsoft.com/office/powerpoint/2015/main" val="1"/>
+                <p16:designElem xmlns:p16="http://schemas.microsoft.com/office/powerpoint/2015/main" xmlns="" val="1"/>
               </p:ext>
             </p:extLst>
           </p:nvPr>
@@ -17711,7 +18318,7 @@
           <p:cNvPr id="2" name="Title 1">
             <a:extLst>
               <a:ext uri="{FF2B5EF4-FFF2-40B4-BE49-F238E27FC236}">
-                <a16:creationId xmlns:a16="http://schemas.microsoft.com/office/drawing/2014/main" id="{979451DB-A8DC-194F-8BC3-68E815869ADA}"/>
+                <a16:creationId xmlns:a16="http://schemas.microsoft.com/office/drawing/2014/main" xmlns="" id="{979451DB-A8DC-194F-8BC3-68E815869ADA}"/>
               </a:ext>
             </a:extLst>
           </p:cNvPr>
@@ -17755,7 +18362,7 @@
           <p:cNvPr id="8" name="Picture 2" descr="https://lh6.googleusercontent.com/o-zD3gg3ajvak73M3tIgSa37WGMmigpo988VwPz8pSJBDBvuXH5Rtf-BffEU8IXtAKwYUD8W2I4Xn-WRyfQnGjliPblaizdA8Ug-BvozLLP_CdvBhnr8wRhX6OgDDs0C_3joz4XDm_ANp7-D9w">
             <a:extLst>
               <a:ext uri="{FF2B5EF4-FFF2-40B4-BE49-F238E27FC236}">
-                <a16:creationId xmlns:a16="http://schemas.microsoft.com/office/drawing/2014/main" id="{91B5445B-78E5-2548-994D-EED6B14B1D04}"/>
+                <a16:creationId xmlns:a16="http://schemas.microsoft.com/office/drawing/2014/main" xmlns="" id="{91B5445B-78E5-2548-994D-EED6B14B1D04}"/>
               </a:ext>
             </a:extLst>
           </p:cNvPr>
@@ -17802,7 +18409,7 @@
           <p:cNvPr id="9" name="TextBox 8">
             <a:extLst>
               <a:ext uri="{FF2B5EF4-FFF2-40B4-BE49-F238E27FC236}">
-                <a16:creationId xmlns:a16="http://schemas.microsoft.com/office/drawing/2014/main" id="{6C14AB48-6A9F-194B-BE19-57E50362ADAA}"/>
+                <a16:creationId xmlns:a16="http://schemas.microsoft.com/office/drawing/2014/main" xmlns="" id="{6C14AB48-6A9F-194B-BE19-57E50362ADAA}"/>
               </a:ext>
             </a:extLst>
           </p:cNvPr>
@@ -17881,10 +18488,10 @@
           <p:cNvPr id="11" name="Rectangle 10">
             <a:extLst>
               <a:ext uri="{FF2B5EF4-FFF2-40B4-BE49-F238E27FC236}">
-                <a16:creationId xmlns:a16="http://schemas.microsoft.com/office/drawing/2014/main" id="{4351DFE5-F63D-4BE0-BDA9-E3EB88F01AA5}"/>
+                <a16:creationId xmlns:a16="http://schemas.microsoft.com/office/drawing/2014/main" xmlns="" id="{4351DFE5-F63D-4BE0-BDA9-E3EB88F01AA5}"/>
               </a:ext>
               <a:ext uri="{C183D7F6-B498-43B3-948B-1728B52AA6E4}">
-                <adec:decorative xmlns:adec="http://schemas.microsoft.com/office/drawing/2017/decorative" val="1"/>
+                <adec:decorative xmlns:adec="http://schemas.microsoft.com/office/drawing/2017/decorative" xmlns="" val="1"/>
               </a:ext>
             </a:extLst>
           </p:cNvPr>
@@ -17894,7 +18501,7 @@
           <p:nvPr>
             <p:extLst>
               <p:ext uri="{386F3935-93C4-4BCD-93E2-E3B085C9AB24}">
-                <p16:designElem xmlns:p16="http://schemas.microsoft.com/office/powerpoint/2015/main" val="1"/>
+                <p16:designElem xmlns:p16="http://schemas.microsoft.com/office/powerpoint/2015/main" xmlns="" val="1"/>
               </p:ext>
             </p:extLst>
           </p:nvPr>
@@ -17966,10 +18573,10 @@
           <p:cNvPr id="13" name="Picture 12">
             <a:extLst>
               <a:ext uri="{FF2B5EF4-FFF2-40B4-BE49-F238E27FC236}">
-                <a16:creationId xmlns:a16="http://schemas.microsoft.com/office/drawing/2014/main" id="{02DD2BC0-6F29-4B4F-8D61-2DCF6D2E8E73}"/>
+                <a16:creationId xmlns:a16="http://schemas.microsoft.com/office/drawing/2014/main" xmlns="" id="{02DD2BC0-6F29-4B4F-8D61-2DCF6D2E8E73}"/>
               </a:ext>
               <a:ext uri="{C183D7F6-B498-43B3-948B-1728B52AA6E4}">
-                <adec:decorative xmlns:adec="http://schemas.microsoft.com/office/drawing/2017/decorative" val="1"/>
+                <adec:decorative xmlns:adec="http://schemas.microsoft.com/office/drawing/2017/decorative" xmlns="" val="1"/>
               </a:ext>
             </a:extLst>
           </p:cNvPr>
@@ -17979,7 +18586,7 @@
           <p:nvPr>
             <p:extLst>
               <p:ext uri="{386F3935-93C4-4BCD-93E2-E3B085C9AB24}">
-                <p16:designElem xmlns:p16="http://schemas.microsoft.com/office/powerpoint/2015/main" val="1"/>
+                <p16:designElem xmlns:p16="http://schemas.microsoft.com/office/powerpoint/2015/main" xmlns="" val="1"/>
               </p:ext>
             </p:extLst>
           </p:nvPr>
@@ -18011,7 +18618,7 @@
           <p:cNvPr id="4" name="Picture 2" descr="https://lh6.googleusercontent.com/o-zD3gg3ajvak73M3tIgSa37WGMmigpo988VwPz8pSJBDBvuXH5Rtf-BffEU8IXtAKwYUD8W2I4Xn-WRyfQnGjliPblaizdA8Ug-BvozLLP_CdvBhnr8wRhX6OgDDs0C_3joz4XDm_ANp7-D9w">
             <a:extLst>
               <a:ext uri="{FF2B5EF4-FFF2-40B4-BE49-F238E27FC236}">
-                <a16:creationId xmlns:a16="http://schemas.microsoft.com/office/drawing/2014/main" id="{4FB82333-C1EB-7E45-8A3F-FBB04B9F04A8}"/>
+                <a16:creationId xmlns:a16="http://schemas.microsoft.com/office/drawing/2014/main" xmlns="" id="{4FB82333-C1EB-7E45-8A3F-FBB04B9F04A8}"/>
               </a:ext>
             </a:extLst>
           </p:cNvPr>
@@ -18056,7 +18663,7 @@
           <p:cNvPr id="9" name="Diagram 8">
             <a:extLst>
               <a:ext uri="{FF2B5EF4-FFF2-40B4-BE49-F238E27FC236}">
-                <a16:creationId xmlns:a16="http://schemas.microsoft.com/office/drawing/2014/main" id="{6BFB7417-4207-F142-9EC4-913C673304ED}"/>
+                <a16:creationId xmlns:a16="http://schemas.microsoft.com/office/drawing/2014/main" xmlns="" id="{6BFB7417-4207-F142-9EC4-913C673304ED}"/>
               </a:ext>
             </a:extLst>
           </p:cNvPr>
@@ -18064,7 +18671,7 @@
           <p:nvPr>
             <p:extLst>
               <p:ext uri="{D42A27DB-BD31-4B8C-83A1-F6EECF244321}">
-                <p14:modId xmlns:p14="http://schemas.microsoft.com/office/powerpoint/2010/main" val="3648036400"/>
+                <p14:modId xmlns:p14="http://schemas.microsoft.com/office/powerpoint/2010/main" val="3885866473"/>
               </p:ext>
             </p:extLst>
           </p:nvPr>
@@ -18084,7 +18691,7 @@
           <p:cNvPr id="12" name="Title 1">
             <a:extLst>
               <a:ext uri="{FF2B5EF4-FFF2-40B4-BE49-F238E27FC236}">
-                <a16:creationId xmlns:a16="http://schemas.microsoft.com/office/drawing/2014/main" id="{3B76EE3A-8DE7-A346-90E7-D3279E65C18A}"/>
+                <a16:creationId xmlns:a16="http://schemas.microsoft.com/office/drawing/2014/main" xmlns="" id="{3B76EE3A-8DE7-A346-90E7-D3279E65C18A}"/>
               </a:ext>
             </a:extLst>
           </p:cNvPr>
@@ -18129,6 +18736,13 @@
   <p:clrMapOvr>
     <a:masterClrMapping/>
   </p:clrMapOvr>
+  <p:timing>
+    <p:tnLst>
+      <p:par>
+        <p:cTn id="1" dur="indefinite" restart="never" nodeType="tmRoot"/>
+      </p:par>
+    </p:tnLst>
+  </p:timing>
 </p:sld>
 </file>
 
@@ -18162,10 +18776,10 @@
           <p:cNvPr id="11" name="Rectangle 10">
             <a:extLst>
               <a:ext uri="{FF2B5EF4-FFF2-40B4-BE49-F238E27FC236}">
-                <a16:creationId xmlns:a16="http://schemas.microsoft.com/office/drawing/2014/main" id="{4351DFE5-F63D-4BE0-BDA9-E3EB88F01AA5}"/>
+                <a16:creationId xmlns:a16="http://schemas.microsoft.com/office/drawing/2014/main" xmlns="" id="{4351DFE5-F63D-4BE0-BDA9-E3EB88F01AA5}"/>
               </a:ext>
               <a:ext uri="{C183D7F6-B498-43B3-948B-1728B52AA6E4}">
-                <adec:decorative xmlns:adec="http://schemas.microsoft.com/office/drawing/2017/decorative" val="1"/>
+                <adec:decorative xmlns:adec="http://schemas.microsoft.com/office/drawing/2017/decorative" xmlns="" val="1"/>
               </a:ext>
             </a:extLst>
           </p:cNvPr>
@@ -18175,7 +18789,7 @@
           <p:nvPr>
             <p:extLst>
               <p:ext uri="{386F3935-93C4-4BCD-93E2-E3B085C9AB24}">
-                <p16:designElem xmlns:p16="http://schemas.microsoft.com/office/powerpoint/2015/main" val="1"/>
+                <p16:designElem xmlns:p16="http://schemas.microsoft.com/office/powerpoint/2015/main" xmlns="" val="1"/>
               </p:ext>
             </p:extLst>
           </p:nvPr>
@@ -18247,10 +18861,10 @@
           <p:cNvPr id="13" name="Picture 12">
             <a:extLst>
               <a:ext uri="{FF2B5EF4-FFF2-40B4-BE49-F238E27FC236}">
-                <a16:creationId xmlns:a16="http://schemas.microsoft.com/office/drawing/2014/main" id="{02DD2BC0-6F29-4B4F-8D61-2DCF6D2E8E73}"/>
+                <a16:creationId xmlns:a16="http://schemas.microsoft.com/office/drawing/2014/main" xmlns="" id="{02DD2BC0-6F29-4B4F-8D61-2DCF6D2E8E73}"/>
               </a:ext>
               <a:ext uri="{C183D7F6-B498-43B3-948B-1728B52AA6E4}">
-                <adec:decorative xmlns:adec="http://schemas.microsoft.com/office/drawing/2017/decorative" val="1"/>
+                <adec:decorative xmlns:adec="http://schemas.microsoft.com/office/drawing/2017/decorative" xmlns="" val="1"/>
               </a:ext>
             </a:extLst>
           </p:cNvPr>
@@ -18260,7 +18874,7 @@
           <p:nvPr>
             <p:extLst>
               <p:ext uri="{386F3935-93C4-4BCD-93E2-E3B085C9AB24}">
-                <p16:designElem xmlns:p16="http://schemas.microsoft.com/office/powerpoint/2015/main" val="1"/>
+                <p16:designElem xmlns:p16="http://schemas.microsoft.com/office/powerpoint/2015/main" xmlns="" val="1"/>
               </p:ext>
             </p:extLst>
           </p:nvPr>
@@ -18292,7 +18906,7 @@
           <p:cNvPr id="4" name="Picture 2" descr="https://lh6.googleusercontent.com/o-zD3gg3ajvak73M3tIgSa37WGMmigpo988VwPz8pSJBDBvuXH5Rtf-BffEU8IXtAKwYUD8W2I4Xn-WRyfQnGjliPblaizdA8Ug-BvozLLP_CdvBhnr8wRhX6OgDDs0C_3joz4XDm_ANp7-D9w">
             <a:extLst>
               <a:ext uri="{FF2B5EF4-FFF2-40B4-BE49-F238E27FC236}">
-                <a16:creationId xmlns:a16="http://schemas.microsoft.com/office/drawing/2014/main" id="{4FB82333-C1EB-7E45-8A3F-FBB04B9F04A8}"/>
+                <a16:creationId xmlns:a16="http://schemas.microsoft.com/office/drawing/2014/main" xmlns="" id="{4FB82333-C1EB-7E45-8A3F-FBB04B9F04A8}"/>
               </a:ext>
             </a:extLst>
           </p:cNvPr>
@@ -18337,7 +18951,7 @@
           <p:cNvPr id="12" name="Title 1">
             <a:extLst>
               <a:ext uri="{FF2B5EF4-FFF2-40B4-BE49-F238E27FC236}">
-                <a16:creationId xmlns:a16="http://schemas.microsoft.com/office/drawing/2014/main" id="{3B76EE3A-8DE7-A346-90E7-D3279E65C18A}"/>
+                <a16:creationId xmlns:a16="http://schemas.microsoft.com/office/drawing/2014/main" xmlns="" id="{3B76EE3A-8DE7-A346-90E7-D3279E65C18A}"/>
               </a:ext>
             </a:extLst>
           </p:cNvPr>
@@ -18362,13 +18976,18 @@
           <a:p>
             <a:pPr algn="ctr"/>
             <a:r>
-              <a:rPr lang="en-US" sz="4000" dirty="0">
+              <a:rPr lang="en-US" sz="4000" dirty="0" smtClean="0">
                 <a:solidFill>
                   <a:srgbClr val="FFFFFF"/>
                 </a:solidFill>
               </a:rPr>
-              <a:t>Sequence Mining</a:t>
+              <a:t>Predictive Model</a:t>
             </a:r>
+            <a:endParaRPr lang="en-US" sz="4000" dirty="0">
+              <a:solidFill>
+                <a:srgbClr val="FFFFFF"/>
+              </a:solidFill>
+            </a:endParaRPr>
           </a:p>
         </p:txBody>
       </p:sp>
@@ -18377,7 +18996,7 @@
           <p:cNvPr id="7" name="Diagram 6">
             <a:extLst>
               <a:ext uri="{FF2B5EF4-FFF2-40B4-BE49-F238E27FC236}">
-                <a16:creationId xmlns:a16="http://schemas.microsoft.com/office/drawing/2014/main" id="{03111FD0-1CCE-2541-BF14-4D136FD18B42}"/>
+                <a16:creationId xmlns:a16="http://schemas.microsoft.com/office/drawing/2014/main" xmlns="" id="{03111FD0-1CCE-2541-BF14-4D136FD18B42}"/>
               </a:ext>
             </a:extLst>
           </p:cNvPr>
@@ -18385,7 +19004,7 @@
           <p:nvPr>
             <p:extLst>
               <p:ext uri="{D42A27DB-BD31-4B8C-83A1-F6EECF244321}">
-                <p14:modId xmlns:p14="http://schemas.microsoft.com/office/powerpoint/2010/main" val="2110522396"/>
+                <p14:modId xmlns:p14="http://schemas.microsoft.com/office/powerpoint/2010/main" val="4183493586"/>
               </p:ext>
             </p:extLst>
           </p:nvPr>
@@ -18410,6 +19029,13 @@
   <p:clrMapOvr>
     <a:masterClrMapping/>
   </p:clrMapOvr>
+  <p:timing>
+    <p:tnLst>
+      <p:par>
+        <p:cTn id="1" dur="indefinite" restart="never" nodeType="tmRoot"/>
+      </p:par>
+    </p:tnLst>
+  </p:timing>
 </p:sld>
 </file>
 
@@ -18443,10 +19069,10 @@
           <p:cNvPr id="10" name="Rectangle 9">
             <a:extLst>
               <a:ext uri="{FF2B5EF4-FFF2-40B4-BE49-F238E27FC236}">
-                <a16:creationId xmlns:a16="http://schemas.microsoft.com/office/drawing/2014/main" id="{86197D16-FE75-4A0E-A0C9-28C0F04A43DF}"/>
+                <a16:creationId xmlns:a16="http://schemas.microsoft.com/office/drawing/2014/main" xmlns="" id="{86197D16-FE75-4A0E-A0C9-28C0F04A43DF}"/>
               </a:ext>
               <a:ext uri="{C183D7F6-B498-43B3-948B-1728B52AA6E4}">
-                <adec:decorative xmlns:adec="http://schemas.microsoft.com/office/drawing/2017/decorative" val="1"/>
+                <adec:decorative xmlns:adec="http://schemas.microsoft.com/office/drawing/2017/decorative" xmlns="" val="1"/>
               </a:ext>
             </a:extLst>
           </p:cNvPr>
@@ -18456,7 +19082,7 @@
           <p:nvPr>
             <p:extLst>
               <p:ext uri="{386F3935-93C4-4BCD-93E2-E3B085C9AB24}">
-                <p16:designElem xmlns:p16="http://schemas.microsoft.com/office/powerpoint/2015/main" val="1"/>
+                <p16:designElem xmlns:p16="http://schemas.microsoft.com/office/powerpoint/2015/main" xmlns="" val="1"/>
               </p:ext>
             </p:extLst>
           </p:nvPr>
@@ -18528,10 +19154,10 @@
           <p:cNvPr id="12" name="Picture 11">
             <a:extLst>
               <a:ext uri="{FF2B5EF4-FFF2-40B4-BE49-F238E27FC236}">
-                <a16:creationId xmlns:a16="http://schemas.microsoft.com/office/drawing/2014/main" id="{FA8FCEC6-4B30-4FF2-8B32-504BEAEA3A16}"/>
+                <a16:creationId xmlns:a16="http://schemas.microsoft.com/office/drawing/2014/main" xmlns="" id="{FA8FCEC6-4B30-4FF2-8B32-504BEAEA3A16}"/>
               </a:ext>
               <a:ext uri="{C183D7F6-B498-43B3-948B-1728B52AA6E4}">
-                <adec:decorative xmlns:adec="http://schemas.microsoft.com/office/drawing/2017/decorative" val="1"/>
+                <adec:decorative xmlns:adec="http://schemas.microsoft.com/office/drawing/2017/decorative" xmlns="" val="1"/>
               </a:ext>
             </a:extLst>
           </p:cNvPr>
@@ -18541,7 +19167,7 @@
           <p:nvPr>
             <p:extLst>
               <p:ext uri="{386F3935-93C4-4BCD-93E2-E3B085C9AB24}">
-                <p16:designElem xmlns:p16="http://schemas.microsoft.com/office/powerpoint/2015/main" val="1"/>
+                <p16:designElem xmlns:p16="http://schemas.microsoft.com/office/powerpoint/2015/main" xmlns="" val="1"/>
               </p:ext>
             </p:extLst>
           </p:nvPr>
@@ -18617,7 +19243,7 @@
           <p:cNvPr id="2" name="Title 1">
             <a:extLst>
               <a:ext uri="{FF2B5EF4-FFF2-40B4-BE49-F238E27FC236}">
-                <a16:creationId xmlns:a16="http://schemas.microsoft.com/office/drawing/2014/main" id="{979451DB-A8DC-194F-8BC3-68E815869ADA}"/>
+                <a16:creationId xmlns:a16="http://schemas.microsoft.com/office/drawing/2014/main" xmlns="" id="{979451DB-A8DC-194F-8BC3-68E815869ADA}"/>
               </a:ext>
             </a:extLst>
           </p:cNvPr>
@@ -18657,7 +19283,7 @@
           <p:cNvPr id="5" name="Picture 2" descr="https://lh6.googleusercontent.com/o-zD3gg3ajvak73M3tIgSa37WGMmigpo988VwPz8pSJBDBvuXH5Rtf-BffEU8IXtAKwYUD8W2I4Xn-WRyfQnGjliPblaizdA8Ug-BvozLLP_CdvBhnr8wRhX6OgDDs0C_3joz4XDm_ANp7-D9w">
             <a:extLst>
               <a:ext uri="{FF2B5EF4-FFF2-40B4-BE49-F238E27FC236}">
-                <a16:creationId xmlns:a16="http://schemas.microsoft.com/office/drawing/2014/main" id="{1C7F4249-298E-0845-B74C-1DF7E05A0052}"/>
+                <a16:creationId xmlns:a16="http://schemas.microsoft.com/office/drawing/2014/main" xmlns="" id="{1C7F4249-298E-0845-B74C-1DF7E05A0052}"/>
               </a:ext>
             </a:extLst>
           </p:cNvPr>
@@ -18707,6 +19333,13 @@
   <p:clrMapOvr>
     <a:masterClrMapping/>
   </p:clrMapOvr>
+  <p:timing>
+    <p:tnLst>
+      <p:par>
+        <p:cTn id="1" dur="indefinite" restart="never" nodeType="tmRoot"/>
+      </p:par>
+    </p:tnLst>
+  </p:timing>
 </p:sld>
 </file>
 
@@ -18740,7 +19373,7 @@
           <p:cNvPr id="5" name="Picture 2" descr="https://lh6.googleusercontent.com/o-zD3gg3ajvak73M3tIgSa37WGMmigpo988VwPz8pSJBDBvuXH5Rtf-BffEU8IXtAKwYUD8W2I4Xn-WRyfQnGjliPblaizdA8Ug-BvozLLP_CdvBhnr8wRhX6OgDDs0C_3joz4XDm_ANp7-D9w">
             <a:extLst>
               <a:ext uri="{FF2B5EF4-FFF2-40B4-BE49-F238E27FC236}">
-                <a16:creationId xmlns:a16="http://schemas.microsoft.com/office/drawing/2014/main" id="{1C7F4249-298E-0845-B74C-1DF7E05A0052}"/>
+                <a16:creationId xmlns:a16="http://schemas.microsoft.com/office/drawing/2014/main" xmlns="" id="{1C7F4249-298E-0845-B74C-1DF7E05A0052}"/>
               </a:ext>
             </a:extLst>
           </p:cNvPr>
@@ -18785,7 +19418,7 @@
           <p:cNvPr id="8" name="Picture 7">
             <a:extLst>
               <a:ext uri="{FF2B5EF4-FFF2-40B4-BE49-F238E27FC236}">
-                <a16:creationId xmlns:a16="http://schemas.microsoft.com/office/drawing/2014/main" id="{4632C7C1-2FF8-154A-BBB6-297DC474902C}"/>
+                <a16:creationId xmlns:a16="http://schemas.microsoft.com/office/drawing/2014/main" xmlns="" id="{4632C7C1-2FF8-154A-BBB6-297DC474902C}"/>
               </a:ext>
             </a:extLst>
           </p:cNvPr>
@@ -18820,6 +19453,13 @@
   <p:clrMapOvr>
     <a:masterClrMapping/>
   </p:clrMapOvr>
+  <p:timing>
+    <p:tnLst>
+      <p:par>
+        <p:cTn id="1" dur="indefinite" restart="never" nodeType="tmRoot"/>
+      </p:par>
+    </p:tnLst>
+  </p:timing>
 </p:sld>
 </file>
 
@@ -18853,7 +19493,7 @@
           <p:cNvPr id="5" name="Picture 2" descr="https://lh6.googleusercontent.com/o-zD3gg3ajvak73M3tIgSa37WGMmigpo988VwPz8pSJBDBvuXH5Rtf-BffEU8IXtAKwYUD8W2I4Xn-WRyfQnGjliPblaizdA8Ug-BvozLLP_CdvBhnr8wRhX6OgDDs0C_3joz4XDm_ANp7-D9w">
             <a:extLst>
               <a:ext uri="{FF2B5EF4-FFF2-40B4-BE49-F238E27FC236}">
-                <a16:creationId xmlns:a16="http://schemas.microsoft.com/office/drawing/2014/main" id="{1C7F4249-298E-0845-B74C-1DF7E05A0052}"/>
+                <a16:creationId xmlns:a16="http://schemas.microsoft.com/office/drawing/2014/main" xmlns="" id="{1C7F4249-298E-0845-B74C-1DF7E05A0052}"/>
               </a:ext>
             </a:extLst>
           </p:cNvPr>
@@ -18898,7 +19538,7 @@
           <p:cNvPr id="7" name="Picture 6">
             <a:extLst>
               <a:ext uri="{FF2B5EF4-FFF2-40B4-BE49-F238E27FC236}">
-                <a16:creationId xmlns:a16="http://schemas.microsoft.com/office/drawing/2014/main" id="{B074B8B3-71D3-AE41-97A9-8007E28276F0}"/>
+                <a16:creationId xmlns:a16="http://schemas.microsoft.com/office/drawing/2014/main" xmlns="" id="{B074B8B3-71D3-AE41-97A9-8007E28276F0}"/>
               </a:ext>
             </a:extLst>
           </p:cNvPr>
@@ -18966,10 +19606,10 @@
           <p:cNvPr id="10" name="Rectangle 9">
             <a:extLst>
               <a:ext uri="{FF2B5EF4-FFF2-40B4-BE49-F238E27FC236}">
-                <a16:creationId xmlns:a16="http://schemas.microsoft.com/office/drawing/2014/main" id="{86197D16-FE75-4A0E-A0C9-28C0F04A43DF}"/>
+                <a16:creationId xmlns:a16="http://schemas.microsoft.com/office/drawing/2014/main" xmlns="" id="{86197D16-FE75-4A0E-A0C9-28C0F04A43DF}"/>
               </a:ext>
               <a:ext uri="{C183D7F6-B498-43B3-948B-1728B52AA6E4}">
-                <adec:decorative xmlns:adec="http://schemas.microsoft.com/office/drawing/2017/decorative" val="1"/>
+                <adec:decorative xmlns:adec="http://schemas.microsoft.com/office/drawing/2017/decorative" xmlns="" val="1"/>
               </a:ext>
             </a:extLst>
           </p:cNvPr>
@@ -18979,7 +19619,7 @@
           <p:nvPr>
             <p:extLst>
               <p:ext uri="{386F3935-93C4-4BCD-93E2-E3B085C9AB24}">
-                <p16:designElem xmlns:p16="http://schemas.microsoft.com/office/powerpoint/2015/main" val="1"/>
+                <p16:designElem xmlns:p16="http://schemas.microsoft.com/office/powerpoint/2015/main" xmlns="" val="1"/>
               </p:ext>
             </p:extLst>
           </p:nvPr>
@@ -19051,10 +19691,10 @@
           <p:cNvPr id="12" name="Picture 11">
             <a:extLst>
               <a:ext uri="{FF2B5EF4-FFF2-40B4-BE49-F238E27FC236}">
-                <a16:creationId xmlns:a16="http://schemas.microsoft.com/office/drawing/2014/main" id="{FA8FCEC6-4B30-4FF2-8B32-504BEAEA3A16}"/>
+                <a16:creationId xmlns:a16="http://schemas.microsoft.com/office/drawing/2014/main" xmlns="" id="{FA8FCEC6-4B30-4FF2-8B32-504BEAEA3A16}"/>
               </a:ext>
               <a:ext uri="{C183D7F6-B498-43B3-948B-1728B52AA6E4}">
-                <adec:decorative xmlns:adec="http://schemas.microsoft.com/office/drawing/2017/decorative" val="1"/>
+                <adec:decorative xmlns:adec="http://schemas.microsoft.com/office/drawing/2017/decorative" xmlns="" val="1"/>
               </a:ext>
             </a:extLst>
           </p:cNvPr>
@@ -19064,7 +19704,7 @@
           <p:nvPr>
             <p:extLst>
               <p:ext uri="{386F3935-93C4-4BCD-93E2-E3B085C9AB24}">
-                <p16:designElem xmlns:p16="http://schemas.microsoft.com/office/powerpoint/2015/main" val="1"/>
+                <p16:designElem xmlns:p16="http://schemas.microsoft.com/office/powerpoint/2015/main" xmlns="" val="1"/>
               </p:ext>
             </p:extLst>
           </p:nvPr>
@@ -19140,7 +19780,7 @@
           <p:cNvPr id="2" name="Title 1">
             <a:extLst>
               <a:ext uri="{FF2B5EF4-FFF2-40B4-BE49-F238E27FC236}">
-                <a16:creationId xmlns:a16="http://schemas.microsoft.com/office/drawing/2014/main" id="{979451DB-A8DC-194F-8BC3-68E815869ADA}"/>
+                <a16:creationId xmlns:a16="http://schemas.microsoft.com/office/drawing/2014/main" xmlns="" id="{979451DB-A8DC-194F-8BC3-68E815869ADA}"/>
               </a:ext>
             </a:extLst>
           </p:cNvPr>
@@ -19179,7 +19819,7 @@
           <p:cNvPr id="5" name="Picture 2" descr="https://lh6.googleusercontent.com/o-zD3gg3ajvak73M3tIgSa37WGMmigpo988VwPz8pSJBDBvuXH5Rtf-BffEU8IXtAKwYUD8W2I4Xn-WRyfQnGjliPblaizdA8Ug-BvozLLP_CdvBhnr8wRhX6OgDDs0C_3joz4XDm_ANp7-D9w">
             <a:extLst>
               <a:ext uri="{FF2B5EF4-FFF2-40B4-BE49-F238E27FC236}">
-                <a16:creationId xmlns:a16="http://schemas.microsoft.com/office/drawing/2014/main" id="{1C7F4249-298E-0845-B74C-1DF7E05A0052}"/>
+                <a16:creationId xmlns:a16="http://schemas.microsoft.com/office/drawing/2014/main" xmlns="" id="{1C7F4249-298E-0845-B74C-1DF7E05A0052}"/>
               </a:ext>
             </a:extLst>
           </p:cNvPr>
@@ -19224,7 +19864,7 @@
           <p:cNvPr id="6" name="Subtitle 2">
             <a:extLst>
               <a:ext uri="{FF2B5EF4-FFF2-40B4-BE49-F238E27FC236}">
-                <a16:creationId xmlns:a16="http://schemas.microsoft.com/office/drawing/2014/main" id="{222040C8-3F97-8040-97E3-759B13038C22}"/>
+                <a16:creationId xmlns:a16="http://schemas.microsoft.com/office/drawing/2014/main" xmlns="" id="{222040C8-3F97-8040-97E3-759B13038C22}"/>
               </a:ext>
             </a:extLst>
           </p:cNvPr>
@@ -19411,10 +20051,10 @@
           <p:cNvPr id="10" name="Rectangle 9">
             <a:extLst>
               <a:ext uri="{FF2B5EF4-FFF2-40B4-BE49-F238E27FC236}">
-                <a16:creationId xmlns:a16="http://schemas.microsoft.com/office/drawing/2014/main" id="{86197D16-FE75-4A0E-A0C9-28C0F04A43DF}"/>
+                <a16:creationId xmlns:a16="http://schemas.microsoft.com/office/drawing/2014/main" xmlns="" id="{86197D16-FE75-4A0E-A0C9-28C0F04A43DF}"/>
               </a:ext>
               <a:ext uri="{C183D7F6-B498-43B3-948B-1728B52AA6E4}">
-                <adec:decorative xmlns:adec="http://schemas.microsoft.com/office/drawing/2017/decorative" val="1"/>
+                <adec:decorative xmlns:adec="http://schemas.microsoft.com/office/drawing/2017/decorative" xmlns="" val="1"/>
               </a:ext>
             </a:extLst>
           </p:cNvPr>
@@ -19424,7 +20064,7 @@
           <p:nvPr>
             <p:extLst>
               <p:ext uri="{386F3935-93C4-4BCD-93E2-E3B085C9AB24}">
-                <p16:designElem xmlns:p16="http://schemas.microsoft.com/office/powerpoint/2015/main" val="1"/>
+                <p16:designElem xmlns:p16="http://schemas.microsoft.com/office/powerpoint/2015/main" xmlns="" val="1"/>
               </p:ext>
             </p:extLst>
           </p:nvPr>
@@ -19496,10 +20136,10 @@
           <p:cNvPr id="12" name="Picture 11">
             <a:extLst>
               <a:ext uri="{FF2B5EF4-FFF2-40B4-BE49-F238E27FC236}">
-                <a16:creationId xmlns:a16="http://schemas.microsoft.com/office/drawing/2014/main" id="{FA8FCEC6-4B30-4FF2-8B32-504BEAEA3A16}"/>
+                <a16:creationId xmlns:a16="http://schemas.microsoft.com/office/drawing/2014/main" xmlns="" id="{FA8FCEC6-4B30-4FF2-8B32-504BEAEA3A16}"/>
               </a:ext>
               <a:ext uri="{C183D7F6-B498-43B3-948B-1728B52AA6E4}">
-                <adec:decorative xmlns:adec="http://schemas.microsoft.com/office/drawing/2017/decorative" val="1"/>
+                <adec:decorative xmlns:adec="http://schemas.microsoft.com/office/drawing/2017/decorative" xmlns="" val="1"/>
               </a:ext>
             </a:extLst>
           </p:cNvPr>
@@ -19509,7 +20149,7 @@
           <p:nvPr>
             <p:extLst>
               <p:ext uri="{386F3935-93C4-4BCD-93E2-E3B085C9AB24}">
-                <p16:designElem xmlns:p16="http://schemas.microsoft.com/office/powerpoint/2015/main" val="1"/>
+                <p16:designElem xmlns:p16="http://schemas.microsoft.com/office/powerpoint/2015/main" xmlns="" val="1"/>
               </p:ext>
             </p:extLst>
           </p:nvPr>
@@ -19585,7 +20225,7 @@
           <p:cNvPr id="5" name="Picture 2" descr="https://lh6.googleusercontent.com/o-zD3gg3ajvak73M3tIgSa37WGMmigpo988VwPz8pSJBDBvuXH5Rtf-BffEU8IXtAKwYUD8W2I4Xn-WRyfQnGjliPblaizdA8Ug-BvozLLP_CdvBhnr8wRhX6OgDDs0C_3joz4XDm_ANp7-D9w">
             <a:extLst>
               <a:ext uri="{FF2B5EF4-FFF2-40B4-BE49-F238E27FC236}">
-                <a16:creationId xmlns:a16="http://schemas.microsoft.com/office/drawing/2014/main" id="{1C7F4249-298E-0845-B74C-1DF7E05A0052}"/>
+                <a16:creationId xmlns:a16="http://schemas.microsoft.com/office/drawing/2014/main" xmlns="" id="{1C7F4249-298E-0845-B74C-1DF7E05A0052}"/>
               </a:ext>
             </a:extLst>
           </p:cNvPr>
@@ -19630,7 +20270,7 @@
           <p:cNvPr id="8" name="Subtitle 2">
             <a:extLst>
               <a:ext uri="{FF2B5EF4-FFF2-40B4-BE49-F238E27FC236}">
-                <a16:creationId xmlns:a16="http://schemas.microsoft.com/office/drawing/2014/main" id="{55F38018-88D3-8B45-88FB-F6164715CB66}"/>
+                <a16:creationId xmlns:a16="http://schemas.microsoft.com/office/drawing/2014/main" xmlns="" id="{55F38018-88D3-8B45-88FB-F6164715CB66}"/>
               </a:ext>
             </a:extLst>
           </p:cNvPr>
@@ -19779,7 +20419,7 @@
           <p:cNvPr id="7" name="Picture 6">
             <a:extLst>
               <a:ext uri="{FF2B5EF4-FFF2-40B4-BE49-F238E27FC236}">
-                <a16:creationId xmlns:a16="http://schemas.microsoft.com/office/drawing/2014/main" id="{AE3CAE2D-E69A-3A4A-A6D0-CA16D68BEA10}"/>
+                <a16:creationId xmlns:a16="http://schemas.microsoft.com/office/drawing/2014/main" xmlns="" id="{AE3CAE2D-E69A-3A4A-A6D0-CA16D68BEA10}"/>
               </a:ext>
             </a:extLst>
           </p:cNvPr>
@@ -19809,7 +20449,7 @@
           <p:cNvPr id="13" name="Picture 12">
             <a:extLst>
               <a:ext uri="{FF2B5EF4-FFF2-40B4-BE49-F238E27FC236}">
-                <a16:creationId xmlns:a16="http://schemas.microsoft.com/office/drawing/2014/main" id="{A830D5F1-4D6D-4244-B98F-DC9F727D9BC3}"/>
+                <a16:creationId xmlns:a16="http://schemas.microsoft.com/office/drawing/2014/main" xmlns="" id="{A830D5F1-4D6D-4244-B98F-DC9F727D9BC3}"/>
               </a:ext>
             </a:extLst>
           </p:cNvPr>
@@ -19877,10 +20517,10 @@
           <p:cNvPr id="11" name="Rectangle 10">
             <a:extLst>
               <a:ext uri="{FF2B5EF4-FFF2-40B4-BE49-F238E27FC236}">
-                <a16:creationId xmlns:a16="http://schemas.microsoft.com/office/drawing/2014/main" id="{4351DFE5-F63D-4BE0-BDA9-E3EB88F01AA5}"/>
+                <a16:creationId xmlns:a16="http://schemas.microsoft.com/office/drawing/2014/main" xmlns="" id="{4351DFE5-F63D-4BE0-BDA9-E3EB88F01AA5}"/>
               </a:ext>
               <a:ext uri="{C183D7F6-B498-43B3-948B-1728B52AA6E4}">
-                <adec:decorative xmlns:adec="http://schemas.microsoft.com/office/drawing/2017/decorative" val="1"/>
+                <adec:decorative xmlns:adec="http://schemas.microsoft.com/office/drawing/2017/decorative" xmlns="" val="1"/>
               </a:ext>
             </a:extLst>
           </p:cNvPr>
@@ -19890,7 +20530,7 @@
           <p:nvPr>
             <p:extLst>
               <p:ext uri="{386F3935-93C4-4BCD-93E2-E3B085C9AB24}">
-                <p16:designElem xmlns:p16="http://schemas.microsoft.com/office/powerpoint/2015/main" val="1"/>
+                <p16:designElem xmlns:p16="http://schemas.microsoft.com/office/powerpoint/2015/main" xmlns="" val="1"/>
               </p:ext>
             </p:extLst>
           </p:nvPr>
@@ -19962,10 +20602,10 @@
           <p:cNvPr id="13" name="Picture 12">
             <a:extLst>
               <a:ext uri="{FF2B5EF4-FFF2-40B4-BE49-F238E27FC236}">
-                <a16:creationId xmlns:a16="http://schemas.microsoft.com/office/drawing/2014/main" id="{02DD2BC0-6F29-4B4F-8D61-2DCF6D2E8E73}"/>
+                <a16:creationId xmlns:a16="http://schemas.microsoft.com/office/drawing/2014/main" xmlns="" id="{02DD2BC0-6F29-4B4F-8D61-2DCF6D2E8E73}"/>
               </a:ext>
               <a:ext uri="{C183D7F6-B498-43B3-948B-1728B52AA6E4}">
-                <adec:decorative xmlns:adec="http://schemas.microsoft.com/office/drawing/2017/decorative" val="1"/>
+                <adec:decorative xmlns:adec="http://schemas.microsoft.com/office/drawing/2017/decorative" xmlns="" val="1"/>
               </a:ext>
             </a:extLst>
           </p:cNvPr>
@@ -19975,7 +20615,7 @@
           <p:nvPr>
             <p:extLst>
               <p:ext uri="{386F3935-93C4-4BCD-93E2-E3B085C9AB24}">
-                <p16:designElem xmlns:p16="http://schemas.microsoft.com/office/powerpoint/2015/main" val="1"/>
+                <p16:designElem xmlns:p16="http://schemas.microsoft.com/office/powerpoint/2015/main" xmlns="" val="1"/>
               </p:ext>
             </p:extLst>
           </p:nvPr>
@@ -20007,7 +20647,7 @@
           <p:cNvPr id="2" name="Title 1">
             <a:extLst>
               <a:ext uri="{FF2B5EF4-FFF2-40B4-BE49-F238E27FC236}">
-                <a16:creationId xmlns:a16="http://schemas.microsoft.com/office/drawing/2014/main" id="{02BCACA2-D968-7B43-859F-DE266A1394AD}"/>
+                <a16:creationId xmlns:a16="http://schemas.microsoft.com/office/drawing/2014/main" xmlns="" id="{02BCACA2-D968-7B43-859F-DE266A1394AD}"/>
               </a:ext>
             </a:extLst>
           </p:cNvPr>
@@ -20047,7 +20687,7 @@
           <p:cNvPr id="4" name="Picture 2" descr="https://lh6.googleusercontent.com/o-zD3gg3ajvak73M3tIgSa37WGMmigpo988VwPz8pSJBDBvuXH5Rtf-BffEU8IXtAKwYUD8W2I4Xn-WRyfQnGjliPblaizdA8Ug-BvozLLP_CdvBhnr8wRhX6OgDDs0C_3joz4XDm_ANp7-D9w">
             <a:extLst>
               <a:ext uri="{FF2B5EF4-FFF2-40B4-BE49-F238E27FC236}">
-                <a16:creationId xmlns:a16="http://schemas.microsoft.com/office/drawing/2014/main" id="{4FB82333-C1EB-7E45-8A3F-FBB04B9F04A8}"/>
+                <a16:creationId xmlns:a16="http://schemas.microsoft.com/office/drawing/2014/main" xmlns="" id="{4FB82333-C1EB-7E45-8A3F-FBB04B9F04A8}"/>
               </a:ext>
             </a:extLst>
           </p:cNvPr>
@@ -20092,7 +20732,7 @@
           <p:cNvPr id="3" name="TextBox 2">
             <a:extLst>
               <a:ext uri="{FF2B5EF4-FFF2-40B4-BE49-F238E27FC236}">
-                <a16:creationId xmlns:a16="http://schemas.microsoft.com/office/drawing/2014/main" id="{42219E4E-DB7B-1E42-AE5C-DAC8CFA597BF}"/>
+                <a16:creationId xmlns:a16="http://schemas.microsoft.com/office/drawing/2014/main" xmlns="" id="{42219E4E-DB7B-1E42-AE5C-DAC8CFA597BF}"/>
               </a:ext>
             </a:extLst>
           </p:cNvPr>
@@ -20276,10 +20916,10 @@
           <p:cNvPr id="10" name="Rectangle 9">
             <a:extLst>
               <a:ext uri="{FF2B5EF4-FFF2-40B4-BE49-F238E27FC236}">
-                <a16:creationId xmlns:a16="http://schemas.microsoft.com/office/drawing/2014/main" id="{86197D16-FE75-4A0E-A0C9-28C0F04A43DF}"/>
+                <a16:creationId xmlns:a16="http://schemas.microsoft.com/office/drawing/2014/main" xmlns="" id="{86197D16-FE75-4A0E-A0C9-28C0F04A43DF}"/>
               </a:ext>
               <a:ext uri="{C183D7F6-B498-43B3-948B-1728B52AA6E4}">
-                <adec:decorative xmlns:adec="http://schemas.microsoft.com/office/drawing/2017/decorative" val="1"/>
+                <adec:decorative xmlns:adec="http://schemas.microsoft.com/office/drawing/2017/decorative" xmlns="" val="1"/>
               </a:ext>
             </a:extLst>
           </p:cNvPr>
@@ -20289,7 +20929,7 @@
           <p:nvPr>
             <p:extLst>
               <p:ext uri="{386F3935-93C4-4BCD-93E2-E3B085C9AB24}">
-                <p16:designElem xmlns:p16="http://schemas.microsoft.com/office/powerpoint/2015/main" val="1"/>
+                <p16:designElem xmlns:p16="http://schemas.microsoft.com/office/powerpoint/2015/main" xmlns="" val="1"/>
               </p:ext>
             </p:extLst>
           </p:nvPr>
@@ -20361,10 +21001,10 @@
           <p:cNvPr id="12" name="Picture 11">
             <a:extLst>
               <a:ext uri="{FF2B5EF4-FFF2-40B4-BE49-F238E27FC236}">
-                <a16:creationId xmlns:a16="http://schemas.microsoft.com/office/drawing/2014/main" id="{FA8FCEC6-4B30-4FF2-8B32-504BEAEA3A16}"/>
+                <a16:creationId xmlns:a16="http://schemas.microsoft.com/office/drawing/2014/main" xmlns="" id="{FA8FCEC6-4B30-4FF2-8B32-504BEAEA3A16}"/>
               </a:ext>
               <a:ext uri="{C183D7F6-B498-43B3-948B-1728B52AA6E4}">
-                <adec:decorative xmlns:adec="http://schemas.microsoft.com/office/drawing/2017/decorative" val="1"/>
+                <adec:decorative xmlns:adec="http://schemas.microsoft.com/office/drawing/2017/decorative" xmlns="" val="1"/>
               </a:ext>
             </a:extLst>
           </p:cNvPr>
@@ -20374,7 +21014,7 @@
           <p:nvPr>
             <p:extLst>
               <p:ext uri="{386F3935-93C4-4BCD-93E2-E3B085C9AB24}">
-                <p16:designElem xmlns:p16="http://schemas.microsoft.com/office/powerpoint/2015/main" val="1"/>
+                <p16:designElem xmlns:p16="http://schemas.microsoft.com/office/powerpoint/2015/main" xmlns="" val="1"/>
               </p:ext>
             </p:extLst>
           </p:nvPr>
@@ -20450,7 +21090,7 @@
           <p:cNvPr id="2" name="Title 1">
             <a:extLst>
               <a:ext uri="{FF2B5EF4-FFF2-40B4-BE49-F238E27FC236}">
-                <a16:creationId xmlns:a16="http://schemas.microsoft.com/office/drawing/2014/main" id="{979451DB-A8DC-194F-8BC3-68E815869ADA}"/>
+                <a16:creationId xmlns:a16="http://schemas.microsoft.com/office/drawing/2014/main" xmlns="" id="{979451DB-A8DC-194F-8BC3-68E815869ADA}"/>
               </a:ext>
             </a:extLst>
           </p:cNvPr>
@@ -20490,7 +21130,7 @@
           <p:cNvPr id="5" name="Picture 2" descr="https://lh6.googleusercontent.com/o-zD3gg3ajvak73M3tIgSa37WGMmigpo988VwPz8pSJBDBvuXH5Rtf-BffEU8IXtAKwYUD8W2I4Xn-WRyfQnGjliPblaizdA8Ug-BvozLLP_CdvBhnr8wRhX6OgDDs0C_3joz4XDm_ANp7-D9w">
             <a:extLst>
               <a:ext uri="{FF2B5EF4-FFF2-40B4-BE49-F238E27FC236}">
-                <a16:creationId xmlns:a16="http://schemas.microsoft.com/office/drawing/2014/main" id="{1C7F4249-298E-0845-B74C-1DF7E05A0052}"/>
+                <a16:creationId xmlns:a16="http://schemas.microsoft.com/office/drawing/2014/main" xmlns="" id="{1C7F4249-298E-0845-B74C-1DF7E05A0052}"/>
               </a:ext>
             </a:extLst>
           </p:cNvPr>
@@ -20573,10 +21213,10 @@
           <p:cNvPr id="11" name="Rectangle 10">
             <a:extLst>
               <a:ext uri="{FF2B5EF4-FFF2-40B4-BE49-F238E27FC236}">
-                <a16:creationId xmlns:a16="http://schemas.microsoft.com/office/drawing/2014/main" id="{4351DFE5-F63D-4BE0-BDA9-E3EB88F01AA5}"/>
+                <a16:creationId xmlns:a16="http://schemas.microsoft.com/office/drawing/2014/main" xmlns="" id="{4351DFE5-F63D-4BE0-BDA9-E3EB88F01AA5}"/>
               </a:ext>
               <a:ext uri="{C183D7F6-B498-43B3-948B-1728B52AA6E4}">
-                <adec:decorative xmlns:adec="http://schemas.microsoft.com/office/drawing/2017/decorative" val="1"/>
+                <adec:decorative xmlns:adec="http://schemas.microsoft.com/office/drawing/2017/decorative" xmlns="" val="1"/>
               </a:ext>
             </a:extLst>
           </p:cNvPr>
@@ -20586,7 +21226,7 @@
           <p:nvPr>
             <p:extLst>
               <p:ext uri="{386F3935-93C4-4BCD-93E2-E3B085C9AB24}">
-                <p16:designElem xmlns:p16="http://schemas.microsoft.com/office/powerpoint/2015/main" val="1"/>
+                <p16:designElem xmlns:p16="http://schemas.microsoft.com/office/powerpoint/2015/main" xmlns="" val="1"/>
               </p:ext>
             </p:extLst>
           </p:nvPr>
@@ -20658,10 +21298,10 @@
           <p:cNvPr id="13" name="Picture 12">
             <a:extLst>
               <a:ext uri="{FF2B5EF4-FFF2-40B4-BE49-F238E27FC236}">
-                <a16:creationId xmlns:a16="http://schemas.microsoft.com/office/drawing/2014/main" id="{02DD2BC0-6F29-4B4F-8D61-2DCF6D2E8E73}"/>
+                <a16:creationId xmlns:a16="http://schemas.microsoft.com/office/drawing/2014/main" xmlns="" id="{02DD2BC0-6F29-4B4F-8D61-2DCF6D2E8E73}"/>
               </a:ext>
               <a:ext uri="{C183D7F6-B498-43B3-948B-1728B52AA6E4}">
-                <adec:decorative xmlns:adec="http://schemas.microsoft.com/office/drawing/2017/decorative" val="1"/>
+                <adec:decorative xmlns:adec="http://schemas.microsoft.com/office/drawing/2017/decorative" xmlns="" val="1"/>
               </a:ext>
             </a:extLst>
           </p:cNvPr>
@@ -20671,7 +21311,7 @@
           <p:nvPr>
             <p:extLst>
               <p:ext uri="{386F3935-93C4-4BCD-93E2-E3B085C9AB24}">
-                <p16:designElem xmlns:p16="http://schemas.microsoft.com/office/powerpoint/2015/main" val="1"/>
+                <p16:designElem xmlns:p16="http://schemas.microsoft.com/office/powerpoint/2015/main" xmlns="" val="1"/>
               </p:ext>
             </p:extLst>
           </p:nvPr>
@@ -20703,7 +21343,7 @@
           <p:cNvPr id="2" name="Title 1">
             <a:extLst>
               <a:ext uri="{FF2B5EF4-FFF2-40B4-BE49-F238E27FC236}">
-                <a16:creationId xmlns:a16="http://schemas.microsoft.com/office/drawing/2014/main" id="{02BCACA2-D968-7B43-859F-DE266A1394AD}"/>
+                <a16:creationId xmlns:a16="http://schemas.microsoft.com/office/drawing/2014/main" xmlns="" id="{02BCACA2-D968-7B43-859F-DE266A1394AD}"/>
               </a:ext>
             </a:extLst>
           </p:cNvPr>
@@ -20743,7 +21383,7 @@
           <p:cNvPr id="4" name="Picture 2" descr="https://lh6.googleusercontent.com/o-zD3gg3ajvak73M3tIgSa37WGMmigpo988VwPz8pSJBDBvuXH5Rtf-BffEU8IXtAKwYUD8W2I4Xn-WRyfQnGjliPblaizdA8Ug-BvozLLP_CdvBhnr8wRhX6OgDDs0C_3joz4XDm_ANp7-D9w">
             <a:extLst>
               <a:ext uri="{FF2B5EF4-FFF2-40B4-BE49-F238E27FC236}">
-                <a16:creationId xmlns:a16="http://schemas.microsoft.com/office/drawing/2014/main" id="{4FB82333-C1EB-7E45-8A3F-FBB04B9F04A8}"/>
+                <a16:creationId xmlns:a16="http://schemas.microsoft.com/office/drawing/2014/main" xmlns="" id="{4FB82333-C1EB-7E45-8A3F-FBB04B9F04A8}"/>
               </a:ext>
             </a:extLst>
           </p:cNvPr>
@@ -20788,7 +21428,7 @@
           <p:cNvPr id="15" name="TextBox 14">
             <a:extLst>
               <a:ext uri="{FF2B5EF4-FFF2-40B4-BE49-F238E27FC236}">
-                <a16:creationId xmlns:a16="http://schemas.microsoft.com/office/drawing/2014/main" id="{0A22F531-D2E0-FE48-8DBF-570600A7F8B8}"/>
+                <a16:creationId xmlns:a16="http://schemas.microsoft.com/office/drawing/2014/main" xmlns="" id="{0A22F531-D2E0-FE48-8DBF-570600A7F8B8}"/>
               </a:ext>
             </a:extLst>
           </p:cNvPr>
@@ -20797,8 +21437,8 @@
         </p:nvSpPr>
         <p:spPr>
           <a:xfrm>
-            <a:off x="1539458" y="3196124"/>
-            <a:ext cx="6891620" cy="3970318"/>
+            <a:off x="1539458" y="2281724"/>
+            <a:ext cx="6891620" cy="3108543"/>
           </a:xfrm>
           <a:prstGeom prst="rect">
             <a:avLst/>
@@ -20851,15 +21491,42 @@
                   <a:srgbClr val="121259"/>
                 </a:solidFill>
               </a:rPr>
-              <a:t>Recommender System for </a:t>
+              <a:t>Recommender System </a:t>
             </a:r>
             <a:r>
-              <a:rPr lang="en-US" sz="2800" i="1" dirty="0">
+              <a:rPr lang="en-US" sz="2800" dirty="0" smtClean="0">
                 <a:solidFill>
                   <a:srgbClr val="121259"/>
                 </a:solidFill>
               </a:rPr>
-              <a:t>Students </a:t>
+              <a:t>for MSLAS </a:t>
+            </a:r>
+            <a:r>
+              <a:rPr lang="en-US" sz="2800" i="1" dirty="0" smtClean="0">
+                <a:solidFill>
+                  <a:srgbClr val="121259"/>
+                </a:solidFill>
+              </a:rPr>
+              <a:t>Students</a:t>
+            </a:r>
+            <a:endParaRPr lang="en-US" sz="2800" dirty="0" smtClean="0">
+              <a:solidFill>
+                <a:srgbClr val="121259"/>
+              </a:solidFill>
+            </a:endParaRPr>
+          </a:p>
+          <a:p>
+            <a:pPr marL="457200" indent="-457200">
+              <a:buFont typeface="Wingdings" pitchFamily="2" charset="2"/>
+              <a:buChar char="§"/>
+            </a:pPr>
+            <a:r>
+              <a:rPr lang="en-US" sz="2800" dirty="0" smtClean="0">
+                <a:solidFill>
+                  <a:srgbClr val="121259"/>
+                </a:solidFill>
+              </a:rPr>
+              <a:t>Supporting </a:t>
             </a:r>
             <a:r>
               <a:rPr lang="en-US" sz="2800" dirty="0">
@@ -20867,35 +21534,7 @@
                   <a:srgbClr val="121259"/>
                 </a:solidFill>
               </a:rPr>
-              <a:t>of</a:t>
-            </a:r>
-          </a:p>
-          <a:p>
-            <a:pPr marL="914400" lvl="1" indent="-457200">
-              <a:buFont typeface="Wingdings" pitchFamily="2" charset="2"/>
-              <a:buChar char="§"/>
-            </a:pPr>
-            <a:r>
-              <a:rPr lang="en-US" sz="2800" dirty="0">
-                <a:solidFill>
-                  <a:srgbClr val="121259"/>
-                </a:solidFill>
-              </a:rPr>
-              <a:t>University College Maastricht (Liberal Arts and Sciences program)</a:t>
-            </a:r>
-          </a:p>
-          <a:p>
-            <a:pPr marL="457200" indent="-457200">
-              <a:buFont typeface="Wingdings" pitchFamily="2" charset="2"/>
-              <a:buChar char="§"/>
-            </a:pPr>
-            <a:r>
-              <a:rPr lang="en-US" sz="2800" dirty="0">
-                <a:solidFill>
-                  <a:srgbClr val="121259"/>
-                </a:solidFill>
-              </a:rPr>
-              <a:t>Supporting Team:</a:t>
+              <a:t>Team:</a:t>
             </a:r>
           </a:p>
           <a:p>
@@ -20971,10 +21610,10 @@
           <p:cNvPr id="11" name="Rectangle 10">
             <a:extLst>
               <a:ext uri="{FF2B5EF4-FFF2-40B4-BE49-F238E27FC236}">
-                <a16:creationId xmlns:a16="http://schemas.microsoft.com/office/drawing/2014/main" id="{4351DFE5-F63D-4BE0-BDA9-E3EB88F01AA5}"/>
+                <a16:creationId xmlns:a16="http://schemas.microsoft.com/office/drawing/2014/main" xmlns="" id="{4351DFE5-F63D-4BE0-BDA9-E3EB88F01AA5}"/>
               </a:ext>
               <a:ext uri="{C183D7F6-B498-43B3-948B-1728B52AA6E4}">
-                <adec:decorative xmlns:adec="http://schemas.microsoft.com/office/drawing/2017/decorative" val="1"/>
+                <adec:decorative xmlns:adec="http://schemas.microsoft.com/office/drawing/2017/decorative" xmlns="" val="1"/>
               </a:ext>
             </a:extLst>
           </p:cNvPr>
@@ -20984,7 +21623,7 @@
           <p:nvPr>
             <p:extLst>
               <p:ext uri="{386F3935-93C4-4BCD-93E2-E3B085C9AB24}">
-                <p16:designElem xmlns:p16="http://schemas.microsoft.com/office/powerpoint/2015/main" val="1"/>
+                <p16:designElem xmlns:p16="http://schemas.microsoft.com/office/powerpoint/2015/main" xmlns="" val="1"/>
               </p:ext>
             </p:extLst>
           </p:nvPr>
@@ -21056,10 +21695,10 @@
           <p:cNvPr id="13" name="Picture 12">
             <a:extLst>
               <a:ext uri="{FF2B5EF4-FFF2-40B4-BE49-F238E27FC236}">
-                <a16:creationId xmlns:a16="http://schemas.microsoft.com/office/drawing/2014/main" id="{02DD2BC0-6F29-4B4F-8D61-2DCF6D2E8E73}"/>
+                <a16:creationId xmlns:a16="http://schemas.microsoft.com/office/drawing/2014/main" xmlns="" id="{02DD2BC0-6F29-4B4F-8D61-2DCF6D2E8E73}"/>
               </a:ext>
               <a:ext uri="{C183D7F6-B498-43B3-948B-1728B52AA6E4}">
-                <adec:decorative xmlns:adec="http://schemas.microsoft.com/office/drawing/2017/decorative" val="1"/>
+                <adec:decorative xmlns:adec="http://schemas.microsoft.com/office/drawing/2017/decorative" xmlns="" val="1"/>
               </a:ext>
             </a:extLst>
           </p:cNvPr>
@@ -21069,7 +21708,7 @@
           <p:nvPr>
             <p:extLst>
               <p:ext uri="{386F3935-93C4-4BCD-93E2-E3B085C9AB24}">
-                <p16:designElem xmlns:p16="http://schemas.microsoft.com/office/powerpoint/2015/main" val="1"/>
+                <p16:designElem xmlns:p16="http://schemas.microsoft.com/office/powerpoint/2015/main" xmlns="" val="1"/>
               </p:ext>
             </p:extLst>
           </p:nvPr>
@@ -21101,7 +21740,7 @@
           <p:cNvPr id="2" name="Title 1">
             <a:extLst>
               <a:ext uri="{FF2B5EF4-FFF2-40B4-BE49-F238E27FC236}">
-                <a16:creationId xmlns:a16="http://schemas.microsoft.com/office/drawing/2014/main" id="{02BCACA2-D968-7B43-859F-DE266A1394AD}"/>
+                <a16:creationId xmlns:a16="http://schemas.microsoft.com/office/drawing/2014/main" xmlns="" id="{02BCACA2-D968-7B43-859F-DE266A1394AD}"/>
               </a:ext>
             </a:extLst>
           </p:cNvPr>
@@ -21141,7 +21780,7 @@
           <p:cNvPr id="4" name="Picture 2" descr="https://lh6.googleusercontent.com/o-zD3gg3ajvak73M3tIgSa37WGMmigpo988VwPz8pSJBDBvuXH5Rtf-BffEU8IXtAKwYUD8W2I4Xn-WRyfQnGjliPblaizdA8Ug-BvozLLP_CdvBhnr8wRhX6OgDDs0C_3joz4XDm_ANp7-D9w">
             <a:extLst>
               <a:ext uri="{FF2B5EF4-FFF2-40B4-BE49-F238E27FC236}">
-                <a16:creationId xmlns:a16="http://schemas.microsoft.com/office/drawing/2014/main" id="{4FB82333-C1EB-7E45-8A3F-FBB04B9F04A8}"/>
+                <a16:creationId xmlns:a16="http://schemas.microsoft.com/office/drawing/2014/main" xmlns="" id="{4FB82333-C1EB-7E45-8A3F-FBB04B9F04A8}"/>
               </a:ext>
             </a:extLst>
           </p:cNvPr>
@@ -21186,7 +21825,7 @@
           <p:cNvPr id="14" name="TextBox 13">
             <a:extLst>
               <a:ext uri="{FF2B5EF4-FFF2-40B4-BE49-F238E27FC236}">
-                <a16:creationId xmlns:a16="http://schemas.microsoft.com/office/drawing/2014/main" id="{B9A4D418-1BBF-614E-877D-19C161ECA2C1}"/>
+                <a16:creationId xmlns:a16="http://schemas.microsoft.com/office/drawing/2014/main" xmlns="" id="{B9A4D418-1BBF-614E-877D-19C161ECA2C1}"/>
               </a:ext>
             </a:extLst>
           </p:cNvPr>
@@ -21195,8 +21834,8 @@
         </p:nvSpPr>
         <p:spPr>
           <a:xfrm>
-            <a:off x="1539458" y="3196124"/>
-            <a:ext cx="7665502" cy="3108543"/>
+            <a:off x="1539458" y="2647484"/>
+            <a:ext cx="7665502" cy="1384995"/>
           </a:xfrm>
           <a:prstGeom prst="rect">
             <a:avLst/>
@@ -21249,102 +21888,21 @@
                   <a:srgbClr val="121259"/>
                 </a:solidFill>
               </a:rPr>
-              <a:t>Improve the self-advising process</a:t>
+              <a:t>Improve </a:t>
             </a:r>
-          </a:p>
-          <a:p>
-            <a:pPr marL="457200" indent="-457200">
-              <a:buFont typeface="Wingdings" pitchFamily="2" charset="2"/>
-              <a:buChar char="§"/>
-            </a:pPr>
             <a:r>
-              <a:rPr lang="en-US" sz="2800" dirty="0">
+              <a:rPr lang="en-US" sz="2800" dirty="0" smtClean="0">
                 <a:solidFill>
                   <a:srgbClr val="121259"/>
                 </a:solidFill>
               </a:rPr>
-              <a:t>To </a:t>
+              <a:t>self- and academic advising</a:t>
             </a:r>
-            <a:r>
-              <a:rPr lang="en-US" sz="2800" b="1" dirty="0">
-                <a:solidFill>
-                  <a:srgbClr val="121259"/>
-                </a:solidFill>
-              </a:rPr>
-              <a:t>improve the information</a:t>
-            </a:r>
-            <a:r>
-              <a:rPr lang="en-US" sz="2800" dirty="0">
-                <a:solidFill>
-                  <a:srgbClr val="121259"/>
-                </a:solidFill>
-              </a:rPr>
-              <a:t> position of students with regard to their </a:t>
-            </a:r>
-            <a:r>
-              <a:rPr lang="en-US" sz="2800" b="1" dirty="0">
-                <a:solidFill>
-                  <a:srgbClr val="121259"/>
-                </a:solidFill>
-              </a:rPr>
-              <a:t>academic</a:t>
-            </a:r>
-            <a:r>
-              <a:rPr lang="en-US" sz="2800" dirty="0">
-                <a:solidFill>
-                  <a:srgbClr val="121259"/>
-                </a:solidFill>
-              </a:rPr>
-              <a:t> and </a:t>
-            </a:r>
-            <a:r>
-              <a:rPr lang="en-US" sz="2800" b="1" dirty="0">
-                <a:solidFill>
-                  <a:srgbClr val="121259"/>
-                </a:solidFill>
-              </a:rPr>
-              <a:t>professional</a:t>
-            </a:r>
-            <a:r>
-              <a:rPr lang="en-US" sz="2800" dirty="0">
-                <a:solidFill>
-                  <a:srgbClr val="121259"/>
-                </a:solidFill>
-              </a:rPr>
-              <a:t> interest, by </a:t>
-            </a:r>
-            <a:r>
-              <a:rPr lang="en-US" sz="2800" b="1" dirty="0">
-                <a:solidFill>
-                  <a:srgbClr val="121259"/>
-                </a:solidFill>
-              </a:rPr>
-              <a:t>complementing</a:t>
-            </a:r>
-            <a:r>
-              <a:rPr lang="en-US" sz="2800" dirty="0">
-                <a:solidFill>
-                  <a:srgbClr val="121259"/>
-                </a:solidFill>
-              </a:rPr>
-              <a:t> the work of </a:t>
-            </a:r>
-            <a:r>
-              <a:rPr lang="en-US" sz="2800" b="1" dirty="0">
-                <a:solidFill>
-                  <a:srgbClr val="121259"/>
-                </a:solidFill>
-              </a:rPr>
-              <a:t>academic advising </a:t>
-            </a:r>
-            <a:r>
-              <a:rPr lang="en-US" sz="2800" dirty="0">
-                <a:solidFill>
-                  <a:srgbClr val="121259"/>
-                </a:solidFill>
-              </a:rPr>
-              <a:t>and examination committee.</a:t>
-            </a:r>
+            <a:endParaRPr lang="en-US" sz="2800" dirty="0">
+              <a:solidFill>
+                <a:srgbClr val="121259"/>
+              </a:solidFill>
+            </a:endParaRPr>
           </a:p>
         </p:txBody>
       </p:sp>
@@ -21391,10 +21949,10 @@
           <p:cNvPr id="11" name="Rectangle 10">
             <a:extLst>
               <a:ext uri="{FF2B5EF4-FFF2-40B4-BE49-F238E27FC236}">
-                <a16:creationId xmlns:a16="http://schemas.microsoft.com/office/drawing/2014/main" id="{4351DFE5-F63D-4BE0-BDA9-E3EB88F01AA5}"/>
+                <a16:creationId xmlns:a16="http://schemas.microsoft.com/office/drawing/2014/main" xmlns="" id="{4351DFE5-F63D-4BE0-BDA9-E3EB88F01AA5}"/>
               </a:ext>
               <a:ext uri="{C183D7F6-B498-43B3-948B-1728B52AA6E4}">
-                <adec:decorative xmlns:adec="http://schemas.microsoft.com/office/drawing/2017/decorative" val="1"/>
+                <adec:decorative xmlns:adec="http://schemas.microsoft.com/office/drawing/2017/decorative" xmlns="" val="1"/>
               </a:ext>
             </a:extLst>
           </p:cNvPr>
@@ -21404,7 +21962,7 @@
           <p:nvPr>
             <p:extLst>
               <p:ext uri="{386F3935-93C4-4BCD-93E2-E3B085C9AB24}">
-                <p16:designElem xmlns:p16="http://schemas.microsoft.com/office/powerpoint/2015/main" val="1"/>
+                <p16:designElem xmlns:p16="http://schemas.microsoft.com/office/powerpoint/2015/main" xmlns="" val="1"/>
               </p:ext>
             </p:extLst>
           </p:nvPr>
@@ -21476,10 +22034,10 @@
           <p:cNvPr id="13" name="Picture 12">
             <a:extLst>
               <a:ext uri="{FF2B5EF4-FFF2-40B4-BE49-F238E27FC236}">
-                <a16:creationId xmlns:a16="http://schemas.microsoft.com/office/drawing/2014/main" id="{02DD2BC0-6F29-4B4F-8D61-2DCF6D2E8E73}"/>
+                <a16:creationId xmlns:a16="http://schemas.microsoft.com/office/drawing/2014/main" xmlns="" id="{02DD2BC0-6F29-4B4F-8D61-2DCF6D2E8E73}"/>
               </a:ext>
               <a:ext uri="{C183D7F6-B498-43B3-948B-1728B52AA6E4}">
-                <adec:decorative xmlns:adec="http://schemas.microsoft.com/office/drawing/2017/decorative" val="1"/>
+                <adec:decorative xmlns:adec="http://schemas.microsoft.com/office/drawing/2017/decorative" xmlns="" val="1"/>
               </a:ext>
             </a:extLst>
           </p:cNvPr>
@@ -21489,7 +22047,7 @@
           <p:nvPr>
             <p:extLst>
               <p:ext uri="{386F3935-93C4-4BCD-93E2-E3B085C9AB24}">
-                <p16:designElem xmlns:p16="http://schemas.microsoft.com/office/powerpoint/2015/main" val="1"/>
+                <p16:designElem xmlns:p16="http://schemas.microsoft.com/office/powerpoint/2015/main" xmlns="" val="1"/>
               </p:ext>
             </p:extLst>
           </p:nvPr>
@@ -21521,7 +22079,7 @@
           <p:cNvPr id="2" name="Title 1">
             <a:extLst>
               <a:ext uri="{FF2B5EF4-FFF2-40B4-BE49-F238E27FC236}">
-                <a16:creationId xmlns:a16="http://schemas.microsoft.com/office/drawing/2014/main" id="{02BCACA2-D968-7B43-859F-DE266A1394AD}"/>
+                <a16:creationId xmlns:a16="http://schemas.microsoft.com/office/drawing/2014/main" xmlns="" id="{02BCACA2-D968-7B43-859F-DE266A1394AD}"/>
               </a:ext>
             </a:extLst>
           </p:cNvPr>
@@ -21561,7 +22119,7 @@
           <p:cNvPr id="4" name="Picture 2" descr="https://lh6.googleusercontent.com/o-zD3gg3ajvak73M3tIgSa37WGMmigpo988VwPz8pSJBDBvuXH5Rtf-BffEU8IXtAKwYUD8W2I4Xn-WRyfQnGjliPblaizdA8Ug-BvozLLP_CdvBhnr8wRhX6OgDDs0C_3joz4XDm_ANp7-D9w">
             <a:extLst>
               <a:ext uri="{FF2B5EF4-FFF2-40B4-BE49-F238E27FC236}">
-                <a16:creationId xmlns:a16="http://schemas.microsoft.com/office/drawing/2014/main" id="{4FB82333-C1EB-7E45-8A3F-FBB04B9F04A8}"/>
+                <a16:creationId xmlns:a16="http://schemas.microsoft.com/office/drawing/2014/main" xmlns="" id="{4FB82333-C1EB-7E45-8A3F-FBB04B9F04A8}"/>
               </a:ext>
             </a:extLst>
           </p:cNvPr>
@@ -21606,7 +22164,7 @@
           <p:cNvPr id="7" name="Diagram 6">
             <a:extLst>
               <a:ext uri="{FF2B5EF4-FFF2-40B4-BE49-F238E27FC236}">
-                <a16:creationId xmlns:a16="http://schemas.microsoft.com/office/drawing/2014/main" id="{E6AD6190-76EE-8241-98F6-867245B7549E}"/>
+                <a16:creationId xmlns:a16="http://schemas.microsoft.com/office/drawing/2014/main" xmlns="" id="{E6AD6190-76EE-8241-98F6-867245B7549E}"/>
               </a:ext>
             </a:extLst>
           </p:cNvPr>
@@ -21672,10 +22230,10 @@
           <p:cNvPr id="10" name="Rectangle 9">
             <a:extLst>
               <a:ext uri="{FF2B5EF4-FFF2-40B4-BE49-F238E27FC236}">
-                <a16:creationId xmlns:a16="http://schemas.microsoft.com/office/drawing/2014/main" id="{86197D16-FE75-4A0E-A0C9-28C0F04A43DF}"/>
+                <a16:creationId xmlns:a16="http://schemas.microsoft.com/office/drawing/2014/main" xmlns="" id="{86197D16-FE75-4A0E-A0C9-28C0F04A43DF}"/>
               </a:ext>
               <a:ext uri="{C183D7F6-B498-43B3-948B-1728B52AA6E4}">
-                <adec:decorative xmlns:adec="http://schemas.microsoft.com/office/drawing/2017/decorative" val="1"/>
+                <adec:decorative xmlns:adec="http://schemas.microsoft.com/office/drawing/2017/decorative" xmlns="" val="1"/>
               </a:ext>
             </a:extLst>
           </p:cNvPr>
@@ -21685,7 +22243,7 @@
           <p:nvPr>
             <p:extLst>
               <p:ext uri="{386F3935-93C4-4BCD-93E2-E3B085C9AB24}">
-                <p16:designElem xmlns:p16="http://schemas.microsoft.com/office/powerpoint/2015/main" val="1"/>
+                <p16:designElem xmlns:p16="http://schemas.microsoft.com/office/powerpoint/2015/main" xmlns="" val="1"/>
               </p:ext>
             </p:extLst>
           </p:nvPr>
@@ -21757,10 +22315,10 @@
           <p:cNvPr id="12" name="Picture 11">
             <a:extLst>
               <a:ext uri="{FF2B5EF4-FFF2-40B4-BE49-F238E27FC236}">
-                <a16:creationId xmlns:a16="http://schemas.microsoft.com/office/drawing/2014/main" id="{FA8FCEC6-4B30-4FF2-8B32-504BEAEA3A16}"/>
+                <a16:creationId xmlns:a16="http://schemas.microsoft.com/office/drawing/2014/main" xmlns="" id="{FA8FCEC6-4B30-4FF2-8B32-504BEAEA3A16}"/>
               </a:ext>
               <a:ext uri="{C183D7F6-B498-43B3-948B-1728B52AA6E4}">
-                <adec:decorative xmlns:adec="http://schemas.microsoft.com/office/drawing/2017/decorative" val="1"/>
+                <adec:decorative xmlns:adec="http://schemas.microsoft.com/office/drawing/2017/decorative" xmlns="" val="1"/>
               </a:ext>
             </a:extLst>
           </p:cNvPr>
@@ -21770,7 +22328,7 @@
           <p:nvPr>
             <p:extLst>
               <p:ext uri="{386F3935-93C4-4BCD-93E2-E3B085C9AB24}">
-                <p16:designElem xmlns:p16="http://schemas.microsoft.com/office/powerpoint/2015/main" val="1"/>
+                <p16:designElem xmlns:p16="http://schemas.microsoft.com/office/powerpoint/2015/main" xmlns="" val="1"/>
               </p:ext>
             </p:extLst>
           </p:nvPr>
@@ -21846,7 +22404,7 @@
           <p:cNvPr id="2" name="Title 1">
             <a:extLst>
               <a:ext uri="{FF2B5EF4-FFF2-40B4-BE49-F238E27FC236}">
-                <a16:creationId xmlns:a16="http://schemas.microsoft.com/office/drawing/2014/main" id="{979451DB-A8DC-194F-8BC3-68E815869ADA}"/>
+                <a16:creationId xmlns:a16="http://schemas.microsoft.com/office/drawing/2014/main" xmlns="" id="{979451DB-A8DC-194F-8BC3-68E815869ADA}"/>
               </a:ext>
             </a:extLst>
           </p:cNvPr>
@@ -21886,7 +22444,7 @@
           <p:cNvPr id="5" name="Picture 2" descr="https://lh6.googleusercontent.com/o-zD3gg3ajvak73M3tIgSa37WGMmigpo988VwPz8pSJBDBvuXH5Rtf-BffEU8IXtAKwYUD8W2I4Xn-WRyfQnGjliPblaizdA8Ug-BvozLLP_CdvBhnr8wRhX6OgDDs0C_3joz4XDm_ANp7-D9w">
             <a:extLst>
               <a:ext uri="{FF2B5EF4-FFF2-40B4-BE49-F238E27FC236}">
-                <a16:creationId xmlns:a16="http://schemas.microsoft.com/office/drawing/2014/main" id="{1C7F4249-298E-0845-B74C-1DF7E05A0052}"/>
+                <a16:creationId xmlns:a16="http://schemas.microsoft.com/office/drawing/2014/main" xmlns="" id="{1C7F4249-298E-0845-B74C-1DF7E05A0052}"/>
               </a:ext>
             </a:extLst>
           </p:cNvPr>
@@ -21936,6 +22494,13 @@
   <p:clrMapOvr>
     <a:masterClrMapping/>
   </p:clrMapOvr>
+  <p:timing>
+    <p:tnLst>
+      <p:par>
+        <p:cTn id="1" dur="indefinite" restart="never" nodeType="tmRoot"/>
+      </p:par>
+    </p:tnLst>
+  </p:timing>
 </p:sld>
 </file>
 
@@ -21969,10 +22534,10 @@
           <p:cNvPr id="11" name="Rectangle 10">
             <a:extLst>
               <a:ext uri="{FF2B5EF4-FFF2-40B4-BE49-F238E27FC236}">
-                <a16:creationId xmlns:a16="http://schemas.microsoft.com/office/drawing/2014/main" id="{4351DFE5-F63D-4BE0-BDA9-E3EB88F01AA5}"/>
+                <a16:creationId xmlns:a16="http://schemas.microsoft.com/office/drawing/2014/main" xmlns="" id="{4351DFE5-F63D-4BE0-BDA9-E3EB88F01AA5}"/>
               </a:ext>
               <a:ext uri="{C183D7F6-B498-43B3-948B-1728B52AA6E4}">
-                <adec:decorative xmlns:adec="http://schemas.microsoft.com/office/drawing/2017/decorative" val="1"/>
+                <adec:decorative xmlns:adec="http://schemas.microsoft.com/office/drawing/2017/decorative" xmlns="" val="1"/>
               </a:ext>
             </a:extLst>
           </p:cNvPr>
@@ -21982,7 +22547,7 @@
           <p:nvPr>
             <p:extLst>
               <p:ext uri="{386F3935-93C4-4BCD-93E2-E3B085C9AB24}">
-                <p16:designElem xmlns:p16="http://schemas.microsoft.com/office/powerpoint/2015/main" val="1"/>
+                <p16:designElem xmlns:p16="http://schemas.microsoft.com/office/powerpoint/2015/main" xmlns="" val="1"/>
               </p:ext>
             </p:extLst>
           </p:nvPr>
@@ -22054,10 +22619,10 @@
           <p:cNvPr id="13" name="Picture 12">
             <a:extLst>
               <a:ext uri="{FF2B5EF4-FFF2-40B4-BE49-F238E27FC236}">
-                <a16:creationId xmlns:a16="http://schemas.microsoft.com/office/drawing/2014/main" id="{02DD2BC0-6F29-4B4F-8D61-2DCF6D2E8E73}"/>
+                <a16:creationId xmlns:a16="http://schemas.microsoft.com/office/drawing/2014/main" xmlns="" id="{02DD2BC0-6F29-4B4F-8D61-2DCF6D2E8E73}"/>
               </a:ext>
               <a:ext uri="{C183D7F6-B498-43B3-948B-1728B52AA6E4}">
-                <adec:decorative xmlns:adec="http://schemas.microsoft.com/office/drawing/2017/decorative" val="1"/>
+                <adec:decorative xmlns:adec="http://schemas.microsoft.com/office/drawing/2017/decorative" xmlns="" val="1"/>
               </a:ext>
             </a:extLst>
           </p:cNvPr>
@@ -22067,7 +22632,7 @@
           <p:nvPr>
             <p:extLst>
               <p:ext uri="{386F3935-93C4-4BCD-93E2-E3B085C9AB24}">
-                <p16:designElem xmlns:p16="http://schemas.microsoft.com/office/powerpoint/2015/main" val="1"/>
+                <p16:designElem xmlns:p16="http://schemas.microsoft.com/office/powerpoint/2015/main" xmlns="" val="1"/>
               </p:ext>
             </p:extLst>
           </p:nvPr>
@@ -22099,7 +22664,7 @@
           <p:cNvPr id="2" name="Title 1">
             <a:extLst>
               <a:ext uri="{FF2B5EF4-FFF2-40B4-BE49-F238E27FC236}">
-                <a16:creationId xmlns:a16="http://schemas.microsoft.com/office/drawing/2014/main" id="{02BCACA2-D968-7B43-859F-DE266A1394AD}"/>
+                <a16:creationId xmlns:a16="http://schemas.microsoft.com/office/drawing/2014/main" xmlns="" id="{02BCACA2-D968-7B43-859F-DE266A1394AD}"/>
               </a:ext>
             </a:extLst>
           </p:cNvPr>
@@ -22139,7 +22704,7 @@
           <p:cNvPr id="4" name="Picture 2" descr="https://lh6.googleusercontent.com/o-zD3gg3ajvak73M3tIgSa37WGMmigpo988VwPz8pSJBDBvuXH5Rtf-BffEU8IXtAKwYUD8W2I4Xn-WRyfQnGjliPblaizdA8Ug-BvozLLP_CdvBhnr8wRhX6OgDDs0C_3joz4XDm_ANp7-D9w">
             <a:extLst>
               <a:ext uri="{FF2B5EF4-FFF2-40B4-BE49-F238E27FC236}">
-                <a16:creationId xmlns:a16="http://schemas.microsoft.com/office/drawing/2014/main" id="{4FB82333-C1EB-7E45-8A3F-FBB04B9F04A8}"/>
+                <a16:creationId xmlns:a16="http://schemas.microsoft.com/office/drawing/2014/main" xmlns="" id="{4FB82333-C1EB-7E45-8A3F-FBB04B9F04A8}"/>
               </a:ext>
             </a:extLst>
           </p:cNvPr>
@@ -22184,7 +22749,7 @@
           <p:cNvPr id="8" name="Diagram 7">
             <a:extLst>
               <a:ext uri="{FF2B5EF4-FFF2-40B4-BE49-F238E27FC236}">
-                <a16:creationId xmlns:a16="http://schemas.microsoft.com/office/drawing/2014/main" id="{1D27ABC3-4E63-0943-BAE7-DFB0DA85A76F}"/>
+                <a16:creationId xmlns:a16="http://schemas.microsoft.com/office/drawing/2014/main" xmlns="" id="{1D27ABC3-4E63-0943-BAE7-DFB0DA85A76F}"/>
               </a:ext>
             </a:extLst>
           </p:cNvPr>
@@ -22192,7 +22757,7 @@
           <p:nvPr>
             <p:extLst>
               <p:ext uri="{D42A27DB-BD31-4B8C-83A1-F6EECF244321}">
-                <p14:modId xmlns:p14="http://schemas.microsoft.com/office/powerpoint/2010/main" val="2971414863"/>
+                <p14:modId xmlns:p14="http://schemas.microsoft.com/office/powerpoint/2010/main" val="2711596752"/>
               </p:ext>
             </p:extLst>
           </p:nvPr>
@@ -22217,6 +22782,13 @@
   <p:clrMapOvr>
     <a:masterClrMapping/>
   </p:clrMapOvr>
+  <p:timing>
+    <p:tnLst>
+      <p:par>
+        <p:cTn id="1" dur="indefinite" restart="never" nodeType="tmRoot"/>
+      </p:par>
+    </p:tnLst>
+  </p:timing>
 </p:sld>
 </file>
 
@@ -22509,7 +23081,7 @@
   <a:extraClrSchemeLst/>
   <a:extLst>
     <a:ext uri="{05A4C25C-085E-4340-85A3-A5531E510DB2}">
-      <thm15:themeFamily xmlns:thm15="http://schemas.microsoft.com/office/thememl/2012/main" name="Office Theme" id="{62F939B6-93AF-4DB8-9C6B-D6C7DFDC589F}" vid="{4A3C46E8-61CC-4603-A589-7422A47A8E4A}"/>
+      <thm15:themeFamily xmlns:thm15="http://schemas.microsoft.com/office/thememl/2012/main" xmlns="" name="Office Theme" id="{62F939B6-93AF-4DB8-9C6B-D6C7DFDC589F}" vid="{4A3C46E8-61CC-4603-A589-7422A47A8E4A}"/>
     </a:ext>
   </a:extLst>
 </a:theme>
@@ -22804,7 +23376,7 @@
   <a:extraClrSchemeLst/>
   <a:extLst>
     <a:ext uri="{05A4C25C-085E-4340-85A3-A5531E510DB2}">
-      <thm15:themeFamily xmlns:thm15="http://schemas.microsoft.com/office/thememl/2012/main" name="Office Theme" id="{62F939B6-93AF-4DB8-9C6B-D6C7DFDC589F}" vid="{4A3C46E8-61CC-4603-A589-7422A47A8E4A}"/>
+      <thm15:themeFamily xmlns:thm15="http://schemas.microsoft.com/office/thememl/2012/main" xmlns="" name="Office Theme" id="{62F939B6-93AF-4DB8-9C6B-D6C7DFDC589F}" vid="{4A3C46E8-61CC-4603-A589-7422A47A8E4A}"/>
     </a:ext>
   </a:extLst>
 </a:theme>
